--- a/Exploratory Data Analysis/assets/Internship Report.pptx
+++ b/Exploratory Data Analysis/assets/Internship Report.pptx
@@ -5,7 +5,7 @@
     <p:sldMasterId id="2147483720" r:id="rId1"/>
   </p:sldMasterIdLst>
   <p:notesMasterIdLst>
-    <p:notesMasterId r:id="rId16"/>
+    <p:notesMasterId r:id="rId21"/>
   </p:notesMasterIdLst>
   <p:sldIdLst>
     <p:sldId id="256" r:id="rId2"/>
@@ -19,9 +19,14 @@
     <p:sldId id="305" r:id="rId10"/>
     <p:sldId id="263" r:id="rId11"/>
     <p:sldId id="307" r:id="rId12"/>
-    <p:sldId id="264" r:id="rId13"/>
-    <p:sldId id="303" r:id="rId14"/>
-    <p:sldId id="266" r:id="rId15"/>
+    <p:sldId id="308" r:id="rId13"/>
+    <p:sldId id="309" r:id="rId14"/>
+    <p:sldId id="310" r:id="rId15"/>
+    <p:sldId id="311" r:id="rId16"/>
+    <p:sldId id="312" r:id="rId17"/>
+    <p:sldId id="264" r:id="rId18"/>
+    <p:sldId id="303" r:id="rId19"/>
+    <p:sldId id="266" r:id="rId20"/>
   </p:sldIdLst>
   <p:sldSz cx="9144000" cy="6858000" type="screen4x3"/>
   <p:notesSz cx="6858000" cy="9144000"/>
@@ -144,6 +149,11 @@
         <p14:section name="Google Earth Engine" id="{C8DE6D42-48B8-BF4A-9072-6B70BB600767}">
           <p14:sldIdLst>
             <p14:sldId id="307"/>
+            <p14:sldId id="308"/>
+            <p14:sldId id="309"/>
+            <p14:sldId id="310"/>
+            <p14:sldId id="311"/>
+            <p14:sldId id="312"/>
           </p14:sldIdLst>
         </p14:section>
         <p14:section name="Analysis and Conclusion" id="{7C6D1762-11F7-D444-B516-C3959D5F1019}">
@@ -176,9 +186,169 @@
 <file path=ppt/revisionInfo.xml><?xml version="1.0" encoding="utf-8"?>
 <p1510:revInfo xmlns:a="http://schemas.openxmlformats.org/drawingml/2006/main" xmlns:r="http://schemas.openxmlformats.org/officeDocument/2006/relationships" xmlns:p1510="http://schemas.microsoft.com/office/powerpoint/2015/10/main">
   <p1510:revLst>
-    <p1510:client id="{C47A70C9-4569-9741-9CF7-6820ECA2D6F3}" v="2" dt="2024-07-31T19:55:32.600"/>
+    <p1510:client id="{5856EE46-FC32-41E6-BE53-8098FEF8CBF4}" v="10" dt="2024-10-29T03:04:44.244"/>
   </p1510:revLst>
 </p1510:revInfo>
+</file>
+
+<file path=ppt/changesInfos/changesInfo1.xml><?xml version="1.0" encoding="utf-8"?>
+<pc:chgInfo xmlns:a="http://schemas.openxmlformats.org/drawingml/2006/main" xmlns:r="http://schemas.openxmlformats.org/officeDocument/2006/relationships" xmlns:ac="http://schemas.microsoft.com/office/drawing/2013/main/command" xmlns:pc="http://schemas.microsoft.com/office/powerpoint/2013/main/command">
+  <pc:docChgLst>
+    <pc:chgData name="Krutarth Ghuge" userId="a152bcfb61f4273a" providerId="LiveId" clId="{5856EE46-FC32-41E6-BE53-8098FEF8CBF4}"/>
+    <pc:docChg chg="undo custSel addSld modSld modSection">
+      <pc:chgData name="Krutarth Ghuge" userId="a152bcfb61f4273a" providerId="LiveId" clId="{5856EE46-FC32-41E6-BE53-8098FEF8CBF4}" dt="2024-10-29T03:07:58.773" v="1145" actId="207"/>
+      <pc:docMkLst>
+        <pc:docMk/>
+      </pc:docMkLst>
+      <pc:sldChg chg="modSp mod">
+        <pc:chgData name="Krutarth Ghuge" userId="a152bcfb61f4273a" providerId="LiveId" clId="{5856EE46-FC32-41E6-BE53-8098FEF8CBF4}" dt="2024-10-27T16:20:24.845" v="183" actId="20577"/>
+        <pc:sldMkLst>
+          <pc:docMk/>
+          <pc:sldMk cId="176098060" sldId="307"/>
+        </pc:sldMkLst>
+        <pc:spChg chg="mod">
+          <ac:chgData name="Krutarth Ghuge" userId="a152bcfb61f4273a" providerId="LiveId" clId="{5856EE46-FC32-41E6-BE53-8098FEF8CBF4}" dt="2024-10-27T16:19:36.822" v="22" actId="20577"/>
+          <ac:spMkLst>
+            <pc:docMk/>
+            <pc:sldMk cId="176098060" sldId="307"/>
+            <ac:spMk id="4" creationId="{E8ABB327-1B78-5FAA-1EF4-0FA785E827FE}"/>
+          </ac:spMkLst>
+        </pc:spChg>
+        <pc:spChg chg="mod">
+          <ac:chgData name="Krutarth Ghuge" userId="a152bcfb61f4273a" providerId="LiveId" clId="{5856EE46-FC32-41E6-BE53-8098FEF8CBF4}" dt="2024-10-27T16:20:24.845" v="183" actId="20577"/>
+          <ac:spMkLst>
+            <pc:docMk/>
+            <pc:sldMk cId="176098060" sldId="307"/>
+            <ac:spMk id="5" creationId="{32E9C81B-3C99-1CA3-3597-26D8317BF4BE}"/>
+          </ac:spMkLst>
+        </pc:spChg>
+      </pc:sldChg>
+      <pc:sldChg chg="addSp delSp modSp new mod modClrScheme chgLayout">
+        <pc:chgData name="Krutarth Ghuge" userId="a152bcfb61f4273a" providerId="LiveId" clId="{5856EE46-FC32-41E6-BE53-8098FEF8CBF4}" dt="2024-10-29T02:56:37.490" v="830" actId="20577"/>
+        <pc:sldMkLst>
+          <pc:docMk/>
+          <pc:sldMk cId="4100844004" sldId="308"/>
+        </pc:sldMkLst>
+        <pc:spChg chg="del mod ord">
+          <ac:chgData name="Krutarth Ghuge" userId="a152bcfb61f4273a" providerId="LiveId" clId="{5856EE46-FC32-41E6-BE53-8098FEF8CBF4}" dt="2024-10-29T02:46:20.824" v="185" actId="700"/>
+          <ac:spMkLst>
+            <pc:docMk/>
+            <pc:sldMk cId="4100844004" sldId="308"/>
+            <ac:spMk id="2" creationId="{10C57C7C-14C6-5B8E-6F37-E2BE5F90BDCC}"/>
+          </ac:spMkLst>
+        </pc:spChg>
+        <pc:spChg chg="del mod ord">
+          <ac:chgData name="Krutarth Ghuge" userId="a152bcfb61f4273a" providerId="LiveId" clId="{5856EE46-FC32-41E6-BE53-8098FEF8CBF4}" dt="2024-10-29T02:46:20.824" v="185" actId="700"/>
+          <ac:spMkLst>
+            <pc:docMk/>
+            <pc:sldMk cId="4100844004" sldId="308"/>
+            <ac:spMk id="3" creationId="{816C6C02-53AE-4FF6-D3C9-D7544F82E9F5}"/>
+          </ac:spMkLst>
+        </pc:spChg>
+        <pc:spChg chg="add mod ord">
+          <ac:chgData name="Krutarth Ghuge" userId="a152bcfb61f4273a" providerId="LiveId" clId="{5856EE46-FC32-41E6-BE53-8098FEF8CBF4}" dt="2024-10-29T02:46:31.049" v="195" actId="20577"/>
+          <ac:spMkLst>
+            <pc:docMk/>
+            <pc:sldMk cId="4100844004" sldId="308"/>
+            <ac:spMk id="4" creationId="{75461C7F-0BA9-029E-811F-AA17B6F7E1D1}"/>
+          </ac:spMkLst>
+        </pc:spChg>
+        <pc:spChg chg="add mod ord">
+          <ac:chgData name="Krutarth Ghuge" userId="a152bcfb61f4273a" providerId="LiveId" clId="{5856EE46-FC32-41E6-BE53-8098FEF8CBF4}" dt="2024-10-29T02:56:37.490" v="830" actId="20577"/>
+          <ac:spMkLst>
+            <pc:docMk/>
+            <pc:sldMk cId="4100844004" sldId="308"/>
+            <ac:spMk id="5" creationId="{EF5C0DC0-C2D1-339B-41EC-89A125F1551D}"/>
+          </ac:spMkLst>
+        </pc:spChg>
+      </pc:sldChg>
+      <pc:sldChg chg="modSp new mod modNotesTx">
+        <pc:chgData name="Krutarth Ghuge" userId="a152bcfb61f4273a" providerId="LiveId" clId="{5856EE46-FC32-41E6-BE53-8098FEF8CBF4}" dt="2024-10-29T03:07:58.773" v="1145" actId="207"/>
+        <pc:sldMkLst>
+          <pc:docMk/>
+          <pc:sldMk cId="3423340406" sldId="309"/>
+        </pc:sldMkLst>
+        <pc:spChg chg="mod">
+          <ac:chgData name="Krutarth Ghuge" userId="a152bcfb61f4273a" providerId="LiveId" clId="{5856EE46-FC32-41E6-BE53-8098FEF8CBF4}" dt="2024-10-29T02:57:25.419" v="854" actId="20577"/>
+          <ac:spMkLst>
+            <pc:docMk/>
+            <pc:sldMk cId="3423340406" sldId="309"/>
+            <ac:spMk id="2" creationId="{3943B4F0-9668-FF79-7EF2-F4C4B9BF01C2}"/>
+          </ac:spMkLst>
+        </pc:spChg>
+        <pc:spChg chg="mod">
+          <ac:chgData name="Krutarth Ghuge" userId="a152bcfb61f4273a" providerId="LiveId" clId="{5856EE46-FC32-41E6-BE53-8098FEF8CBF4}" dt="2024-10-29T03:07:58.773" v="1145" actId="207"/>
+          <ac:spMkLst>
+            <pc:docMk/>
+            <pc:sldMk cId="3423340406" sldId="309"/>
+            <ac:spMk id="3" creationId="{DC985BAB-A6BB-E066-83FC-E4912ACBFAC6}"/>
+          </ac:spMkLst>
+        </pc:spChg>
+      </pc:sldChg>
+      <pc:sldChg chg="modSp new mod">
+        <pc:chgData name="Krutarth Ghuge" userId="a152bcfb61f4273a" providerId="LiveId" clId="{5856EE46-FC32-41E6-BE53-8098FEF8CBF4}" dt="2024-10-29T03:03:44.518" v="1090" actId="313"/>
+        <pc:sldMkLst>
+          <pc:docMk/>
+          <pc:sldMk cId="1401441550" sldId="310"/>
+        </pc:sldMkLst>
+        <pc:spChg chg="mod">
+          <ac:chgData name="Krutarth Ghuge" userId="a152bcfb61f4273a" providerId="LiveId" clId="{5856EE46-FC32-41E6-BE53-8098FEF8CBF4}" dt="2024-10-29T03:03:44.518" v="1090" actId="313"/>
+          <ac:spMkLst>
+            <pc:docMk/>
+            <pc:sldMk cId="1401441550" sldId="310"/>
+            <ac:spMk id="2" creationId="{ECDDDF00-2DE7-6087-66A0-A4BD5E5E444C}"/>
+          </ac:spMkLst>
+        </pc:spChg>
+      </pc:sldChg>
+      <pc:sldChg chg="addSp delSp modSp new mod">
+        <pc:chgData name="Krutarth Ghuge" userId="a152bcfb61f4273a" providerId="LiveId" clId="{5856EE46-FC32-41E6-BE53-8098FEF8CBF4}" dt="2024-10-29T02:52:51.980" v="387" actId="20577"/>
+        <pc:sldMkLst>
+          <pc:docMk/>
+          <pc:sldMk cId="383235798" sldId="311"/>
+        </pc:sldMkLst>
+        <pc:spChg chg="mod">
+          <ac:chgData name="Krutarth Ghuge" userId="a152bcfb61f4273a" providerId="LiveId" clId="{5856EE46-FC32-41E6-BE53-8098FEF8CBF4}" dt="2024-10-29T02:52:20.154" v="312" actId="1076"/>
+          <ac:spMkLst>
+            <pc:docMk/>
+            <pc:sldMk cId="383235798" sldId="311"/>
+            <ac:spMk id="2" creationId="{7E10035D-B98D-2F81-7AEA-B292106AA90A}"/>
+          </ac:spMkLst>
+        </pc:spChg>
+        <pc:spChg chg="add del mod">
+          <ac:chgData name="Krutarth Ghuge" userId="a152bcfb61f4273a" providerId="LiveId" clId="{5856EE46-FC32-41E6-BE53-8098FEF8CBF4}" dt="2024-10-29T02:52:51.980" v="387" actId="20577"/>
+          <ac:spMkLst>
+            <pc:docMk/>
+            <pc:sldMk cId="383235798" sldId="311"/>
+            <ac:spMk id="3" creationId="{F50E8475-0C7C-563D-1FB6-5A8E9AE302A1}"/>
+          </ac:spMkLst>
+        </pc:spChg>
+        <pc:spChg chg="add mod">
+          <ac:chgData name="Krutarth Ghuge" userId="a152bcfb61f4273a" providerId="LiveId" clId="{5856EE46-FC32-41E6-BE53-8098FEF8CBF4}" dt="2024-10-29T02:51:26.383" v="284"/>
+          <ac:spMkLst>
+            <pc:docMk/>
+            <pc:sldMk cId="383235798" sldId="311"/>
+            <ac:spMk id="4" creationId="{26ADB71E-58CF-0E6E-9586-B6F5D348CD94}"/>
+          </ac:spMkLst>
+        </pc:spChg>
+      </pc:sldChg>
+      <pc:sldChg chg="modSp new mod">
+        <pc:chgData name="Krutarth Ghuge" userId="a152bcfb61f4273a" providerId="LiveId" clId="{5856EE46-FC32-41E6-BE53-8098FEF8CBF4}" dt="2024-10-29T02:47:20.346" v="280" actId="20577"/>
+        <pc:sldMkLst>
+          <pc:docMk/>
+          <pc:sldMk cId="132105306" sldId="312"/>
+        </pc:sldMkLst>
+        <pc:spChg chg="mod">
+          <ac:chgData name="Krutarth Ghuge" userId="a152bcfb61f4273a" providerId="LiveId" clId="{5856EE46-FC32-41E6-BE53-8098FEF8CBF4}" dt="2024-10-29T02:47:20.346" v="280" actId="20577"/>
+          <ac:spMkLst>
+            <pc:docMk/>
+            <pc:sldMk cId="132105306" sldId="312"/>
+            <ac:spMk id="2" creationId="{3C553B9F-6867-D5A0-E3C0-2A33514290DB}"/>
+          </ac:spMkLst>
+        </pc:spChg>
+      </pc:sldChg>
+    </pc:docChg>
+  </pc:docChgLst>
+</pc:chgInfo>
 </file>
 
 <file path=ppt/diagrams/colors1.xml><?xml version="1.0" encoding="utf-8"?>
@@ -2851,8 +3021,8 @@
     <dgm:cxn modelId="{995FF836-9FD8-4C92-8D9E-524E9FD8C801}" srcId="{62B7CF50-B682-425B-8631-1091D6BFEB98}" destId="{28E43F85-462B-4AF5-8256-F6471BAE416A}" srcOrd="1" destOrd="0" parTransId="{2A000B7E-B819-466F-94AA-623EA8BC7E60}" sibTransId="{0DB91637-BABB-484B-88AB-C082E4A6C231}"/>
     <dgm:cxn modelId="{B994D483-D8E8-A84C-8722-3BD53C819CAD}" type="presOf" srcId="{DD038D57-4DE9-3F4A-A6BA-394922FF6571}" destId="{F5030F63-6836-EE43-8150-6ACDA4C22843}" srcOrd="0" destOrd="0" presId="urn:microsoft.com/office/officeart/2005/8/layout/matrix3"/>
     <dgm:cxn modelId="{C25E6BAB-1A90-3D4B-BB75-5F5FB7024B93}" srcId="{62B7CF50-B682-425B-8631-1091D6BFEB98}" destId="{DD038D57-4DE9-3F4A-A6BA-394922FF6571}" srcOrd="3" destOrd="0" parTransId="{549AEBB9-8E62-9D49-A702-3C0EB44369FF}" sibTransId="{06890FF0-E465-EC4D-A06E-0AAB8FE94B15}"/>
+    <dgm:cxn modelId="{54136CC3-F0AF-B44A-AD67-35C3995B8E6A}" type="presOf" srcId="{C6BF6CAC-5A23-44DA-87AD-C708B8A20876}" destId="{773460A3-8246-DC47-B279-F238E2A70CEF}" srcOrd="0" destOrd="0" presId="urn:microsoft.com/office/officeart/2005/8/layout/matrix3"/>
     <dgm:cxn modelId="{8F574CC3-7678-2843-943F-134E12087762}" type="presOf" srcId="{62B7CF50-B682-425B-8631-1091D6BFEB98}" destId="{BB1DBA73-D1F7-0145-BE2E-162FA37E80C1}" srcOrd="0" destOrd="0" presId="urn:microsoft.com/office/officeart/2005/8/layout/matrix3"/>
-    <dgm:cxn modelId="{54136CC3-F0AF-B44A-AD67-35C3995B8E6A}" type="presOf" srcId="{C6BF6CAC-5A23-44DA-87AD-C708B8A20876}" destId="{773460A3-8246-DC47-B279-F238E2A70CEF}" srcOrd="0" destOrd="0" presId="urn:microsoft.com/office/officeart/2005/8/layout/matrix3"/>
     <dgm:cxn modelId="{D6F70EC6-F853-403F-BAF2-CF1059D4E383}" srcId="{62B7CF50-B682-425B-8631-1091D6BFEB98}" destId="{C6BF6CAC-5A23-44DA-87AD-C708B8A20876}" srcOrd="0" destOrd="0" parTransId="{15F8D187-3B26-4E27-9570-CA0FC1F36CB4}" sibTransId="{3CE4A1EC-084A-46E9-9173-E062015E6E5B}"/>
     <dgm:cxn modelId="{8CCEC0F0-8B23-43A5-969D-3E6916FDBAEB}" srcId="{62B7CF50-B682-425B-8631-1091D6BFEB98}" destId="{348F5E9D-45EF-4149-A138-E9ADBDFBE5B0}" srcOrd="2" destOrd="0" parTransId="{B8BB669F-3766-4E02-987B-4B36CD9EBBE5}" sibTransId="{1B1A7BF0-C146-41AC-AC53-EBDA7DC67CFF}"/>
     <dgm:cxn modelId="{51F795B7-3594-C74D-98C6-5EF1CED1129E}" type="presParOf" srcId="{BB1DBA73-D1F7-0145-BE2E-162FA37E80C1}" destId="{32224B82-4477-F043-B2F6-7C9266D0521A}" srcOrd="0" destOrd="0" presId="urn:microsoft.com/office/officeart/2005/8/layout/matrix3"/>
@@ -3474,9 +3644,9 @@
   <dgm:cxnLst>
     <dgm:cxn modelId="{C18DD725-8F48-F843-9F6A-3270A31AAC95}" type="presOf" srcId="{F2836C55-B7CD-4293-AB4E-ED74942AF2D9}" destId="{CAF843A7-D997-9647-88D9-9898720133D6}" srcOrd="0" destOrd="0" presId="urn:microsoft.com/office/officeart/2016/7/layout/BasicLinearProcessNumbered"/>
     <dgm:cxn modelId="{A00B784B-F6BE-334E-B33B-D7177A315FFC}" type="presOf" srcId="{CFF2B5C0-30C3-4A78-8122-A70220D77B26}" destId="{54E324ED-D27C-324B-B0AC-8131DBF1FFBE}" srcOrd="1" destOrd="0" presId="urn:microsoft.com/office/officeart/2016/7/layout/BasicLinearProcessNumbered"/>
+    <dgm:cxn modelId="{17AF786D-A5C5-9940-9754-BAD635D2A80A}" type="presOf" srcId="{3BE18480-1CAA-40B4-A962-1B2108579E17}" destId="{AD197AED-C9EB-D345-9224-AFD8B47D5A13}" srcOrd="1" destOrd="0" presId="urn:microsoft.com/office/officeart/2016/7/layout/BasicLinearProcessNumbered"/>
     <dgm:cxn modelId="{5B719452-D671-AA41-818C-2978DA04AF6A}" type="presOf" srcId="{BFCB7456-B75C-4E69-ACFB-1B5C179522C4}" destId="{F40FD106-D0C8-BD4C-A598-BB045B8EFE7B}" srcOrd="0" destOrd="0" presId="urn:microsoft.com/office/officeart/2016/7/layout/BasicLinearProcessNumbered"/>
     <dgm:cxn modelId="{69F90A54-8BEF-574D-89E4-03A67D772C9B}" type="presOf" srcId="{B33D090C-518B-44AF-8D8B-EDD66A28B136}" destId="{69F53576-EB2F-9B4E-B425-811DBE2A0387}" srcOrd="0" destOrd="0" presId="urn:microsoft.com/office/officeart/2016/7/layout/BasicLinearProcessNumbered"/>
-    <dgm:cxn modelId="{17AF786D-A5C5-9940-9754-BAD635D2A80A}" type="presOf" srcId="{3BE18480-1CAA-40B4-A962-1B2108579E17}" destId="{AD197AED-C9EB-D345-9224-AFD8B47D5A13}" srcOrd="1" destOrd="0" presId="urn:microsoft.com/office/officeart/2016/7/layout/BasicLinearProcessNumbered"/>
     <dgm:cxn modelId="{D907BA7E-311C-9B44-899A-36FE9ED86C43}" type="presOf" srcId="{CFF2B5C0-30C3-4A78-8122-A70220D77B26}" destId="{CF87AB89-5D0F-704E-9B81-255528306632}" srcOrd="0" destOrd="0" presId="urn:microsoft.com/office/officeart/2016/7/layout/BasicLinearProcessNumbered"/>
     <dgm:cxn modelId="{946A1684-25D6-284A-96CA-56BE88287EEC}" type="presOf" srcId="{A83D936F-CCDD-44CD-82AD-939E0DF7037D}" destId="{EBE11039-CB21-4143-A41C-CF75E2902978}" srcOrd="0" destOrd="0" presId="urn:microsoft.com/office/officeart/2016/7/layout/BasicLinearProcessNumbered"/>
     <dgm:cxn modelId="{13813488-2A92-8041-AAE4-E265EA24B504}" type="presOf" srcId="{3BE18480-1CAA-40B4-A962-1B2108579E17}" destId="{B738996E-60A1-8643-8CC2-CA9BECF52B95}" srcOrd="0" destOrd="0" presId="urn:microsoft.com/office/officeart/2016/7/layout/BasicLinearProcessNumbered"/>
@@ -4574,7 +4744,7 @@
           <a:schemeClr val="accent2">
             <a:tint val="40000"/>
             <a:alpha val="90000"/>
-            <a:hueOff val="10159497"/>
+            <a:hueOff val="10159496"/>
             <a:satOff val="-17387"/>
             <a:lumOff val="-1170"/>
             <a:alphaOff val="0"/>
@@ -4585,7 +4755,7 @@
             <a:schemeClr val="accent2">
               <a:tint val="40000"/>
               <a:alpha val="90000"/>
-              <a:hueOff val="10159497"/>
+              <a:hueOff val="10159496"/>
               <a:satOff val="-17387"/>
               <a:lumOff val="-1170"/>
               <a:alphaOff val="0"/>
@@ -4780,7 +4950,7 @@
           <a:schemeClr val="accent2">
             <a:tint val="40000"/>
             <a:alpha val="90000"/>
-            <a:hueOff val="20318994"/>
+            <a:hueOff val="20318992"/>
             <a:satOff val="-34774"/>
             <a:lumOff val="-2340"/>
             <a:alphaOff val="0"/>
@@ -4791,7 +4961,7 @@
             <a:schemeClr val="accent2">
               <a:tint val="40000"/>
               <a:alpha val="90000"/>
-              <a:hueOff val="20318994"/>
+              <a:hueOff val="20318992"/>
               <a:satOff val="-34774"/>
               <a:lumOff val="-2340"/>
               <a:alphaOff val="0"/>
@@ -8947,7 +9117,7 @@
           <a:p>
             <a:fld id="{8C18F5D1-0178-894B-B549-A2F140CE1AF6}" type="datetimeFigureOut">
               <a:rPr lang="en-US" smtClean="0"/>
-              <a:t>7/31/24</a:t>
+              <a:t>10/28/2024</a:t>
             </a:fld>
             <a:endParaRPr lang="en-US" dirty="0"/>
           </a:p>
@@ -9798,13 +9968,8 @@
             </a:pPr>
             <a:r>
               <a:rPr lang="en-US" dirty="0"/>
-              <a:t>From the code we deduced the maximum emitting subsectors for each </a:t>
+              <a:t>From the code we deduced the maximum emitting subsectors for each sector.</a:t>
             </a:r>
-            <a:r>
-              <a:rPr lang="en-US"/>
-              <a:t>sector.</a:t>
-            </a:r>
-            <a:endParaRPr lang="en-US" dirty="0"/>
           </a:p>
         </p:txBody>
       </p:sp>
@@ -9919,6 +10084,90 @@
     <p:extLst>
       <p:ext uri="{BB962C8B-B14F-4D97-AF65-F5344CB8AC3E}">
         <p14:creationId xmlns:p14="http://schemas.microsoft.com/office/powerpoint/2010/main" val="3303029412"/>
+      </p:ext>
+    </p:extLst>
+  </p:cSld>
+  <p:clrMapOvr>
+    <a:masterClrMapping/>
+  </p:clrMapOvr>
+</p:notes>
+</file>
+
+<file path=ppt/notesSlides/notesSlide8.xml><?xml version="1.0" encoding="utf-8"?>
+<p:notes xmlns:a="http://schemas.openxmlformats.org/drawingml/2006/main" xmlns:r="http://schemas.openxmlformats.org/officeDocument/2006/relationships" xmlns:p="http://schemas.openxmlformats.org/presentationml/2006/main">
+  <p:cSld>
+    <p:spTree>
+      <p:nvGrpSpPr>
+        <p:cNvPr id="1" name=""/>
+        <p:cNvGrpSpPr/>
+        <p:nvPr/>
+      </p:nvGrpSpPr>
+      <p:grpSpPr>
+        <a:xfrm>
+          <a:off x="0" y="0"/>
+          <a:ext cx="0" cy="0"/>
+          <a:chOff x="0" y="0"/>
+          <a:chExt cx="0" cy="0"/>
+        </a:xfrm>
+      </p:grpSpPr>
+      <p:sp>
+        <p:nvSpPr>
+          <p:cNvPr id="2" name="Slide Image Placeholder 1"/>
+          <p:cNvSpPr>
+            <a:spLocks noGrp="1" noRot="1" noChangeAspect="1"/>
+          </p:cNvSpPr>
+          <p:nvPr>
+            <p:ph type="sldImg"/>
+          </p:nvPr>
+        </p:nvSpPr>
+        <p:spPr/>
+      </p:sp>
+      <p:sp>
+        <p:nvSpPr>
+          <p:cNvPr id="3" name="Notes Placeholder 2"/>
+          <p:cNvSpPr>
+            <a:spLocks noGrp="1"/>
+          </p:cNvSpPr>
+          <p:nvPr>
+            <p:ph type="body" idx="1"/>
+          </p:nvPr>
+        </p:nvSpPr>
+        <p:spPr/>
+        <p:txBody>
+          <a:bodyPr/>
+          <a:lstStyle/>
+          <a:p>
+            <a:endParaRPr lang="en-CA" dirty="0"/>
+          </a:p>
+        </p:txBody>
+      </p:sp>
+      <p:sp>
+        <p:nvSpPr>
+          <p:cNvPr id="4" name="Slide Number Placeholder 3"/>
+          <p:cNvSpPr>
+            <a:spLocks noGrp="1"/>
+          </p:cNvSpPr>
+          <p:nvPr>
+            <p:ph type="sldNum" sz="quarter" idx="5"/>
+          </p:nvPr>
+        </p:nvSpPr>
+        <p:spPr/>
+        <p:txBody>
+          <a:bodyPr/>
+          <a:lstStyle/>
+          <a:p>
+            <a:fld id="{9385E89E-57AD-564F-A6E8-931B0C4A845F}" type="slidenum">
+              <a:rPr lang="en-US" smtClean="0"/>
+              <a:t>13</a:t>
+            </a:fld>
+            <a:endParaRPr lang="en-US" dirty="0"/>
+          </a:p>
+        </p:txBody>
+      </p:sp>
+    </p:spTree>
+    <p:extLst>
+      <p:ext uri="{BB962C8B-B14F-4D97-AF65-F5344CB8AC3E}">
+        <p14:creationId xmlns:p14="http://schemas.microsoft.com/office/powerpoint/2010/main" val="3916942202"/>
       </p:ext>
     </p:extLst>
   </p:cSld>
@@ -10152,7 +10401,7 @@
           <a:p>
             <a:fld id="{5BCAD085-E8A6-8845-BD4E-CB4CCA059FC4}" type="datetimeFigureOut">
               <a:rPr lang="en-US" smtClean="0"/>
-              <a:t>7/31/24</a:t>
+              <a:t>10/28/2024</a:t>
             </a:fld>
             <a:endParaRPr lang="en-US" dirty="0"/>
           </a:p>
@@ -10455,7 +10704,7 @@
           <a:p>
             <a:fld id="{5BCAD085-E8A6-8845-BD4E-CB4CCA059FC4}" type="datetimeFigureOut">
               <a:rPr lang="en-US" smtClean="0"/>
-              <a:t>7/31/24</a:t>
+              <a:t>10/28/2024</a:t>
             </a:fld>
             <a:endParaRPr lang="en-US" dirty="0"/>
           </a:p>
@@ -10733,7 +10982,7 @@
           <a:p>
             <a:fld id="{5BCAD085-E8A6-8845-BD4E-CB4CCA059FC4}" type="datetimeFigureOut">
               <a:rPr lang="en-US" smtClean="0"/>
-              <a:t>7/31/24</a:t>
+              <a:t>10/28/2024</a:t>
             </a:fld>
             <a:endParaRPr lang="en-US" dirty="0"/>
           </a:p>
@@ -11303,7 +11552,7 @@
           <a:p>
             <a:fld id="{5BCAD085-E8A6-8845-BD4E-CB4CCA059FC4}" type="datetimeFigureOut">
               <a:rPr lang="en-US" smtClean="0"/>
-              <a:t>7/31/24</a:t>
+              <a:t>10/28/2024</a:t>
             </a:fld>
             <a:endParaRPr lang="en-US" dirty="0"/>
           </a:p>
@@ -11581,7 +11830,7 @@
           <a:p>
             <a:fld id="{5BCAD085-E8A6-8845-BD4E-CB4CCA059FC4}" type="datetimeFigureOut">
               <a:rPr lang="en-US" smtClean="0"/>
-              <a:t>7/31/24</a:t>
+              <a:t>10/28/2024</a:t>
             </a:fld>
             <a:endParaRPr lang="en-US" dirty="0"/>
           </a:p>
@@ -12143,7 +12392,7 @@
           <a:p>
             <a:fld id="{5BCAD085-E8A6-8845-BD4E-CB4CCA059FC4}" type="datetimeFigureOut">
               <a:rPr lang="en-US" smtClean="0"/>
-              <a:t>7/31/24</a:t>
+              <a:t>10/28/2024</a:t>
             </a:fld>
             <a:endParaRPr lang="en-US" dirty="0"/>
           </a:p>
@@ -12470,7 +12719,7 @@
           <a:p>
             <a:fld id="{5BCAD085-E8A6-8845-BD4E-CB4CCA059FC4}" type="datetimeFigureOut">
               <a:rPr lang="en-US" smtClean="0"/>
-              <a:t>7/31/24</a:t>
+              <a:t>10/28/2024</a:t>
             </a:fld>
             <a:endParaRPr lang="en-US" dirty="0"/>
           </a:p>
@@ -12681,7 +12930,7 @@
           <a:p>
             <a:fld id="{5BCAD085-E8A6-8845-BD4E-CB4CCA059FC4}" type="datetimeFigureOut">
               <a:rPr lang="en-US" smtClean="0"/>
-              <a:t>7/31/24</a:t>
+              <a:t>10/28/2024</a:t>
             </a:fld>
             <a:endParaRPr lang="en-US" dirty="0"/>
           </a:p>
@@ -12897,7 +13146,7 @@
           <a:p>
             <a:fld id="{5BCAD085-E8A6-8845-BD4E-CB4CCA059FC4}" type="datetimeFigureOut">
               <a:rPr lang="en-US" smtClean="0"/>
-              <a:t>7/31/24</a:t>
+              <a:t>10/28/2024</a:t>
             </a:fld>
             <a:endParaRPr lang="en-US" dirty="0"/>
           </a:p>
@@ -13103,7 +13352,7 @@
           <a:p>
             <a:fld id="{5BCAD085-E8A6-8845-BD4E-CB4CCA059FC4}" type="datetimeFigureOut">
               <a:rPr lang="en-US" smtClean="0"/>
-              <a:t>7/31/24</a:t>
+              <a:t>10/28/2024</a:t>
             </a:fld>
             <a:endParaRPr lang="en-US" dirty="0"/>
           </a:p>
@@ -13381,7 +13630,7 @@
           <a:p>
             <a:fld id="{5BCAD085-E8A6-8845-BD4E-CB4CCA059FC4}" type="datetimeFigureOut">
               <a:rPr lang="en-US" smtClean="0"/>
-              <a:t>7/31/24</a:t>
+              <a:t>10/28/2024</a:t>
             </a:fld>
             <a:endParaRPr lang="en-US" dirty="0"/>
           </a:p>
@@ -13647,7 +13896,7 @@
           <a:p>
             <a:fld id="{5BCAD085-E8A6-8845-BD4E-CB4CCA059FC4}" type="datetimeFigureOut">
               <a:rPr lang="en-US" smtClean="0"/>
-              <a:t>7/31/24</a:t>
+              <a:t>10/28/2024</a:t>
             </a:fld>
             <a:endParaRPr lang="en-US" dirty="0"/>
           </a:p>
@@ -14053,7 +14302,7 @@
           <a:p>
             <a:fld id="{5BCAD085-E8A6-8845-BD4E-CB4CCA059FC4}" type="datetimeFigureOut">
               <a:rPr lang="en-US" smtClean="0"/>
-              <a:t>7/31/24</a:t>
+              <a:t>10/28/2024</a:t>
             </a:fld>
             <a:endParaRPr lang="en-US" dirty="0"/>
           </a:p>
@@ -14212,7 +14461,7 @@
           <a:p>
             <a:fld id="{5BCAD085-E8A6-8845-BD4E-CB4CCA059FC4}" type="datetimeFigureOut">
               <a:rPr lang="en-US" smtClean="0"/>
-              <a:t>7/31/24</a:t>
+              <a:t>10/28/2024</a:t>
             </a:fld>
             <a:endParaRPr lang="en-US" dirty="0"/>
           </a:p>
@@ -14337,7 +14586,7 @@
           <a:p>
             <a:fld id="{5BCAD085-E8A6-8845-BD4E-CB4CCA059FC4}" type="datetimeFigureOut">
               <a:rPr lang="en-US" smtClean="0"/>
-              <a:t>7/31/24</a:t>
+              <a:t>10/28/2024</a:t>
             </a:fld>
             <a:endParaRPr lang="en-US" dirty="0"/>
           </a:p>
@@ -14622,7 +14871,7 @@
           <a:p>
             <a:fld id="{5BCAD085-E8A6-8845-BD4E-CB4CCA059FC4}" type="datetimeFigureOut">
               <a:rPr lang="en-US" smtClean="0"/>
-              <a:t>7/31/24</a:t>
+              <a:t>10/28/2024</a:t>
             </a:fld>
             <a:endParaRPr lang="en-US" dirty="0"/>
           </a:p>
@@ -14915,7 +15164,7 @@
           <a:p>
             <a:fld id="{5BCAD085-E8A6-8845-BD4E-CB4CCA059FC4}" type="datetimeFigureOut">
               <a:rPr lang="en-US" smtClean="0"/>
-              <a:t>7/31/24</a:t>
+              <a:t>10/28/2024</a:t>
             </a:fld>
             <a:endParaRPr lang="en-US" dirty="0"/>
           </a:p>
@@ -15129,7 +15378,7 @@
           <a:p>
             <a:fld id="{5BCAD085-E8A6-8845-BD4E-CB4CCA059FC4}" type="datetimeFigureOut">
               <a:rPr lang="en-US" smtClean="0"/>
-              <a:t>7/31/24</a:t>
+              <a:t>10/28/2024</a:t>
             </a:fld>
             <a:endParaRPr lang="en-US" dirty="0"/>
           </a:p>
@@ -16339,7 +16588,10 @@
           <a:bodyPr/>
           <a:lstStyle/>
           <a:p>
-            <a:endParaRPr lang="en-US"/>
+            <a:r>
+              <a:rPr lang="en-US" dirty="0"/>
+              <a:t>Google Earth Engine</a:t>
+            </a:r>
           </a:p>
         </p:txBody>
       </p:sp>
@@ -16364,7 +16616,10 @@
           <a:bodyPr/>
           <a:lstStyle/>
           <a:p>
-            <a:endParaRPr lang="en-US"/>
+            <a:r>
+              <a:rPr lang="en-US" dirty="0"/>
+              <a:t>Using satellite data available on google earth engine to replicate similar results from climate trace.</a:t>
+            </a:r>
           </a:p>
         </p:txBody>
       </p:sp>
@@ -16382,6 +16637,1554 @@
 </file>
 
 <file path=ppt/slides/slide12.xml><?xml version="1.0" encoding="utf-8"?>
+<p:sld xmlns:a="http://schemas.openxmlformats.org/drawingml/2006/main" xmlns:r="http://schemas.openxmlformats.org/officeDocument/2006/relationships" xmlns:p="http://schemas.openxmlformats.org/presentationml/2006/main">
+  <p:cSld>
+    <p:spTree>
+      <p:nvGrpSpPr>
+        <p:cNvPr id="1" name=""/>
+        <p:cNvGrpSpPr/>
+        <p:nvPr/>
+      </p:nvGrpSpPr>
+      <p:grpSpPr>
+        <a:xfrm>
+          <a:off x="0" y="0"/>
+          <a:ext cx="0" cy="0"/>
+          <a:chOff x="0" y="0"/>
+          <a:chExt cx="0" cy="0"/>
+        </a:xfrm>
+      </p:grpSpPr>
+      <p:sp>
+        <p:nvSpPr>
+          <p:cNvPr id="4" name="Title 3">
+            <a:extLst>
+              <a:ext uri="{FF2B5EF4-FFF2-40B4-BE49-F238E27FC236}">
+                <a16:creationId xmlns:a16="http://schemas.microsoft.com/office/drawing/2014/main" id="{75461C7F-0BA9-029E-811F-AA17B6F7E1D1}"/>
+              </a:ext>
+            </a:extLst>
+          </p:cNvPr>
+          <p:cNvSpPr>
+            <a:spLocks noGrp="1"/>
+          </p:cNvSpPr>
+          <p:nvPr>
+            <p:ph type="title"/>
+          </p:nvPr>
+        </p:nvSpPr>
+        <p:spPr/>
+        <p:txBody>
+          <a:bodyPr/>
+          <a:lstStyle/>
+          <a:p>
+            <a:r>
+              <a:rPr lang="en-CA" dirty="0"/>
+              <a:t>Objectives</a:t>
+            </a:r>
+          </a:p>
+        </p:txBody>
+      </p:sp>
+      <p:sp>
+        <p:nvSpPr>
+          <p:cNvPr id="5" name="Content Placeholder 4">
+            <a:extLst>
+              <a:ext uri="{FF2B5EF4-FFF2-40B4-BE49-F238E27FC236}">
+                <a16:creationId xmlns:a16="http://schemas.microsoft.com/office/drawing/2014/main" id="{EF5C0DC0-C2D1-339B-41EC-89A125F1551D}"/>
+              </a:ext>
+            </a:extLst>
+          </p:cNvPr>
+          <p:cNvSpPr>
+            <a:spLocks noGrp="1"/>
+          </p:cNvSpPr>
+          <p:nvPr>
+            <p:ph idx="1"/>
+          </p:nvPr>
+        </p:nvSpPr>
+        <p:spPr/>
+        <p:txBody>
+          <a:bodyPr/>
+          <a:lstStyle/>
+          <a:p>
+            <a:pPr marL="342900" indent="-342900">
+              <a:buFont typeface="+mj-lt"/>
+              <a:buAutoNum type="arabicPeriod"/>
+            </a:pPr>
+            <a:r>
+              <a:rPr lang="en-CA" dirty="0"/>
+              <a:t>Using GEE, build a multi-factor environmental analysis model.</a:t>
+            </a:r>
+          </a:p>
+          <a:p>
+            <a:pPr marL="342900" indent="-342900">
+              <a:buFont typeface="+mj-lt"/>
+              <a:buAutoNum type="arabicPeriod"/>
+            </a:pPr>
+            <a:r>
+              <a:rPr lang="en-CA" dirty="0"/>
+              <a:t>Leverage the existing satellite data available to obtain accurate measurements.</a:t>
+            </a:r>
+          </a:p>
+          <a:p>
+            <a:pPr marL="342900" indent="-342900">
+              <a:buFont typeface="+mj-lt"/>
+              <a:buAutoNum type="arabicPeriod"/>
+            </a:pPr>
+            <a:r>
+              <a:rPr lang="en-CA" dirty="0"/>
+              <a:t>Develop a program that automates the specified data collection and its processing.</a:t>
+            </a:r>
+          </a:p>
+          <a:p>
+            <a:pPr marL="342900" indent="-342900">
+              <a:buFont typeface="+mj-lt"/>
+              <a:buAutoNum type="arabicPeriod"/>
+            </a:pPr>
+            <a:r>
+              <a:rPr lang="en-CA" dirty="0"/>
+              <a:t>Do the above while </a:t>
+            </a:r>
+            <a:r>
+              <a:rPr lang="en-US" dirty="0"/>
+              <a:t>ensuring modularity for adaptable analysis.</a:t>
+            </a:r>
+          </a:p>
+          <a:p>
+            <a:pPr marL="342900" indent="-342900">
+              <a:buFont typeface="+mj-lt"/>
+              <a:buAutoNum type="arabicPeriod"/>
+            </a:pPr>
+            <a:r>
+              <a:rPr lang="en-US" dirty="0"/>
+              <a:t>Establish a cost-effective data solution to keep track of critical environmental factors affecting India (project scope as of now).</a:t>
+            </a:r>
+            <a:endParaRPr lang="en-CA" dirty="0"/>
+          </a:p>
+        </p:txBody>
+      </p:sp>
+    </p:spTree>
+    <p:extLst>
+      <p:ext uri="{BB962C8B-B14F-4D97-AF65-F5344CB8AC3E}">
+        <p14:creationId xmlns:p14="http://schemas.microsoft.com/office/powerpoint/2010/main" val="4100844004"/>
+      </p:ext>
+    </p:extLst>
+  </p:cSld>
+  <p:clrMapOvr>
+    <a:masterClrMapping/>
+  </p:clrMapOvr>
+</p:sld>
+</file>
+
+<file path=ppt/slides/slide13.xml><?xml version="1.0" encoding="utf-8"?>
+<p:sld xmlns:a="http://schemas.openxmlformats.org/drawingml/2006/main" xmlns:r="http://schemas.openxmlformats.org/officeDocument/2006/relationships" xmlns:p="http://schemas.openxmlformats.org/presentationml/2006/main">
+  <p:cSld>
+    <p:spTree>
+      <p:nvGrpSpPr>
+        <p:cNvPr id="1" name=""/>
+        <p:cNvGrpSpPr/>
+        <p:nvPr/>
+      </p:nvGrpSpPr>
+      <p:grpSpPr>
+        <a:xfrm>
+          <a:off x="0" y="0"/>
+          <a:ext cx="0" cy="0"/>
+          <a:chOff x="0" y="0"/>
+          <a:chExt cx="0" cy="0"/>
+        </a:xfrm>
+      </p:grpSpPr>
+      <p:sp>
+        <p:nvSpPr>
+          <p:cNvPr id="2" name="Title 1">
+            <a:extLst>
+              <a:ext uri="{FF2B5EF4-FFF2-40B4-BE49-F238E27FC236}">
+                <a16:creationId xmlns:a16="http://schemas.microsoft.com/office/drawing/2014/main" id="{3943B4F0-9668-FF79-7EF2-F4C4B9BF01C2}"/>
+              </a:ext>
+            </a:extLst>
+          </p:cNvPr>
+          <p:cNvSpPr>
+            <a:spLocks noGrp="1"/>
+          </p:cNvSpPr>
+          <p:nvPr>
+            <p:ph type="title"/>
+          </p:nvPr>
+        </p:nvSpPr>
+        <p:spPr/>
+        <p:txBody>
+          <a:bodyPr/>
+          <a:lstStyle/>
+          <a:p>
+            <a:r>
+              <a:rPr lang="en-CA" dirty="0"/>
+              <a:t>Data (Satellite Data used)</a:t>
+            </a:r>
+          </a:p>
+        </p:txBody>
+      </p:sp>
+      <p:sp>
+        <p:nvSpPr>
+          <p:cNvPr id="3" name="Content Placeholder 2">
+            <a:extLst>
+              <a:ext uri="{FF2B5EF4-FFF2-40B4-BE49-F238E27FC236}">
+                <a16:creationId xmlns:a16="http://schemas.microsoft.com/office/drawing/2014/main" id="{DC985BAB-A6BB-E066-83FC-E4912ACBFAC6}"/>
+              </a:ext>
+            </a:extLst>
+          </p:cNvPr>
+          <p:cNvSpPr>
+            <a:spLocks noGrp="1"/>
+          </p:cNvSpPr>
+          <p:nvPr>
+            <p:ph idx="1"/>
+          </p:nvPr>
+        </p:nvSpPr>
+        <p:spPr>
+          <a:xfrm>
+            <a:off x="457200" y="1611984"/>
+            <a:ext cx="7772400" cy="5071620"/>
+          </a:xfrm>
+        </p:spPr>
+        <p:txBody>
+          <a:bodyPr>
+            <a:normAutofit fontScale="92500" lnSpcReduction="20000"/>
+          </a:bodyPr>
+          <a:lstStyle/>
+          <a:p>
+            <a:pPr marL="0" marR="0" lvl="0" indent="0" algn="l" defTabSz="914400" rtl="0" eaLnBrk="1" fontAlgn="auto" latinLnBrk="0" hangingPunct="1">
+              <a:lnSpc>
+                <a:spcPct val="100000"/>
+              </a:lnSpc>
+              <a:spcBef>
+                <a:spcPts val="0"/>
+              </a:spcBef>
+              <a:spcAft>
+                <a:spcPts val="0"/>
+              </a:spcAft>
+              <a:buClrTx/>
+              <a:buSzTx/>
+              <a:buNone/>
+              <a:tabLst/>
+              <a:defRPr/>
+            </a:pPr>
+            <a:r>
+              <a:rPr kumimoji="0" lang="en-CA" sz="1500" b="1" i="0" u="none" strike="noStrike" kern="1200" cap="none" spc="0" normalizeH="0" baseline="0" noProof="0" dirty="0">
+                <a:ln>
+                  <a:noFill/>
+                </a:ln>
+                <a:solidFill>
+                  <a:srgbClr val="002060"/>
+                </a:solidFill>
+                <a:effectLst/>
+                <a:uLnTx/>
+                <a:uFillTx/>
+                <a:latin typeface="Aptos" panose="02110004020202020204"/>
+                <a:ea typeface="+mn-ea"/>
+                <a:cs typeface="+mn-cs"/>
+              </a:rPr>
+              <a:t>Sentinel-5P (COPERNICUS/S5P/OFFL/L3_CH4)</a:t>
+            </a:r>
+            <a:endParaRPr lang="en-CA" sz="1500" b="1" dirty="0">
+              <a:solidFill>
+                <a:srgbClr val="002060"/>
+              </a:solidFill>
+              <a:latin typeface="Aptos" panose="02110004020202020204"/>
+            </a:endParaRPr>
+          </a:p>
+          <a:p>
+            <a:pPr defTabSz="914400">
+              <a:spcAft>
+                <a:spcPts val="0"/>
+              </a:spcAft>
+              <a:buClrTx/>
+              <a:buSzTx/>
+              <a:defRPr/>
+            </a:pPr>
+            <a:r>
+              <a:rPr kumimoji="0" lang="en-CA" sz="1300" b="1" i="0" u="none" strike="noStrike" kern="1200" cap="none" spc="0" normalizeH="0" baseline="0" noProof="0" dirty="0">
+                <a:ln>
+                  <a:noFill/>
+                </a:ln>
+                <a:effectLst/>
+                <a:uLnTx/>
+                <a:uFillTx/>
+                <a:latin typeface="Aptos" panose="02110004020202020204"/>
+                <a:ea typeface="+mn-ea"/>
+                <a:cs typeface="+mn-cs"/>
+              </a:rPr>
+              <a:t>Data Used</a:t>
+            </a:r>
+            <a:r>
+              <a:rPr kumimoji="0" lang="en-CA" sz="1300" b="0" i="0" u="none" strike="noStrike" kern="1200" cap="none" spc="0" normalizeH="0" baseline="0" noProof="0" dirty="0">
+                <a:ln>
+                  <a:noFill/>
+                </a:ln>
+                <a:effectLst/>
+                <a:uLnTx/>
+                <a:uFillTx/>
+                <a:latin typeface="Aptos" panose="02110004020202020204"/>
+                <a:ea typeface="+mn-ea"/>
+                <a:cs typeface="+mn-cs"/>
+              </a:rPr>
+              <a:t>: Methane (CH₄) concentration (CH4_column_volume_mixing_ratio_dry_air)</a:t>
+            </a:r>
+          </a:p>
+          <a:p>
+            <a:pPr defTabSz="914400">
+              <a:spcAft>
+                <a:spcPts val="0"/>
+              </a:spcAft>
+              <a:buClrTx/>
+              <a:buSzTx/>
+              <a:defRPr/>
+            </a:pPr>
+            <a:r>
+              <a:rPr kumimoji="0" lang="en-CA" sz="1300" b="1" i="0" u="none" strike="noStrike" kern="1200" cap="none" spc="0" normalizeH="0" baseline="0" noProof="0" dirty="0">
+                <a:ln>
+                  <a:noFill/>
+                </a:ln>
+                <a:effectLst/>
+                <a:uLnTx/>
+                <a:uFillTx/>
+                <a:latin typeface="Aptos" panose="02110004020202020204"/>
+                <a:ea typeface="+mn-ea"/>
+                <a:cs typeface="+mn-cs"/>
+              </a:rPr>
+              <a:t>Purpose</a:t>
+            </a:r>
+            <a:r>
+              <a:rPr kumimoji="0" lang="en-CA" sz="1300" b="0" i="0" u="none" strike="noStrike" kern="1200" cap="none" spc="0" normalizeH="0" baseline="0" noProof="0" dirty="0">
+                <a:ln>
+                  <a:noFill/>
+                </a:ln>
+                <a:effectLst/>
+                <a:uLnTx/>
+                <a:uFillTx/>
+                <a:latin typeface="Aptos" panose="02110004020202020204"/>
+                <a:ea typeface="+mn-ea"/>
+                <a:cs typeface="+mn-cs"/>
+              </a:rPr>
+              <a:t>: Assess air quality by measuring average methane levels in the target area.</a:t>
+            </a:r>
+            <a:br>
+              <a:rPr kumimoji="0" lang="en-CA" sz="1200" b="0" i="0" u="none" strike="noStrike" kern="1200" cap="none" spc="0" normalizeH="0" baseline="0" noProof="0" dirty="0">
+                <a:ln>
+                  <a:noFill/>
+                </a:ln>
+                <a:effectLst/>
+                <a:uLnTx/>
+                <a:uFillTx/>
+                <a:latin typeface="Aptos" panose="02110004020202020204"/>
+                <a:ea typeface="+mn-ea"/>
+                <a:cs typeface="+mn-cs"/>
+              </a:rPr>
+            </a:br>
+            <a:endParaRPr kumimoji="0" lang="en-CA" sz="1200" b="0" i="0" u="none" strike="noStrike" kern="1200" cap="none" spc="0" normalizeH="0" baseline="0" noProof="0" dirty="0">
+              <a:ln>
+                <a:noFill/>
+              </a:ln>
+              <a:effectLst/>
+              <a:uLnTx/>
+              <a:uFillTx/>
+              <a:latin typeface="Aptos" panose="02110004020202020204"/>
+              <a:ea typeface="+mn-ea"/>
+              <a:cs typeface="+mn-cs"/>
+            </a:endParaRPr>
+          </a:p>
+          <a:p>
+            <a:pPr marL="0" marR="0" lvl="0" indent="0" algn="l" defTabSz="914400" rtl="0" eaLnBrk="1" fontAlgn="auto" latinLnBrk="0" hangingPunct="1">
+              <a:lnSpc>
+                <a:spcPct val="100000"/>
+              </a:lnSpc>
+              <a:spcBef>
+                <a:spcPts val="0"/>
+              </a:spcBef>
+              <a:spcAft>
+                <a:spcPts val="0"/>
+              </a:spcAft>
+              <a:buClrTx/>
+              <a:buSzTx/>
+              <a:buNone/>
+              <a:tabLst/>
+              <a:defRPr/>
+            </a:pPr>
+            <a:r>
+              <a:rPr kumimoji="0" lang="en-CA" sz="1500" b="1" i="0" u="none" strike="noStrike" kern="1200" cap="none" spc="0" normalizeH="0" baseline="0" noProof="0" dirty="0">
+                <a:ln>
+                  <a:noFill/>
+                </a:ln>
+                <a:solidFill>
+                  <a:srgbClr val="002060"/>
+                </a:solidFill>
+                <a:effectLst/>
+                <a:uLnTx/>
+                <a:uFillTx/>
+                <a:latin typeface="Aptos" panose="02110004020202020204"/>
+                <a:ea typeface="+mn-ea"/>
+                <a:cs typeface="+mn-cs"/>
+              </a:rPr>
+              <a:t>Sentinel-5P (COPERNICUS/S5P/OFFL/L3_NO2)</a:t>
+            </a:r>
+            <a:endParaRPr lang="en-CA" sz="1500" b="1" dirty="0">
+              <a:solidFill>
+                <a:srgbClr val="002060"/>
+              </a:solidFill>
+              <a:latin typeface="Aptos" panose="02110004020202020204"/>
+            </a:endParaRPr>
+          </a:p>
+          <a:p>
+            <a:pPr defTabSz="914400">
+              <a:spcAft>
+                <a:spcPts val="0"/>
+              </a:spcAft>
+              <a:buClrTx/>
+              <a:buSzTx/>
+              <a:defRPr/>
+            </a:pPr>
+            <a:r>
+              <a:rPr kumimoji="0" lang="en-CA" sz="1300" b="1" i="0" u="none" strike="noStrike" kern="1200" cap="none" spc="0" normalizeH="0" baseline="0" noProof="0" dirty="0">
+                <a:ln>
+                  <a:noFill/>
+                </a:ln>
+                <a:effectLst/>
+                <a:uLnTx/>
+                <a:uFillTx/>
+                <a:latin typeface="Aptos" panose="02110004020202020204"/>
+                <a:ea typeface="+mn-ea"/>
+                <a:cs typeface="+mn-cs"/>
+              </a:rPr>
+              <a:t>Data Used</a:t>
+            </a:r>
+            <a:r>
+              <a:rPr kumimoji="0" lang="en-CA" sz="1300" b="0" i="0" u="none" strike="noStrike" kern="1200" cap="none" spc="0" normalizeH="0" baseline="0" noProof="0" dirty="0">
+                <a:ln>
+                  <a:noFill/>
+                </a:ln>
+                <a:effectLst/>
+                <a:uLnTx/>
+                <a:uFillTx/>
+                <a:latin typeface="Aptos" panose="02110004020202020204"/>
+                <a:ea typeface="+mn-ea"/>
+                <a:cs typeface="+mn-cs"/>
+              </a:rPr>
+              <a:t>: Nitrogen Dioxide (NO₂) concentration (tropospheric_NO2_column_number_density)</a:t>
+            </a:r>
+          </a:p>
+          <a:p>
+            <a:pPr defTabSz="914400">
+              <a:spcAft>
+                <a:spcPts val="0"/>
+              </a:spcAft>
+              <a:buClrTx/>
+              <a:buSzTx/>
+              <a:defRPr/>
+            </a:pPr>
+            <a:r>
+              <a:rPr kumimoji="0" lang="en-CA" sz="1300" b="1" i="0" u="none" strike="noStrike" kern="1200" cap="none" spc="0" normalizeH="0" baseline="0" noProof="0" dirty="0">
+                <a:ln>
+                  <a:noFill/>
+                </a:ln>
+                <a:effectLst/>
+                <a:uLnTx/>
+                <a:uFillTx/>
+                <a:latin typeface="Aptos" panose="02110004020202020204"/>
+                <a:ea typeface="+mn-ea"/>
+                <a:cs typeface="+mn-cs"/>
+              </a:rPr>
+              <a:t>Purpose</a:t>
+            </a:r>
+            <a:r>
+              <a:rPr kumimoji="0" lang="en-CA" sz="1300" b="0" i="0" u="none" strike="noStrike" kern="1200" cap="none" spc="0" normalizeH="0" baseline="0" noProof="0" dirty="0">
+                <a:ln>
+                  <a:noFill/>
+                </a:ln>
+                <a:effectLst/>
+                <a:uLnTx/>
+                <a:uFillTx/>
+                <a:latin typeface="Aptos" panose="02110004020202020204"/>
+                <a:ea typeface="+mn-ea"/>
+                <a:cs typeface="+mn-cs"/>
+              </a:rPr>
+              <a:t>: Evaluate air quality by calculating the mean NO₂ concentration, which indicates pollution levels.</a:t>
+            </a:r>
+          </a:p>
+          <a:p>
+            <a:pPr marL="0" marR="0" lvl="0" indent="0" algn="l" defTabSz="914400" rtl="0" eaLnBrk="1" fontAlgn="auto" latinLnBrk="0" hangingPunct="1">
+              <a:lnSpc>
+                <a:spcPct val="100000"/>
+              </a:lnSpc>
+              <a:spcBef>
+                <a:spcPts val="0"/>
+              </a:spcBef>
+              <a:spcAft>
+                <a:spcPts val="0"/>
+              </a:spcAft>
+              <a:buClrTx/>
+              <a:buSzTx/>
+              <a:buNone/>
+              <a:tabLst/>
+              <a:defRPr/>
+            </a:pPr>
+            <a:endParaRPr kumimoji="0" lang="en-CA" sz="1200" b="0" i="0" u="none" strike="noStrike" kern="1200" cap="none" spc="0" normalizeH="0" baseline="0" noProof="0" dirty="0">
+              <a:ln>
+                <a:noFill/>
+              </a:ln>
+              <a:effectLst/>
+              <a:uLnTx/>
+              <a:uFillTx/>
+              <a:latin typeface="Aptos" panose="02110004020202020204"/>
+              <a:ea typeface="+mn-ea"/>
+              <a:cs typeface="+mn-cs"/>
+            </a:endParaRPr>
+          </a:p>
+          <a:p>
+            <a:pPr marL="0" marR="0" lvl="0" indent="0" algn="l" defTabSz="914400" rtl="0" eaLnBrk="1" fontAlgn="auto" latinLnBrk="0" hangingPunct="1">
+              <a:lnSpc>
+                <a:spcPct val="100000"/>
+              </a:lnSpc>
+              <a:spcBef>
+                <a:spcPts val="0"/>
+              </a:spcBef>
+              <a:spcAft>
+                <a:spcPts val="0"/>
+              </a:spcAft>
+              <a:buClrTx/>
+              <a:buSzTx/>
+              <a:buFont typeface="Arial" panose="020B0604020202020204" pitchFamily="34" charset="0"/>
+              <a:buNone/>
+              <a:tabLst/>
+              <a:defRPr/>
+            </a:pPr>
+            <a:r>
+              <a:rPr kumimoji="0" lang="en-CA" sz="1500" b="1" i="0" u="none" strike="noStrike" kern="1200" cap="none" spc="0" normalizeH="0" baseline="0" noProof="0" dirty="0">
+                <a:ln>
+                  <a:noFill/>
+                </a:ln>
+                <a:solidFill>
+                  <a:srgbClr val="002060"/>
+                </a:solidFill>
+                <a:effectLst/>
+                <a:uLnTx/>
+                <a:uFillTx/>
+                <a:latin typeface="Aptos" panose="02110004020202020204"/>
+                <a:ea typeface="+mn-ea"/>
+                <a:cs typeface="+mn-cs"/>
+              </a:rPr>
+              <a:t>MODIS (MODIS/006/MCD12Q1)</a:t>
+            </a:r>
+          </a:p>
+          <a:p>
+            <a:pPr defTabSz="914400">
+              <a:spcAft>
+                <a:spcPts val="0"/>
+              </a:spcAft>
+              <a:buClrTx/>
+              <a:buSzTx/>
+              <a:defRPr/>
+            </a:pPr>
+            <a:r>
+              <a:rPr kumimoji="0" lang="en-CA" sz="1300" b="1" i="0" u="none" strike="noStrike" kern="1200" cap="none" spc="0" normalizeH="0" baseline="0" noProof="0" dirty="0">
+                <a:ln>
+                  <a:noFill/>
+                </a:ln>
+                <a:effectLst/>
+                <a:uLnTx/>
+                <a:uFillTx/>
+                <a:latin typeface="Aptos" panose="02110004020202020204"/>
+                <a:ea typeface="+mn-ea"/>
+                <a:cs typeface="+mn-cs"/>
+              </a:rPr>
+              <a:t>Data Used</a:t>
+            </a:r>
+            <a:r>
+              <a:rPr kumimoji="0" lang="en-CA" sz="1300" b="0" i="0" u="none" strike="noStrike" kern="1200" cap="none" spc="0" normalizeH="0" baseline="0" noProof="0" dirty="0">
+                <a:ln>
+                  <a:noFill/>
+                </a:ln>
+                <a:effectLst/>
+                <a:uLnTx/>
+                <a:uFillTx/>
+                <a:latin typeface="Aptos" panose="02110004020202020204"/>
+                <a:ea typeface="+mn-ea"/>
+                <a:cs typeface="+mn-cs"/>
+              </a:rPr>
+              <a:t>: Land Cover (LC_Type1)</a:t>
+            </a:r>
+          </a:p>
+          <a:p>
+            <a:pPr defTabSz="914400">
+              <a:spcAft>
+                <a:spcPts val="0"/>
+              </a:spcAft>
+              <a:buClrTx/>
+              <a:buSzTx/>
+              <a:defRPr/>
+            </a:pPr>
+            <a:r>
+              <a:rPr kumimoji="0" lang="en-CA" sz="1300" b="1" i="0" u="none" strike="noStrike" kern="1200" cap="none" spc="0" normalizeH="0" baseline="0" noProof="0" dirty="0">
+                <a:ln>
+                  <a:noFill/>
+                </a:ln>
+                <a:effectLst/>
+                <a:uLnTx/>
+                <a:uFillTx/>
+                <a:latin typeface="Aptos" panose="02110004020202020204"/>
+                <a:ea typeface="+mn-ea"/>
+                <a:cs typeface="+mn-cs"/>
+              </a:rPr>
+              <a:t>Purpose</a:t>
+            </a:r>
+            <a:r>
+              <a:rPr kumimoji="0" lang="en-CA" sz="1300" b="0" i="0" u="none" strike="noStrike" kern="1200" cap="none" spc="0" normalizeH="0" baseline="0" noProof="0" dirty="0">
+                <a:ln>
+                  <a:noFill/>
+                </a:ln>
+                <a:effectLst/>
+                <a:uLnTx/>
+                <a:uFillTx/>
+                <a:latin typeface="Aptos" panose="02110004020202020204"/>
+                <a:ea typeface="+mn-ea"/>
+                <a:cs typeface="+mn-cs"/>
+              </a:rPr>
+              <a:t>: Analyze land use and cover type to understand the distribution of natural landscapes, urban areas, and agricultural land.</a:t>
+            </a:r>
+          </a:p>
+          <a:p>
+            <a:pPr marL="0" marR="0" lvl="0" indent="0" algn="l" defTabSz="914400" rtl="0" eaLnBrk="1" fontAlgn="auto" latinLnBrk="0" hangingPunct="1">
+              <a:lnSpc>
+                <a:spcPct val="100000"/>
+              </a:lnSpc>
+              <a:spcBef>
+                <a:spcPts val="0"/>
+              </a:spcBef>
+              <a:spcAft>
+                <a:spcPts val="0"/>
+              </a:spcAft>
+              <a:buClrTx/>
+              <a:buSzTx/>
+              <a:buFontTx/>
+              <a:buNone/>
+              <a:tabLst/>
+              <a:defRPr/>
+            </a:pPr>
+            <a:endParaRPr kumimoji="0" lang="en-CA" sz="1200" b="0" i="0" u="none" strike="noStrike" kern="1200" cap="none" spc="0" normalizeH="0" baseline="0" noProof="0" dirty="0">
+              <a:ln>
+                <a:noFill/>
+              </a:ln>
+              <a:effectLst/>
+              <a:uLnTx/>
+              <a:uFillTx/>
+              <a:latin typeface="Aptos" panose="02110004020202020204"/>
+              <a:ea typeface="+mn-ea"/>
+              <a:cs typeface="+mn-cs"/>
+            </a:endParaRPr>
+          </a:p>
+          <a:p>
+            <a:pPr marL="0" marR="0" lvl="0" indent="0" algn="l" defTabSz="914400" rtl="0" eaLnBrk="1" fontAlgn="auto" latinLnBrk="0" hangingPunct="1">
+              <a:lnSpc>
+                <a:spcPct val="100000"/>
+              </a:lnSpc>
+              <a:spcBef>
+                <a:spcPts val="0"/>
+              </a:spcBef>
+              <a:spcAft>
+                <a:spcPts val="0"/>
+              </a:spcAft>
+              <a:buClrTx/>
+              <a:buSzTx/>
+              <a:buFontTx/>
+              <a:buNone/>
+              <a:tabLst/>
+              <a:defRPr/>
+            </a:pPr>
+            <a:r>
+              <a:rPr kumimoji="0" lang="en-CA" sz="1500" b="1" i="0" u="none" strike="noStrike" kern="1200" cap="none" spc="0" normalizeH="0" baseline="0" noProof="0" dirty="0">
+                <a:ln>
+                  <a:noFill/>
+                </a:ln>
+                <a:solidFill>
+                  <a:srgbClr val="002060"/>
+                </a:solidFill>
+                <a:effectLst/>
+                <a:uLnTx/>
+                <a:uFillTx/>
+                <a:latin typeface="Aptos" panose="02110004020202020204"/>
+                <a:ea typeface="+mn-ea"/>
+                <a:cs typeface="+mn-cs"/>
+              </a:rPr>
+              <a:t>Landsat 8 Surface Reflectance (LANDSAT/LC08/C01/T1_SR)</a:t>
+            </a:r>
+          </a:p>
+          <a:p>
+            <a:pPr defTabSz="914400">
+              <a:spcAft>
+                <a:spcPts val="0"/>
+              </a:spcAft>
+              <a:buClrTx/>
+              <a:buSzTx/>
+              <a:defRPr/>
+            </a:pPr>
+            <a:r>
+              <a:rPr kumimoji="0" lang="en-CA" sz="1300" b="1" i="0" u="none" strike="noStrike" kern="1200" cap="none" spc="0" normalizeH="0" baseline="0" noProof="0" dirty="0">
+                <a:ln>
+                  <a:noFill/>
+                </a:ln>
+                <a:effectLst/>
+                <a:uLnTx/>
+                <a:uFillTx/>
+                <a:latin typeface="Aptos" panose="02110004020202020204"/>
+                <a:ea typeface="+mn-ea"/>
+                <a:cs typeface="+mn-cs"/>
+              </a:rPr>
+              <a:t>Data Used</a:t>
+            </a:r>
+            <a:r>
+              <a:rPr kumimoji="0" lang="en-CA" sz="1300" b="0" i="0" u="none" strike="noStrike" kern="1200" cap="none" spc="0" normalizeH="0" baseline="0" noProof="0" dirty="0">
+                <a:ln>
+                  <a:noFill/>
+                </a:ln>
+                <a:effectLst/>
+                <a:uLnTx/>
+                <a:uFillTx/>
+                <a:latin typeface="Aptos" panose="02110004020202020204"/>
+                <a:ea typeface="+mn-ea"/>
+                <a:cs typeface="+mn-cs"/>
+              </a:rPr>
+              <a:t>: Reflectance Bands (B2, B3, B4)</a:t>
+            </a:r>
+          </a:p>
+          <a:p>
+            <a:pPr defTabSz="914400">
+              <a:spcAft>
+                <a:spcPts val="0"/>
+              </a:spcAft>
+              <a:buClrTx/>
+              <a:buSzTx/>
+              <a:defRPr/>
+            </a:pPr>
+            <a:r>
+              <a:rPr kumimoji="0" lang="en-CA" sz="1300" b="1" i="0" u="none" strike="noStrike" kern="1200" cap="none" spc="0" normalizeH="0" baseline="0" noProof="0" dirty="0">
+                <a:ln>
+                  <a:noFill/>
+                </a:ln>
+                <a:effectLst/>
+                <a:uLnTx/>
+                <a:uFillTx/>
+                <a:latin typeface="Aptos" panose="02110004020202020204"/>
+                <a:ea typeface="+mn-ea"/>
+                <a:cs typeface="+mn-cs"/>
+              </a:rPr>
+              <a:t>Purpose</a:t>
+            </a:r>
+            <a:r>
+              <a:rPr kumimoji="0" lang="en-CA" sz="1300" b="0" i="0" u="none" strike="noStrike" kern="1200" cap="none" spc="0" normalizeH="0" baseline="0" noProof="0" dirty="0">
+                <a:ln>
+                  <a:noFill/>
+                </a:ln>
+                <a:effectLst/>
+                <a:uLnTx/>
+                <a:uFillTx/>
+                <a:latin typeface="Aptos" panose="02110004020202020204"/>
+                <a:ea typeface="+mn-ea"/>
+                <a:cs typeface="+mn-cs"/>
+              </a:rPr>
+              <a:t>: Measure water quality using visible bands to detect surface conditions, which can indicate pollution or algal presence.</a:t>
+            </a:r>
+          </a:p>
+          <a:p>
+            <a:pPr marL="0" marR="0" lvl="0" indent="0" algn="l" defTabSz="914400" rtl="0" eaLnBrk="1" fontAlgn="auto" latinLnBrk="0" hangingPunct="1">
+              <a:lnSpc>
+                <a:spcPct val="100000"/>
+              </a:lnSpc>
+              <a:spcBef>
+                <a:spcPts val="0"/>
+              </a:spcBef>
+              <a:spcAft>
+                <a:spcPts val="0"/>
+              </a:spcAft>
+              <a:buClrTx/>
+              <a:buSzTx/>
+              <a:buFontTx/>
+              <a:buNone/>
+              <a:tabLst/>
+              <a:defRPr/>
+            </a:pPr>
+            <a:endParaRPr kumimoji="0" lang="en-CA" sz="1500" b="0" i="0" u="none" strike="noStrike" kern="1200" cap="none" spc="0" normalizeH="0" baseline="0" noProof="0" dirty="0">
+              <a:ln>
+                <a:noFill/>
+              </a:ln>
+              <a:effectLst/>
+              <a:uLnTx/>
+              <a:uFillTx/>
+              <a:latin typeface="Aptos" panose="02110004020202020204"/>
+              <a:ea typeface="+mn-ea"/>
+              <a:cs typeface="+mn-cs"/>
+            </a:endParaRPr>
+          </a:p>
+          <a:p>
+            <a:pPr marL="0" marR="0" lvl="0" indent="0" algn="l" defTabSz="914400" rtl="0" eaLnBrk="1" fontAlgn="auto" latinLnBrk="0" hangingPunct="1">
+              <a:lnSpc>
+                <a:spcPct val="100000"/>
+              </a:lnSpc>
+              <a:spcBef>
+                <a:spcPts val="0"/>
+              </a:spcBef>
+              <a:spcAft>
+                <a:spcPts val="0"/>
+              </a:spcAft>
+              <a:buClrTx/>
+              <a:buSzTx/>
+              <a:buFontTx/>
+              <a:buNone/>
+              <a:tabLst/>
+              <a:defRPr/>
+            </a:pPr>
+            <a:r>
+              <a:rPr kumimoji="0" lang="en-CA" sz="1500" b="1" i="0" u="none" strike="noStrike" kern="1200" cap="none" spc="0" normalizeH="0" baseline="0" noProof="0" dirty="0">
+                <a:ln>
+                  <a:noFill/>
+                </a:ln>
+                <a:solidFill>
+                  <a:srgbClr val="00B37C"/>
+                </a:solidFill>
+                <a:effectLst/>
+                <a:uLnTx/>
+                <a:uFillTx/>
+                <a:latin typeface="Aptos" panose="02110004020202020204"/>
+                <a:ea typeface="+mn-ea"/>
+                <a:cs typeface="+mn-cs"/>
+              </a:rPr>
+              <a:t>MODIS Surface Temperature (MODIS/006/MOD11A1)</a:t>
+            </a:r>
+          </a:p>
+          <a:p>
+            <a:pPr defTabSz="914400">
+              <a:spcAft>
+                <a:spcPts val="0"/>
+              </a:spcAft>
+              <a:buClrTx/>
+              <a:buSzTx/>
+              <a:defRPr/>
+            </a:pPr>
+            <a:r>
+              <a:rPr kumimoji="0" lang="en-CA" sz="1300" b="1" i="0" u="none" strike="noStrike" kern="1200" cap="none" spc="0" normalizeH="0" baseline="0" noProof="0" dirty="0">
+                <a:ln>
+                  <a:noFill/>
+                </a:ln>
+                <a:effectLst/>
+                <a:uLnTx/>
+                <a:uFillTx/>
+                <a:latin typeface="Aptos" panose="02110004020202020204"/>
+                <a:ea typeface="+mn-ea"/>
+                <a:cs typeface="+mn-cs"/>
+              </a:rPr>
+              <a:t>Data Used</a:t>
+            </a:r>
+            <a:r>
+              <a:rPr kumimoji="0" lang="en-CA" sz="1300" b="0" i="0" u="none" strike="noStrike" kern="1200" cap="none" spc="0" normalizeH="0" baseline="0" noProof="0" dirty="0">
+                <a:ln>
+                  <a:noFill/>
+                </a:ln>
+                <a:effectLst/>
+                <a:uLnTx/>
+                <a:uFillTx/>
+                <a:latin typeface="Aptos" panose="02110004020202020204"/>
+                <a:ea typeface="+mn-ea"/>
+                <a:cs typeface="+mn-cs"/>
+              </a:rPr>
+              <a:t>: Land Surface Temperature Day and Night (LST_Day_1km, LST_Night_1km)</a:t>
+            </a:r>
+          </a:p>
+          <a:p>
+            <a:pPr defTabSz="914400">
+              <a:spcAft>
+                <a:spcPts val="0"/>
+              </a:spcAft>
+              <a:buClrTx/>
+              <a:buSzTx/>
+              <a:defRPr/>
+            </a:pPr>
+            <a:r>
+              <a:rPr kumimoji="0" lang="en-CA" sz="1300" b="1" i="0" u="none" strike="noStrike" kern="1200" cap="none" spc="0" normalizeH="0" baseline="0" noProof="0" dirty="0">
+                <a:ln>
+                  <a:noFill/>
+                </a:ln>
+                <a:effectLst/>
+                <a:uLnTx/>
+                <a:uFillTx/>
+                <a:latin typeface="Aptos" panose="02110004020202020204"/>
+                <a:ea typeface="+mn-ea"/>
+                <a:cs typeface="+mn-cs"/>
+              </a:rPr>
+              <a:t>Purpose</a:t>
+            </a:r>
+            <a:r>
+              <a:rPr kumimoji="0" lang="en-CA" sz="1300" b="0" i="0" u="none" strike="noStrike" kern="1200" cap="none" spc="0" normalizeH="0" baseline="0" noProof="0" dirty="0">
+                <a:ln>
+                  <a:noFill/>
+                </a:ln>
+                <a:effectLst/>
+                <a:uLnTx/>
+                <a:uFillTx/>
+                <a:latin typeface="Aptos" panose="02110004020202020204"/>
+                <a:ea typeface="+mn-ea"/>
+                <a:cs typeface="+mn-cs"/>
+              </a:rPr>
+              <a:t>: Calculate daily and nightly surface temperatures to monitor climate conditions.</a:t>
+            </a:r>
+          </a:p>
+          <a:p>
+            <a:pPr marL="0" marR="0" lvl="0" indent="0" algn="l" defTabSz="914400" rtl="0" eaLnBrk="1" fontAlgn="auto" latinLnBrk="0" hangingPunct="1">
+              <a:lnSpc>
+                <a:spcPct val="100000"/>
+              </a:lnSpc>
+              <a:spcBef>
+                <a:spcPts val="0"/>
+              </a:spcBef>
+              <a:spcAft>
+                <a:spcPts val="0"/>
+              </a:spcAft>
+              <a:buClrTx/>
+              <a:buSzTx/>
+              <a:buFontTx/>
+              <a:buNone/>
+              <a:tabLst/>
+              <a:defRPr/>
+            </a:pPr>
+            <a:endParaRPr kumimoji="0" lang="en-CA" sz="1200" b="0" i="0" u="none" strike="noStrike" kern="1200" cap="none" spc="0" normalizeH="0" baseline="0" noProof="0" dirty="0">
+              <a:ln>
+                <a:noFill/>
+              </a:ln>
+              <a:effectLst/>
+              <a:uLnTx/>
+              <a:uFillTx/>
+              <a:latin typeface="Aptos" panose="02110004020202020204"/>
+              <a:ea typeface="+mn-ea"/>
+              <a:cs typeface="+mn-cs"/>
+            </a:endParaRPr>
+          </a:p>
+          <a:p>
+            <a:pPr marL="0" marR="0" lvl="0" indent="0" algn="l" defTabSz="914400" rtl="0" eaLnBrk="1" fontAlgn="auto" latinLnBrk="0" hangingPunct="1">
+              <a:lnSpc>
+                <a:spcPct val="100000"/>
+              </a:lnSpc>
+              <a:spcBef>
+                <a:spcPts val="0"/>
+              </a:spcBef>
+              <a:spcAft>
+                <a:spcPts val="0"/>
+              </a:spcAft>
+              <a:buClrTx/>
+              <a:buSzTx/>
+              <a:buFontTx/>
+              <a:buNone/>
+              <a:tabLst/>
+              <a:defRPr/>
+            </a:pPr>
+            <a:r>
+              <a:rPr kumimoji="0" lang="en-CA" sz="1500" b="1" i="0" u="none" strike="noStrike" kern="1200" cap="none" spc="0" normalizeH="0" baseline="0" noProof="0" dirty="0">
+                <a:ln>
+                  <a:noFill/>
+                </a:ln>
+                <a:solidFill>
+                  <a:srgbClr val="00B37C"/>
+                </a:solidFill>
+                <a:effectLst/>
+                <a:uLnTx/>
+                <a:uFillTx/>
+                <a:latin typeface="Aptos" panose="02110004020202020204"/>
+                <a:ea typeface="+mn-ea"/>
+                <a:cs typeface="+mn-cs"/>
+              </a:rPr>
+              <a:t>MODIS Vegetation Indices (MODIS/006/MOD13A1)</a:t>
+            </a:r>
+          </a:p>
+          <a:p>
+            <a:pPr defTabSz="914400">
+              <a:spcAft>
+                <a:spcPts val="0"/>
+              </a:spcAft>
+              <a:buClrTx/>
+              <a:buSzTx/>
+              <a:defRPr/>
+            </a:pPr>
+            <a:r>
+              <a:rPr kumimoji="0" lang="en-CA" sz="1300" b="1" i="0" u="none" strike="noStrike" kern="1200" cap="none" spc="0" normalizeH="0" baseline="0" noProof="0" dirty="0">
+                <a:ln>
+                  <a:noFill/>
+                </a:ln>
+                <a:effectLst/>
+                <a:uLnTx/>
+                <a:uFillTx/>
+                <a:latin typeface="Aptos" panose="02110004020202020204"/>
+                <a:ea typeface="+mn-ea"/>
+                <a:cs typeface="+mn-cs"/>
+              </a:rPr>
+              <a:t>Data Used</a:t>
+            </a:r>
+            <a:r>
+              <a:rPr kumimoji="0" lang="en-CA" sz="1300" b="0" i="0" u="none" strike="noStrike" kern="1200" cap="none" spc="0" normalizeH="0" baseline="0" noProof="0" dirty="0">
+                <a:ln>
+                  <a:noFill/>
+                </a:ln>
+                <a:effectLst/>
+                <a:uLnTx/>
+                <a:uFillTx/>
+                <a:latin typeface="Aptos" panose="02110004020202020204"/>
+                <a:ea typeface="+mn-ea"/>
+                <a:cs typeface="+mn-cs"/>
+              </a:rPr>
+              <a:t>: Normalized Difference Vegetation Index (NDVI)</a:t>
+            </a:r>
+          </a:p>
+          <a:p>
+            <a:pPr defTabSz="914400">
+              <a:spcAft>
+                <a:spcPts val="0"/>
+              </a:spcAft>
+              <a:buClrTx/>
+              <a:buSzTx/>
+              <a:defRPr/>
+            </a:pPr>
+            <a:r>
+              <a:rPr kumimoji="0" lang="en-CA" sz="1300" b="1" i="0" u="none" strike="noStrike" kern="1200" cap="none" spc="0" normalizeH="0" baseline="0" noProof="0" dirty="0">
+                <a:ln>
+                  <a:noFill/>
+                </a:ln>
+                <a:effectLst/>
+                <a:uLnTx/>
+                <a:uFillTx/>
+                <a:latin typeface="Aptos" panose="02110004020202020204"/>
+                <a:ea typeface="+mn-ea"/>
+                <a:cs typeface="+mn-cs"/>
+              </a:rPr>
+              <a:t>Purpose</a:t>
+            </a:r>
+            <a:r>
+              <a:rPr kumimoji="0" lang="en-CA" sz="1300" b="0" i="0" u="none" strike="noStrike" kern="1200" cap="none" spc="0" normalizeH="0" baseline="0" noProof="0" dirty="0">
+                <a:ln>
+                  <a:noFill/>
+                </a:ln>
+                <a:effectLst/>
+                <a:uLnTx/>
+                <a:uFillTx/>
+                <a:latin typeface="Aptos" panose="02110004020202020204"/>
+                <a:ea typeface="+mn-ea"/>
+                <a:cs typeface="+mn-cs"/>
+              </a:rPr>
+              <a:t>: Evaluate vegetation health and productivity in the area, which reflects ecosystem vitality.</a:t>
+            </a:r>
+          </a:p>
+          <a:p>
+            <a:pPr marL="0" marR="0" lvl="0" indent="0" algn="l" defTabSz="914400" rtl="0" eaLnBrk="1" fontAlgn="auto" latinLnBrk="0" hangingPunct="1">
+              <a:lnSpc>
+                <a:spcPct val="100000"/>
+              </a:lnSpc>
+              <a:spcBef>
+                <a:spcPts val="0"/>
+              </a:spcBef>
+              <a:spcAft>
+                <a:spcPts val="0"/>
+              </a:spcAft>
+              <a:buClrTx/>
+              <a:buSzTx/>
+              <a:buFontTx/>
+              <a:buNone/>
+              <a:tabLst/>
+              <a:defRPr/>
+            </a:pPr>
+            <a:endParaRPr kumimoji="0" lang="en-CA" sz="1200" b="0" i="0" u="none" strike="noStrike" kern="1200" cap="none" spc="0" normalizeH="0" baseline="0" noProof="0" dirty="0">
+              <a:ln>
+                <a:noFill/>
+              </a:ln>
+              <a:effectLst/>
+              <a:uLnTx/>
+              <a:uFillTx/>
+              <a:latin typeface="Aptos" panose="02110004020202020204"/>
+              <a:ea typeface="+mn-ea"/>
+              <a:cs typeface="+mn-cs"/>
+            </a:endParaRPr>
+          </a:p>
+          <a:p>
+            <a:pPr marL="0" marR="0" lvl="0" indent="0" algn="l" defTabSz="914400" rtl="0" eaLnBrk="1" fontAlgn="auto" latinLnBrk="0" hangingPunct="1">
+              <a:lnSpc>
+                <a:spcPct val="100000"/>
+              </a:lnSpc>
+              <a:spcBef>
+                <a:spcPts val="0"/>
+              </a:spcBef>
+              <a:spcAft>
+                <a:spcPts val="0"/>
+              </a:spcAft>
+              <a:buClrTx/>
+              <a:buSzTx/>
+              <a:buFontTx/>
+              <a:buNone/>
+              <a:tabLst/>
+              <a:defRPr/>
+            </a:pPr>
+            <a:r>
+              <a:rPr kumimoji="0" lang="en-CA" sz="1500" b="1" i="0" u="none" strike="noStrike" kern="1200" cap="none" spc="0" normalizeH="0" baseline="0" noProof="0" dirty="0">
+                <a:ln>
+                  <a:noFill/>
+                </a:ln>
+                <a:solidFill>
+                  <a:srgbClr val="00B37C"/>
+                </a:solidFill>
+                <a:effectLst/>
+                <a:uLnTx/>
+                <a:uFillTx/>
+                <a:latin typeface="Aptos" panose="02110004020202020204"/>
+                <a:ea typeface="+mn-ea"/>
+                <a:cs typeface="+mn-cs"/>
+              </a:rPr>
+              <a:t>CHIRPS Daily Precipitation (UCSB-CHG/CHIRPS/DAILY)</a:t>
+            </a:r>
+          </a:p>
+          <a:p>
+            <a:pPr defTabSz="914400">
+              <a:spcAft>
+                <a:spcPts val="0"/>
+              </a:spcAft>
+              <a:buClrTx/>
+              <a:buSzTx/>
+              <a:defRPr/>
+            </a:pPr>
+            <a:r>
+              <a:rPr kumimoji="0" lang="en-CA" sz="1300" b="1" i="0" u="none" strike="noStrike" kern="1200" cap="none" spc="0" normalizeH="0" baseline="0" noProof="0" dirty="0">
+                <a:ln>
+                  <a:noFill/>
+                </a:ln>
+                <a:effectLst/>
+                <a:uLnTx/>
+                <a:uFillTx/>
+                <a:latin typeface="Aptos" panose="02110004020202020204"/>
+                <a:ea typeface="+mn-ea"/>
+                <a:cs typeface="+mn-cs"/>
+              </a:rPr>
+              <a:t>Data Used</a:t>
+            </a:r>
+            <a:r>
+              <a:rPr kumimoji="0" lang="en-CA" sz="1300" b="0" i="0" u="none" strike="noStrike" kern="1200" cap="none" spc="0" normalizeH="0" baseline="0" noProof="0" dirty="0">
+                <a:ln>
+                  <a:noFill/>
+                </a:ln>
+                <a:effectLst/>
+                <a:uLnTx/>
+                <a:uFillTx/>
+                <a:latin typeface="Aptos" panose="02110004020202020204"/>
+                <a:ea typeface="+mn-ea"/>
+                <a:cs typeface="+mn-cs"/>
+              </a:rPr>
+              <a:t>: Daily Precipitation (precipitation)</a:t>
+            </a:r>
+          </a:p>
+          <a:p>
+            <a:pPr defTabSz="914400">
+              <a:spcAft>
+                <a:spcPts val="0"/>
+              </a:spcAft>
+              <a:buClrTx/>
+              <a:buSzTx/>
+              <a:defRPr/>
+            </a:pPr>
+            <a:r>
+              <a:rPr kumimoji="0" lang="en-CA" sz="1300" b="1" i="0" u="none" strike="noStrike" kern="1200" cap="none" spc="0" normalizeH="0" baseline="0" noProof="0" dirty="0">
+                <a:ln>
+                  <a:noFill/>
+                </a:ln>
+                <a:effectLst/>
+                <a:uLnTx/>
+                <a:uFillTx/>
+                <a:latin typeface="Aptos" panose="02110004020202020204"/>
+                <a:ea typeface="+mn-ea"/>
+                <a:cs typeface="+mn-cs"/>
+              </a:rPr>
+              <a:t>Purpose</a:t>
+            </a:r>
+            <a:r>
+              <a:rPr kumimoji="0" lang="en-CA" sz="1300" b="0" i="0" u="none" strike="noStrike" kern="1200" cap="none" spc="0" normalizeH="0" baseline="0" noProof="0" dirty="0">
+                <a:ln>
+                  <a:noFill/>
+                </a:ln>
+                <a:effectLst/>
+                <a:uLnTx/>
+                <a:uFillTx/>
+                <a:latin typeface="Aptos" panose="02110004020202020204"/>
+                <a:ea typeface="+mn-ea"/>
+                <a:cs typeface="+mn-cs"/>
+              </a:rPr>
+              <a:t>: Measure total precipitation in the region to analyze rainfall patterns, which affect soil moisture, crop health, and local hydrology.</a:t>
+            </a:r>
+          </a:p>
+          <a:p>
+            <a:pPr marL="0" marR="0" lvl="0" indent="0" algn="l" defTabSz="914400" rtl="0" eaLnBrk="1" fontAlgn="auto" latinLnBrk="0" hangingPunct="1">
+              <a:lnSpc>
+                <a:spcPct val="100000"/>
+              </a:lnSpc>
+              <a:spcBef>
+                <a:spcPts val="0"/>
+              </a:spcBef>
+              <a:spcAft>
+                <a:spcPts val="0"/>
+              </a:spcAft>
+              <a:buClrTx/>
+              <a:buSzTx/>
+              <a:buFontTx/>
+              <a:buNone/>
+              <a:tabLst/>
+              <a:defRPr/>
+            </a:pPr>
+            <a:endParaRPr kumimoji="0" lang="en-CA" sz="1200" b="0" i="0" u="none" strike="noStrike" kern="1200" cap="none" spc="0" normalizeH="0" baseline="0" noProof="0" dirty="0">
+              <a:ln>
+                <a:noFill/>
+              </a:ln>
+              <a:effectLst/>
+              <a:uLnTx/>
+              <a:uFillTx/>
+              <a:latin typeface="Aptos" panose="02110004020202020204"/>
+              <a:ea typeface="+mn-ea"/>
+              <a:cs typeface="+mn-cs"/>
+            </a:endParaRPr>
+          </a:p>
+        </p:txBody>
+      </p:sp>
+    </p:spTree>
+    <p:extLst>
+      <p:ext uri="{BB962C8B-B14F-4D97-AF65-F5344CB8AC3E}">
+        <p14:creationId xmlns:p14="http://schemas.microsoft.com/office/powerpoint/2010/main" val="3423340406"/>
+      </p:ext>
+    </p:extLst>
+  </p:cSld>
+  <p:clrMapOvr>
+    <a:masterClrMapping/>
+  </p:clrMapOvr>
+</p:sld>
+</file>
+
+<file path=ppt/slides/slide14.xml><?xml version="1.0" encoding="utf-8"?>
+<p:sld xmlns:a="http://schemas.openxmlformats.org/drawingml/2006/main" xmlns:r="http://schemas.openxmlformats.org/officeDocument/2006/relationships" xmlns:p="http://schemas.openxmlformats.org/presentationml/2006/main">
+  <p:cSld>
+    <p:spTree>
+      <p:nvGrpSpPr>
+        <p:cNvPr id="1" name=""/>
+        <p:cNvGrpSpPr/>
+        <p:nvPr/>
+      </p:nvGrpSpPr>
+      <p:grpSpPr>
+        <a:xfrm>
+          <a:off x="0" y="0"/>
+          <a:ext cx="0" cy="0"/>
+          <a:chOff x="0" y="0"/>
+          <a:chExt cx="0" cy="0"/>
+        </a:xfrm>
+      </p:grpSpPr>
+      <p:sp>
+        <p:nvSpPr>
+          <p:cNvPr id="2" name="Title 1">
+            <a:extLst>
+              <a:ext uri="{FF2B5EF4-FFF2-40B4-BE49-F238E27FC236}">
+                <a16:creationId xmlns:a16="http://schemas.microsoft.com/office/drawing/2014/main" id="{ECDDDF00-2DE7-6087-66A0-A4BD5E5E444C}"/>
+              </a:ext>
+            </a:extLst>
+          </p:cNvPr>
+          <p:cNvSpPr>
+            <a:spLocks noGrp="1"/>
+          </p:cNvSpPr>
+          <p:nvPr>
+            <p:ph type="title"/>
+          </p:nvPr>
+        </p:nvSpPr>
+        <p:spPr/>
+        <p:txBody>
+          <a:bodyPr/>
+          <a:lstStyle/>
+          <a:p>
+            <a:r>
+              <a:rPr lang="en-CA" dirty="0"/>
+              <a:t>Observations </a:t>
+            </a:r>
+          </a:p>
+        </p:txBody>
+      </p:sp>
+      <p:sp>
+        <p:nvSpPr>
+          <p:cNvPr id="3" name="Content Placeholder 2">
+            <a:extLst>
+              <a:ext uri="{FF2B5EF4-FFF2-40B4-BE49-F238E27FC236}">
+                <a16:creationId xmlns:a16="http://schemas.microsoft.com/office/drawing/2014/main" id="{AD5AC6F7-58F3-0D03-69B8-71222C40C6E1}"/>
+              </a:ext>
+            </a:extLst>
+          </p:cNvPr>
+          <p:cNvSpPr>
+            <a:spLocks noGrp="1"/>
+          </p:cNvSpPr>
+          <p:nvPr>
+            <p:ph idx="1"/>
+          </p:nvPr>
+        </p:nvSpPr>
+        <p:spPr/>
+        <p:txBody>
+          <a:bodyPr/>
+          <a:lstStyle/>
+          <a:p>
+            <a:endParaRPr lang="en-CA" dirty="0"/>
+          </a:p>
+        </p:txBody>
+      </p:sp>
+    </p:spTree>
+    <p:extLst>
+      <p:ext uri="{BB962C8B-B14F-4D97-AF65-F5344CB8AC3E}">
+        <p14:creationId xmlns:p14="http://schemas.microsoft.com/office/powerpoint/2010/main" val="1401441550"/>
+      </p:ext>
+    </p:extLst>
+  </p:cSld>
+  <p:clrMapOvr>
+    <a:masterClrMapping/>
+  </p:clrMapOvr>
+</p:sld>
+</file>
+
+<file path=ppt/slides/slide15.xml><?xml version="1.0" encoding="utf-8"?>
+<p:sld xmlns:a="http://schemas.openxmlformats.org/drawingml/2006/main" xmlns:r="http://schemas.openxmlformats.org/officeDocument/2006/relationships" xmlns:p="http://schemas.openxmlformats.org/presentationml/2006/main">
+  <p:cSld>
+    <p:spTree>
+      <p:nvGrpSpPr>
+        <p:cNvPr id="1" name=""/>
+        <p:cNvGrpSpPr/>
+        <p:nvPr/>
+      </p:nvGrpSpPr>
+      <p:grpSpPr>
+        <a:xfrm>
+          <a:off x="0" y="0"/>
+          <a:ext cx="0" cy="0"/>
+          <a:chOff x="0" y="0"/>
+          <a:chExt cx="0" cy="0"/>
+        </a:xfrm>
+      </p:grpSpPr>
+      <p:sp>
+        <p:nvSpPr>
+          <p:cNvPr id="2" name="Title 1">
+            <a:extLst>
+              <a:ext uri="{FF2B5EF4-FFF2-40B4-BE49-F238E27FC236}">
+                <a16:creationId xmlns:a16="http://schemas.microsoft.com/office/drawing/2014/main" id="{7E10035D-B98D-2F81-7AEA-B292106AA90A}"/>
+              </a:ext>
+            </a:extLst>
+          </p:cNvPr>
+          <p:cNvSpPr>
+            <a:spLocks noGrp="1"/>
+          </p:cNvSpPr>
+          <p:nvPr>
+            <p:ph type="title"/>
+          </p:nvPr>
+        </p:nvSpPr>
+        <p:spPr>
+          <a:xfrm>
+            <a:off x="457200" y="165270"/>
+            <a:ext cx="7772400" cy="1456267"/>
+          </a:xfrm>
+        </p:spPr>
+        <p:txBody>
+          <a:bodyPr/>
+          <a:lstStyle/>
+          <a:p>
+            <a:r>
+              <a:rPr lang="en-CA" dirty="0"/>
+              <a:t>Evaluation</a:t>
+            </a:r>
+          </a:p>
+        </p:txBody>
+      </p:sp>
+      <p:sp>
+        <p:nvSpPr>
+          <p:cNvPr id="3" name="Content Placeholder 2">
+            <a:extLst>
+              <a:ext uri="{FF2B5EF4-FFF2-40B4-BE49-F238E27FC236}">
+                <a16:creationId xmlns:a16="http://schemas.microsoft.com/office/drawing/2014/main" id="{F50E8475-0C7C-563D-1FB6-5A8E9AE302A1}"/>
+              </a:ext>
+            </a:extLst>
+          </p:cNvPr>
+          <p:cNvSpPr>
+            <a:spLocks noGrp="1"/>
+          </p:cNvSpPr>
+          <p:nvPr>
+            <p:ph idx="1"/>
+          </p:nvPr>
+        </p:nvSpPr>
+        <p:spPr>
+          <a:xfrm>
+            <a:off x="457200" y="1194816"/>
+            <a:ext cx="7772400" cy="5559552"/>
+          </a:xfrm>
+        </p:spPr>
+        <p:txBody>
+          <a:bodyPr>
+            <a:normAutofit fontScale="92500" lnSpcReduction="20000"/>
+          </a:bodyPr>
+          <a:lstStyle/>
+          <a:p>
+            <a:pPr marL="342900" indent="-342900">
+              <a:buFont typeface="+mj-lt"/>
+              <a:buAutoNum type="arabicPeriod"/>
+            </a:pPr>
+            <a:r>
+              <a:rPr lang="en-US" sz="1400" dirty="0"/>
+              <a:t>Comprehensive Environmental Analysis: We successfully analyzed multiple environmental factors, including air quality (CH4 levels), NO2 concentration, land cover, water quality, air and surface temperature, vegetation health (NDVI), and precipitation. This comprehensive approach aligns with the Climate Trace objective of capturing key environmental metrics in one model.</a:t>
+            </a:r>
+          </a:p>
+          <a:p>
+            <a:pPr marL="342900" indent="-342900">
+              <a:buFont typeface="+mj-lt"/>
+              <a:buAutoNum type="arabicPeriod"/>
+            </a:pPr>
+            <a:r>
+              <a:rPr lang="en-US" sz="1400" dirty="0"/>
+              <a:t>Efficient Data Access and Processing: Using Google Earth Engine allows for direct access to a vast, regularly updated collection of satellite imagery and geospatial datasets. This real-time and historical data access eliminates the need to manually gather and preprocess data from different sources, which supports faster, integrated analyses, similar to those that we accomplished with Climate Trace.</a:t>
+            </a:r>
+          </a:p>
+          <a:p>
+            <a:pPr marL="342900" indent="-342900">
+              <a:buFont typeface="+mj-lt"/>
+              <a:buAutoNum type="arabicPeriod"/>
+            </a:pPr>
+            <a:r>
+              <a:rPr lang="en-US" sz="1400" dirty="0"/>
+              <a:t>Automated Geographic and Temporal Filtering: GEE’s powerful filtering capabilities allow us to define geographic areas (e.g., a specific buffer radius around a point) and temporal ranges (e.g., yearly data) for each metric. This streamlined data extraction method mirrors Climate Trace’s approach of focusing on regional and time-specific trends.</a:t>
+            </a:r>
+          </a:p>
+          <a:p>
+            <a:pPr marL="342900" indent="-342900">
+              <a:buFont typeface="+mj-lt"/>
+              <a:buAutoNum type="arabicPeriod"/>
+            </a:pPr>
+            <a:r>
+              <a:rPr lang="en-US" sz="1400" dirty="0"/>
+              <a:t>Statistical Summarization of Metrics: By calculating means, modes, and sums, we derived meaningful summaries for each environmental variable within the defined region. This data reduction is vital for spotting trends and making comparisons, mirroring Climate Trace’s goal of creating a digestible profile for emissions and environmental factors.</a:t>
+            </a:r>
+          </a:p>
+          <a:p>
+            <a:pPr marL="342900" indent="-342900">
+              <a:buFont typeface="+mj-lt"/>
+              <a:buAutoNum type="arabicPeriod"/>
+            </a:pPr>
+            <a:r>
+              <a:rPr lang="en-US" sz="1400" dirty="0"/>
+              <a:t>Cross-Referencing Different Data Sources: GEE integrates multiple data sources (Sentinel-5P, MODIS, Landsat, CHIRPS), which we accessed within one framework. This combination provides a multi-source perspective on each environmental factor, strengthening the reliability of the analysis and aligning with Climate Trace's objective of leveraging multiple data streams.</a:t>
+            </a:r>
+          </a:p>
+          <a:p>
+            <a:pPr marL="342900" indent="-342900">
+              <a:buFont typeface="+mj-lt"/>
+              <a:buAutoNum type="arabicPeriod"/>
+            </a:pPr>
+            <a:r>
+              <a:rPr lang="en-US" sz="1400" dirty="0"/>
+              <a:t>Adaptable, Scalable Analysis Framework: The program’s modular design allows us to easily adapt or scale the analysis to different regions, timeframes, or additional environmental indicators as needed, much like Climate Trace's objective of scalable emissions tracking.</a:t>
+            </a:r>
+          </a:p>
+          <a:p>
+            <a:pPr marL="342900" indent="-342900">
+              <a:buFont typeface="+mj-lt"/>
+              <a:buAutoNum type="arabicPeriod"/>
+            </a:pPr>
+            <a:r>
+              <a:rPr lang="en-US" sz="1400" dirty="0"/>
+              <a:t>Publicly Accessible and Cost-Effective: Since GEE provides access to data without the need for extensive infrastructure or subscriptions, it’s a cost-effective solution for ongoing environmental monitoring. This is crucial for maintaining a high-frequency analysis similar to Climate Trace’s model, ensuring the project remains accessible and sustainable.</a:t>
+            </a:r>
+            <a:endParaRPr lang="en-CA" sz="1400" dirty="0"/>
+          </a:p>
+        </p:txBody>
+      </p:sp>
+    </p:spTree>
+    <p:extLst>
+      <p:ext uri="{BB962C8B-B14F-4D97-AF65-F5344CB8AC3E}">
+        <p14:creationId xmlns:p14="http://schemas.microsoft.com/office/powerpoint/2010/main" val="383235798"/>
+      </p:ext>
+    </p:extLst>
+  </p:cSld>
+  <p:clrMapOvr>
+    <a:masterClrMapping/>
+  </p:clrMapOvr>
+</p:sld>
+</file>
+
+<file path=ppt/slides/slide16.xml><?xml version="1.0" encoding="utf-8"?>
+<p:sld xmlns:a="http://schemas.openxmlformats.org/drawingml/2006/main" xmlns:r="http://schemas.openxmlformats.org/officeDocument/2006/relationships" xmlns:p="http://schemas.openxmlformats.org/presentationml/2006/main">
+  <p:cSld>
+    <p:spTree>
+      <p:nvGrpSpPr>
+        <p:cNvPr id="1" name=""/>
+        <p:cNvGrpSpPr/>
+        <p:nvPr/>
+      </p:nvGrpSpPr>
+      <p:grpSpPr>
+        <a:xfrm>
+          <a:off x="0" y="0"/>
+          <a:ext cx="0" cy="0"/>
+          <a:chOff x="0" y="0"/>
+          <a:chExt cx="0" cy="0"/>
+        </a:xfrm>
+      </p:grpSpPr>
+      <p:sp>
+        <p:nvSpPr>
+          <p:cNvPr id="2" name="Title 1">
+            <a:extLst>
+              <a:ext uri="{FF2B5EF4-FFF2-40B4-BE49-F238E27FC236}">
+                <a16:creationId xmlns:a16="http://schemas.microsoft.com/office/drawing/2014/main" id="{3C553B9F-6867-D5A0-E3C0-2A33514290DB}"/>
+              </a:ext>
+            </a:extLst>
+          </p:cNvPr>
+          <p:cNvSpPr>
+            <a:spLocks noGrp="1"/>
+          </p:cNvSpPr>
+          <p:nvPr>
+            <p:ph type="title"/>
+          </p:nvPr>
+        </p:nvSpPr>
+        <p:spPr/>
+        <p:txBody>
+          <a:bodyPr/>
+          <a:lstStyle/>
+          <a:p>
+            <a:r>
+              <a:rPr lang="en-CA" dirty="0"/>
+              <a:t>Sample output</a:t>
+            </a:r>
+          </a:p>
+        </p:txBody>
+      </p:sp>
+      <p:sp>
+        <p:nvSpPr>
+          <p:cNvPr id="3" name="Content Placeholder 2">
+            <a:extLst>
+              <a:ext uri="{FF2B5EF4-FFF2-40B4-BE49-F238E27FC236}">
+                <a16:creationId xmlns:a16="http://schemas.microsoft.com/office/drawing/2014/main" id="{C3018597-FADF-BC1F-6E78-2B64648DE8D8}"/>
+              </a:ext>
+            </a:extLst>
+          </p:cNvPr>
+          <p:cNvSpPr>
+            <a:spLocks noGrp="1"/>
+          </p:cNvSpPr>
+          <p:nvPr>
+            <p:ph idx="1"/>
+          </p:nvPr>
+        </p:nvSpPr>
+        <p:spPr/>
+        <p:txBody>
+          <a:bodyPr/>
+          <a:lstStyle/>
+          <a:p>
+            <a:endParaRPr lang="en-CA" dirty="0"/>
+          </a:p>
+        </p:txBody>
+      </p:sp>
+    </p:spTree>
+    <p:extLst>
+      <p:ext uri="{BB962C8B-B14F-4D97-AF65-F5344CB8AC3E}">
+        <p14:creationId xmlns:p14="http://schemas.microsoft.com/office/powerpoint/2010/main" val="132105306"/>
+      </p:ext>
+    </p:extLst>
+  </p:cSld>
+  <p:clrMapOvr>
+    <a:masterClrMapping/>
+  </p:clrMapOvr>
+</p:sld>
+</file>
+
+<file path=ppt/slides/slide17.xml><?xml version="1.0" encoding="utf-8"?>
 <p:sld xmlns:a="http://schemas.openxmlformats.org/drawingml/2006/main" xmlns:r="http://schemas.openxmlformats.org/officeDocument/2006/relationships" xmlns:p="http://schemas.openxmlformats.org/presentationml/2006/main">
   <p:cSld>
     <p:spTree>
@@ -16541,7 +18344,7 @@
 </p:sld>
 </file>
 
-<file path=ppt/slides/slide13.xml><?xml version="1.0" encoding="utf-8"?>
+<file path=ppt/slides/slide18.xml><?xml version="1.0" encoding="utf-8"?>
 <p:sld xmlns:a="http://schemas.openxmlformats.org/drawingml/2006/main" xmlns:r="http://schemas.openxmlformats.org/officeDocument/2006/relationships" xmlns:p="http://schemas.openxmlformats.org/presentationml/2006/main">
   <p:cSld>
     <p:bg>
@@ -16659,7 +18462,7 @@
 </p:sld>
 </file>
 
-<file path=ppt/slides/slide14.xml><?xml version="1.0" encoding="utf-8"?>
+<file path=ppt/slides/slide19.xml><?xml version="1.0" encoding="utf-8"?>
 <p:sld xmlns:a="http://schemas.openxmlformats.org/drawingml/2006/main" xmlns:r="http://schemas.openxmlformats.org/officeDocument/2006/relationships" xmlns:p="http://schemas.openxmlformats.org/presentationml/2006/main">
   <p:cSld>
     <p:bg>

--- a/Exploratory Data Analysis/assets/Internship Report.pptx
+++ b/Exploratory Data Analysis/assets/Internship Report.pptx
@@ -5,7 +5,7 @@
     <p:sldMasterId id="2147483720" r:id="rId1"/>
   </p:sldMasterIdLst>
   <p:notesMasterIdLst>
-    <p:notesMasterId r:id="rId21"/>
+    <p:notesMasterId r:id="rId22"/>
   </p:notesMasterIdLst>
   <p:sldIdLst>
     <p:sldId id="256" r:id="rId2"/>
@@ -21,12 +21,13 @@
     <p:sldId id="307" r:id="rId12"/>
     <p:sldId id="308" r:id="rId13"/>
     <p:sldId id="309" r:id="rId14"/>
-    <p:sldId id="310" r:id="rId15"/>
-    <p:sldId id="311" r:id="rId16"/>
-    <p:sldId id="312" r:id="rId17"/>
-    <p:sldId id="264" r:id="rId18"/>
-    <p:sldId id="303" r:id="rId19"/>
-    <p:sldId id="266" r:id="rId20"/>
+    <p:sldId id="312" r:id="rId15"/>
+    <p:sldId id="310" r:id="rId16"/>
+    <p:sldId id="313" r:id="rId17"/>
+    <p:sldId id="311" r:id="rId18"/>
+    <p:sldId id="264" r:id="rId19"/>
+    <p:sldId id="303" r:id="rId20"/>
+    <p:sldId id="266" r:id="rId21"/>
   </p:sldIdLst>
   <p:sldSz cx="9144000" cy="6858000" type="screen4x3"/>
   <p:notesSz cx="6858000" cy="9144000"/>
@@ -151,9 +152,10 @@
             <p14:sldId id="307"/>
             <p14:sldId id="308"/>
             <p14:sldId id="309"/>
+            <p14:sldId id="312"/>
             <p14:sldId id="310"/>
+            <p14:sldId id="313"/>
             <p14:sldId id="311"/>
-            <p14:sldId id="312"/>
           </p14:sldIdLst>
         </p14:section>
         <p14:section name="Analysis and Conclusion" id="{7C6D1762-11F7-D444-B516-C3959D5F1019}">
@@ -186,6 +188,7 @@
 <file path=ppt/revisionInfo.xml><?xml version="1.0" encoding="utf-8"?>
 <p1510:revInfo xmlns:a="http://schemas.openxmlformats.org/drawingml/2006/main" xmlns:r="http://schemas.openxmlformats.org/officeDocument/2006/relationships" xmlns:p1510="http://schemas.microsoft.com/office/powerpoint/2015/10/main">
   <p1510:revLst>
+    <p1510:client id="{33F29D61-F374-4F42-A5F2-C2663E5AC9A7}" v="1" dt="2024-10-29T18:16:25.427"/>
     <p1510:client id="{5856EE46-FC32-41E6-BE53-8098FEF8CBF4}" v="10" dt="2024-10-29T03:04:44.244"/>
   </p1510:revLst>
 </p1510:revInfo>
@@ -193,6 +196,84 @@
 
 <file path=ppt/changesInfos/changesInfo1.xml><?xml version="1.0" encoding="utf-8"?>
 <pc:chgInfo xmlns:a="http://schemas.openxmlformats.org/drawingml/2006/main" xmlns:r="http://schemas.openxmlformats.org/officeDocument/2006/relationships" xmlns:ac="http://schemas.microsoft.com/office/drawing/2013/main/command" xmlns:pc="http://schemas.microsoft.com/office/powerpoint/2013/main/command">
+  <pc:docChgLst>
+    <pc:chgData name="Krutarth Ghuge" userId="a152bcfb61f4273a" providerId="LiveId" clId="{33F29D61-F374-4F42-A5F2-C2663E5AC9A7}"/>
+    <pc:docChg chg="undo custSel addSld delSld modSld sldOrd modSection">
+      <pc:chgData name="Krutarth Ghuge" userId="a152bcfb61f4273a" providerId="LiveId" clId="{33F29D61-F374-4F42-A5F2-C2663E5AC9A7}" dt="2024-10-29T18:19:01.754" v="1132" actId="403"/>
+      <pc:docMkLst>
+        <pc:docMk/>
+      </pc:docMkLst>
+      <pc:sldChg chg="modSp mod">
+        <pc:chgData name="Krutarth Ghuge" userId="a152bcfb61f4273a" providerId="LiveId" clId="{33F29D61-F374-4F42-A5F2-C2663E5AC9A7}" dt="2024-10-29T18:19:01.754" v="1132" actId="403"/>
+        <pc:sldMkLst>
+          <pc:docMk/>
+          <pc:sldMk cId="1401441550" sldId="310"/>
+        </pc:sldMkLst>
+        <pc:spChg chg="mod">
+          <ac:chgData name="Krutarth Ghuge" userId="a152bcfb61f4273a" providerId="LiveId" clId="{33F29D61-F374-4F42-A5F2-C2663E5AC9A7}" dt="2024-10-29T18:16:13.425" v="1034" actId="1076"/>
+          <ac:spMkLst>
+            <pc:docMk/>
+            <pc:sldMk cId="1401441550" sldId="310"/>
+            <ac:spMk id="2" creationId="{ECDDDF00-2DE7-6087-66A0-A4BD5E5E444C}"/>
+          </ac:spMkLst>
+        </pc:spChg>
+        <pc:spChg chg="mod">
+          <ac:chgData name="Krutarth Ghuge" userId="a152bcfb61f4273a" providerId="LiveId" clId="{33F29D61-F374-4F42-A5F2-C2663E5AC9A7}" dt="2024-10-29T18:19:01.754" v="1132" actId="403"/>
+          <ac:spMkLst>
+            <pc:docMk/>
+            <pc:sldMk cId="1401441550" sldId="310"/>
+            <ac:spMk id="3" creationId="{AD5AC6F7-58F3-0D03-69B8-71222C40C6E1}"/>
+          </ac:spMkLst>
+        </pc:spChg>
+      </pc:sldChg>
+      <pc:sldChg chg="modSp add del mod ord">
+        <pc:chgData name="Krutarth Ghuge" userId="a152bcfb61f4273a" providerId="LiveId" clId="{33F29D61-F374-4F42-A5F2-C2663E5AC9A7}" dt="2024-10-29T18:17:31.710" v="1049" actId="13926"/>
+        <pc:sldMkLst>
+          <pc:docMk/>
+          <pc:sldMk cId="132105306" sldId="312"/>
+        </pc:sldMkLst>
+        <pc:spChg chg="mod">
+          <ac:chgData name="Krutarth Ghuge" userId="a152bcfb61f4273a" providerId="LiveId" clId="{33F29D61-F374-4F42-A5F2-C2663E5AC9A7}" dt="2024-10-29T17:42:11.124" v="97" actId="404"/>
+          <ac:spMkLst>
+            <pc:docMk/>
+            <pc:sldMk cId="132105306" sldId="312"/>
+            <ac:spMk id="2" creationId="{3C553B9F-6867-D5A0-E3C0-2A33514290DB}"/>
+          </ac:spMkLst>
+        </pc:spChg>
+        <pc:spChg chg="mod">
+          <ac:chgData name="Krutarth Ghuge" userId="a152bcfb61f4273a" providerId="LiveId" clId="{33F29D61-F374-4F42-A5F2-C2663E5AC9A7}" dt="2024-10-29T18:17:31.710" v="1049" actId="13926"/>
+          <ac:spMkLst>
+            <pc:docMk/>
+            <pc:sldMk cId="132105306" sldId="312"/>
+            <ac:spMk id="3" creationId="{C3018597-FADF-BC1F-6E78-2B64648DE8D8}"/>
+          </ac:spMkLst>
+        </pc:spChg>
+      </pc:sldChg>
+      <pc:sldChg chg="modSp new mod">
+        <pc:chgData name="Krutarth Ghuge" userId="a152bcfb61f4273a" providerId="LiveId" clId="{33F29D61-F374-4F42-A5F2-C2663E5AC9A7}" dt="2024-10-29T18:18:56.198" v="1127" actId="403"/>
+        <pc:sldMkLst>
+          <pc:docMk/>
+          <pc:sldMk cId="1268877814" sldId="313"/>
+        </pc:sldMkLst>
+        <pc:spChg chg="mod">
+          <ac:chgData name="Krutarth Ghuge" userId="a152bcfb61f4273a" providerId="LiveId" clId="{33F29D61-F374-4F42-A5F2-C2663E5AC9A7}" dt="2024-10-29T18:16:58.273" v="1041" actId="14100"/>
+          <ac:spMkLst>
+            <pc:docMk/>
+            <pc:sldMk cId="1268877814" sldId="313"/>
+            <ac:spMk id="2" creationId="{0BE25EB8-9DDB-B772-2A37-117520AE78D9}"/>
+          </ac:spMkLst>
+        </pc:spChg>
+        <pc:spChg chg="mod">
+          <ac:chgData name="Krutarth Ghuge" userId="a152bcfb61f4273a" providerId="LiveId" clId="{33F29D61-F374-4F42-A5F2-C2663E5AC9A7}" dt="2024-10-29T18:18:56.198" v="1127" actId="403"/>
+          <ac:spMkLst>
+            <pc:docMk/>
+            <pc:sldMk cId="1268877814" sldId="313"/>
+            <ac:spMk id="3" creationId="{225B68EB-B312-B4C9-8030-F21A25A5849D}"/>
+          </ac:spMkLst>
+        </pc:spChg>
+      </pc:sldChg>
+    </pc:docChg>
+  </pc:docChgLst>
   <pc:docChgLst>
     <pc:chgData name="Krutarth Ghuge" userId="a152bcfb61f4273a" providerId="LiveId" clId="{5856EE46-FC32-41E6-BE53-8098FEF8CBF4}"/>
     <pc:docChg chg="undo custSel addSld modSld modSection">
@@ -3021,8 +3102,8 @@
     <dgm:cxn modelId="{995FF836-9FD8-4C92-8D9E-524E9FD8C801}" srcId="{62B7CF50-B682-425B-8631-1091D6BFEB98}" destId="{28E43F85-462B-4AF5-8256-F6471BAE416A}" srcOrd="1" destOrd="0" parTransId="{2A000B7E-B819-466F-94AA-623EA8BC7E60}" sibTransId="{0DB91637-BABB-484B-88AB-C082E4A6C231}"/>
     <dgm:cxn modelId="{B994D483-D8E8-A84C-8722-3BD53C819CAD}" type="presOf" srcId="{DD038D57-4DE9-3F4A-A6BA-394922FF6571}" destId="{F5030F63-6836-EE43-8150-6ACDA4C22843}" srcOrd="0" destOrd="0" presId="urn:microsoft.com/office/officeart/2005/8/layout/matrix3"/>
     <dgm:cxn modelId="{C25E6BAB-1A90-3D4B-BB75-5F5FB7024B93}" srcId="{62B7CF50-B682-425B-8631-1091D6BFEB98}" destId="{DD038D57-4DE9-3F4A-A6BA-394922FF6571}" srcOrd="3" destOrd="0" parTransId="{549AEBB9-8E62-9D49-A702-3C0EB44369FF}" sibTransId="{06890FF0-E465-EC4D-A06E-0AAB8FE94B15}"/>
+    <dgm:cxn modelId="{8F574CC3-7678-2843-943F-134E12087762}" type="presOf" srcId="{62B7CF50-B682-425B-8631-1091D6BFEB98}" destId="{BB1DBA73-D1F7-0145-BE2E-162FA37E80C1}" srcOrd="0" destOrd="0" presId="urn:microsoft.com/office/officeart/2005/8/layout/matrix3"/>
     <dgm:cxn modelId="{54136CC3-F0AF-B44A-AD67-35C3995B8E6A}" type="presOf" srcId="{C6BF6CAC-5A23-44DA-87AD-C708B8A20876}" destId="{773460A3-8246-DC47-B279-F238E2A70CEF}" srcOrd="0" destOrd="0" presId="urn:microsoft.com/office/officeart/2005/8/layout/matrix3"/>
-    <dgm:cxn modelId="{8F574CC3-7678-2843-943F-134E12087762}" type="presOf" srcId="{62B7CF50-B682-425B-8631-1091D6BFEB98}" destId="{BB1DBA73-D1F7-0145-BE2E-162FA37E80C1}" srcOrd="0" destOrd="0" presId="urn:microsoft.com/office/officeart/2005/8/layout/matrix3"/>
     <dgm:cxn modelId="{D6F70EC6-F853-403F-BAF2-CF1059D4E383}" srcId="{62B7CF50-B682-425B-8631-1091D6BFEB98}" destId="{C6BF6CAC-5A23-44DA-87AD-C708B8A20876}" srcOrd="0" destOrd="0" parTransId="{15F8D187-3B26-4E27-9570-CA0FC1F36CB4}" sibTransId="{3CE4A1EC-084A-46E9-9173-E062015E6E5B}"/>
     <dgm:cxn modelId="{8CCEC0F0-8B23-43A5-969D-3E6916FDBAEB}" srcId="{62B7CF50-B682-425B-8631-1091D6BFEB98}" destId="{348F5E9D-45EF-4149-A138-E9ADBDFBE5B0}" srcOrd="2" destOrd="0" parTransId="{B8BB669F-3766-4E02-987B-4B36CD9EBBE5}" sibTransId="{1B1A7BF0-C146-41AC-AC53-EBDA7DC67CFF}"/>
     <dgm:cxn modelId="{51F795B7-3594-C74D-98C6-5EF1CED1129E}" type="presParOf" srcId="{BB1DBA73-D1F7-0145-BE2E-162FA37E80C1}" destId="{32224B82-4477-F043-B2F6-7C9266D0521A}" srcOrd="0" destOrd="0" presId="urn:microsoft.com/office/officeart/2005/8/layout/matrix3"/>
@@ -3644,9 +3725,9 @@
   <dgm:cxnLst>
     <dgm:cxn modelId="{C18DD725-8F48-F843-9F6A-3270A31AAC95}" type="presOf" srcId="{F2836C55-B7CD-4293-AB4E-ED74942AF2D9}" destId="{CAF843A7-D997-9647-88D9-9898720133D6}" srcOrd="0" destOrd="0" presId="urn:microsoft.com/office/officeart/2016/7/layout/BasicLinearProcessNumbered"/>
     <dgm:cxn modelId="{A00B784B-F6BE-334E-B33B-D7177A315FFC}" type="presOf" srcId="{CFF2B5C0-30C3-4A78-8122-A70220D77B26}" destId="{54E324ED-D27C-324B-B0AC-8131DBF1FFBE}" srcOrd="1" destOrd="0" presId="urn:microsoft.com/office/officeart/2016/7/layout/BasicLinearProcessNumbered"/>
-    <dgm:cxn modelId="{17AF786D-A5C5-9940-9754-BAD635D2A80A}" type="presOf" srcId="{3BE18480-1CAA-40B4-A962-1B2108579E17}" destId="{AD197AED-C9EB-D345-9224-AFD8B47D5A13}" srcOrd="1" destOrd="0" presId="urn:microsoft.com/office/officeart/2016/7/layout/BasicLinearProcessNumbered"/>
     <dgm:cxn modelId="{5B719452-D671-AA41-818C-2978DA04AF6A}" type="presOf" srcId="{BFCB7456-B75C-4E69-ACFB-1B5C179522C4}" destId="{F40FD106-D0C8-BD4C-A598-BB045B8EFE7B}" srcOrd="0" destOrd="0" presId="urn:microsoft.com/office/officeart/2016/7/layout/BasicLinearProcessNumbered"/>
     <dgm:cxn modelId="{69F90A54-8BEF-574D-89E4-03A67D772C9B}" type="presOf" srcId="{B33D090C-518B-44AF-8D8B-EDD66A28B136}" destId="{69F53576-EB2F-9B4E-B425-811DBE2A0387}" srcOrd="0" destOrd="0" presId="urn:microsoft.com/office/officeart/2016/7/layout/BasicLinearProcessNumbered"/>
+    <dgm:cxn modelId="{17AF786D-A5C5-9940-9754-BAD635D2A80A}" type="presOf" srcId="{3BE18480-1CAA-40B4-A962-1B2108579E17}" destId="{AD197AED-C9EB-D345-9224-AFD8B47D5A13}" srcOrd="1" destOrd="0" presId="urn:microsoft.com/office/officeart/2016/7/layout/BasicLinearProcessNumbered"/>
     <dgm:cxn modelId="{D907BA7E-311C-9B44-899A-36FE9ED86C43}" type="presOf" srcId="{CFF2B5C0-30C3-4A78-8122-A70220D77B26}" destId="{CF87AB89-5D0F-704E-9B81-255528306632}" srcOrd="0" destOrd="0" presId="urn:microsoft.com/office/officeart/2016/7/layout/BasicLinearProcessNumbered"/>
     <dgm:cxn modelId="{946A1684-25D6-284A-96CA-56BE88287EEC}" type="presOf" srcId="{A83D936F-CCDD-44CD-82AD-939E0DF7037D}" destId="{EBE11039-CB21-4143-A41C-CF75E2902978}" srcOrd="0" destOrd="0" presId="urn:microsoft.com/office/officeart/2016/7/layout/BasicLinearProcessNumbered"/>
     <dgm:cxn modelId="{13813488-2A92-8041-AAE4-E265EA24B504}" type="presOf" srcId="{3BE18480-1CAA-40B4-A962-1B2108579E17}" destId="{B738996E-60A1-8643-8CC2-CA9BECF52B95}" srcOrd="0" destOrd="0" presId="urn:microsoft.com/office/officeart/2016/7/layout/BasicLinearProcessNumbered"/>
@@ -4744,7 +4825,7 @@
           <a:schemeClr val="accent2">
             <a:tint val="40000"/>
             <a:alpha val="90000"/>
-            <a:hueOff val="10159496"/>
+            <a:hueOff val="10159497"/>
             <a:satOff val="-17387"/>
             <a:lumOff val="-1170"/>
             <a:alphaOff val="0"/>
@@ -4755,7 +4836,7 @@
             <a:schemeClr val="accent2">
               <a:tint val="40000"/>
               <a:alpha val="90000"/>
-              <a:hueOff val="10159496"/>
+              <a:hueOff val="10159497"/>
               <a:satOff val="-17387"/>
               <a:lumOff val="-1170"/>
               <a:alphaOff val="0"/>
@@ -4950,7 +5031,7 @@
           <a:schemeClr val="accent2">
             <a:tint val="40000"/>
             <a:alpha val="90000"/>
-            <a:hueOff val="20318992"/>
+            <a:hueOff val="20318994"/>
             <a:satOff val="-34774"/>
             <a:lumOff val="-2340"/>
             <a:alphaOff val="0"/>
@@ -4961,7 +5042,7 @@
             <a:schemeClr val="accent2">
               <a:tint val="40000"/>
               <a:alpha val="90000"/>
-              <a:hueOff val="20318992"/>
+              <a:hueOff val="20318994"/>
               <a:satOff val="-34774"/>
               <a:lumOff val="-2340"/>
               <a:alphaOff val="0"/>
@@ -9117,7 +9198,7 @@
           <a:p>
             <a:fld id="{8C18F5D1-0178-894B-B549-A2F140CE1AF6}" type="datetimeFigureOut">
               <a:rPr lang="en-US" smtClean="0"/>
-              <a:t>10/28/2024</a:t>
+              <a:t>10/29/24</a:t>
             </a:fld>
             <a:endParaRPr lang="en-US" dirty="0"/>
           </a:p>
@@ -10177,6 +10258,90 @@
 </p:notes>
 </file>
 
+<file path=ppt/notesSlides/notesSlide9.xml><?xml version="1.0" encoding="utf-8"?>
+<p:notes xmlns:a="http://schemas.openxmlformats.org/drawingml/2006/main" xmlns:r="http://schemas.openxmlformats.org/officeDocument/2006/relationships" xmlns:p="http://schemas.openxmlformats.org/presentationml/2006/main">
+  <p:cSld>
+    <p:spTree>
+      <p:nvGrpSpPr>
+        <p:cNvPr id="1" name=""/>
+        <p:cNvGrpSpPr/>
+        <p:nvPr/>
+      </p:nvGrpSpPr>
+      <p:grpSpPr>
+        <a:xfrm>
+          <a:off x="0" y="0"/>
+          <a:ext cx="0" cy="0"/>
+          <a:chOff x="0" y="0"/>
+          <a:chExt cx="0" cy="0"/>
+        </a:xfrm>
+      </p:grpSpPr>
+      <p:sp>
+        <p:nvSpPr>
+          <p:cNvPr id="2" name="Slide Image Placeholder 1"/>
+          <p:cNvSpPr>
+            <a:spLocks noGrp="1" noRot="1" noChangeAspect="1"/>
+          </p:cNvSpPr>
+          <p:nvPr>
+            <p:ph type="sldImg"/>
+          </p:nvPr>
+        </p:nvSpPr>
+        <p:spPr/>
+      </p:sp>
+      <p:sp>
+        <p:nvSpPr>
+          <p:cNvPr id="3" name="Notes Placeholder 2"/>
+          <p:cNvSpPr>
+            <a:spLocks noGrp="1"/>
+          </p:cNvSpPr>
+          <p:nvPr>
+            <p:ph type="body" idx="1"/>
+          </p:nvPr>
+        </p:nvSpPr>
+        <p:spPr/>
+        <p:txBody>
+          <a:bodyPr/>
+          <a:lstStyle/>
+          <a:p>
+            <a:endParaRPr lang="en-US" dirty="0"/>
+          </a:p>
+        </p:txBody>
+      </p:sp>
+      <p:sp>
+        <p:nvSpPr>
+          <p:cNvPr id="4" name="Slide Number Placeholder 3"/>
+          <p:cNvSpPr>
+            <a:spLocks noGrp="1"/>
+          </p:cNvSpPr>
+          <p:nvPr>
+            <p:ph type="sldNum" sz="quarter" idx="5"/>
+          </p:nvPr>
+        </p:nvSpPr>
+        <p:spPr/>
+        <p:txBody>
+          <a:bodyPr/>
+          <a:lstStyle/>
+          <a:p>
+            <a:fld id="{9385E89E-57AD-564F-A6E8-931B0C4A845F}" type="slidenum">
+              <a:rPr lang="en-US" smtClean="0"/>
+              <a:t>15</a:t>
+            </a:fld>
+            <a:endParaRPr lang="en-US" dirty="0"/>
+          </a:p>
+        </p:txBody>
+      </p:sp>
+    </p:spTree>
+    <p:extLst>
+      <p:ext uri="{BB962C8B-B14F-4D97-AF65-F5344CB8AC3E}">
+        <p14:creationId xmlns:p14="http://schemas.microsoft.com/office/powerpoint/2010/main" val="599716480"/>
+      </p:ext>
+    </p:extLst>
+  </p:cSld>
+  <p:clrMapOvr>
+    <a:masterClrMapping/>
+  </p:clrMapOvr>
+</p:notes>
+</file>
+
 <file path=ppt/slideLayouts/slideLayout1.xml><?xml version="1.0" encoding="utf-8"?>
 <p:sldLayout xmlns:a="http://schemas.openxmlformats.org/drawingml/2006/main" xmlns:r="http://schemas.openxmlformats.org/officeDocument/2006/relationships" xmlns:p="http://schemas.openxmlformats.org/presentationml/2006/main" type="title" preserve="1">
   <p:cSld name="Title Slide">
@@ -10401,7 +10566,7 @@
           <a:p>
             <a:fld id="{5BCAD085-E8A6-8845-BD4E-CB4CCA059FC4}" type="datetimeFigureOut">
               <a:rPr lang="en-US" smtClean="0"/>
-              <a:t>10/28/2024</a:t>
+              <a:t>10/29/24</a:t>
             </a:fld>
             <a:endParaRPr lang="en-US" dirty="0"/>
           </a:p>
@@ -10704,7 +10869,7 @@
           <a:p>
             <a:fld id="{5BCAD085-E8A6-8845-BD4E-CB4CCA059FC4}" type="datetimeFigureOut">
               <a:rPr lang="en-US" smtClean="0"/>
-              <a:t>10/28/2024</a:t>
+              <a:t>10/29/24</a:t>
             </a:fld>
             <a:endParaRPr lang="en-US" dirty="0"/>
           </a:p>
@@ -10982,7 +11147,7 @@
           <a:p>
             <a:fld id="{5BCAD085-E8A6-8845-BD4E-CB4CCA059FC4}" type="datetimeFigureOut">
               <a:rPr lang="en-US" smtClean="0"/>
-              <a:t>10/28/2024</a:t>
+              <a:t>10/29/24</a:t>
             </a:fld>
             <a:endParaRPr lang="en-US" dirty="0"/>
           </a:p>
@@ -11552,7 +11717,7 @@
           <a:p>
             <a:fld id="{5BCAD085-E8A6-8845-BD4E-CB4CCA059FC4}" type="datetimeFigureOut">
               <a:rPr lang="en-US" smtClean="0"/>
-              <a:t>10/28/2024</a:t>
+              <a:t>10/29/24</a:t>
             </a:fld>
             <a:endParaRPr lang="en-US" dirty="0"/>
           </a:p>
@@ -11830,7 +11995,7 @@
           <a:p>
             <a:fld id="{5BCAD085-E8A6-8845-BD4E-CB4CCA059FC4}" type="datetimeFigureOut">
               <a:rPr lang="en-US" smtClean="0"/>
-              <a:t>10/28/2024</a:t>
+              <a:t>10/29/24</a:t>
             </a:fld>
             <a:endParaRPr lang="en-US" dirty="0"/>
           </a:p>
@@ -12392,7 +12557,7 @@
           <a:p>
             <a:fld id="{5BCAD085-E8A6-8845-BD4E-CB4CCA059FC4}" type="datetimeFigureOut">
               <a:rPr lang="en-US" smtClean="0"/>
-              <a:t>10/28/2024</a:t>
+              <a:t>10/29/24</a:t>
             </a:fld>
             <a:endParaRPr lang="en-US" dirty="0"/>
           </a:p>
@@ -12719,7 +12884,7 @@
           <a:p>
             <a:fld id="{5BCAD085-E8A6-8845-BD4E-CB4CCA059FC4}" type="datetimeFigureOut">
               <a:rPr lang="en-US" smtClean="0"/>
-              <a:t>10/28/2024</a:t>
+              <a:t>10/29/24</a:t>
             </a:fld>
             <a:endParaRPr lang="en-US" dirty="0"/>
           </a:p>
@@ -12930,7 +13095,7 @@
           <a:p>
             <a:fld id="{5BCAD085-E8A6-8845-BD4E-CB4CCA059FC4}" type="datetimeFigureOut">
               <a:rPr lang="en-US" smtClean="0"/>
-              <a:t>10/28/2024</a:t>
+              <a:t>10/29/24</a:t>
             </a:fld>
             <a:endParaRPr lang="en-US" dirty="0"/>
           </a:p>
@@ -13146,7 +13311,7 @@
           <a:p>
             <a:fld id="{5BCAD085-E8A6-8845-BD4E-CB4CCA059FC4}" type="datetimeFigureOut">
               <a:rPr lang="en-US" smtClean="0"/>
-              <a:t>10/28/2024</a:t>
+              <a:t>10/29/24</a:t>
             </a:fld>
             <a:endParaRPr lang="en-US" dirty="0"/>
           </a:p>
@@ -13352,7 +13517,7 @@
           <a:p>
             <a:fld id="{5BCAD085-E8A6-8845-BD4E-CB4CCA059FC4}" type="datetimeFigureOut">
               <a:rPr lang="en-US" smtClean="0"/>
-              <a:t>10/28/2024</a:t>
+              <a:t>10/29/24</a:t>
             </a:fld>
             <a:endParaRPr lang="en-US" dirty="0"/>
           </a:p>
@@ -13630,7 +13795,7 @@
           <a:p>
             <a:fld id="{5BCAD085-E8A6-8845-BD4E-CB4CCA059FC4}" type="datetimeFigureOut">
               <a:rPr lang="en-US" smtClean="0"/>
-              <a:t>10/28/2024</a:t>
+              <a:t>10/29/24</a:t>
             </a:fld>
             <a:endParaRPr lang="en-US" dirty="0"/>
           </a:p>
@@ -13896,7 +14061,7 @@
           <a:p>
             <a:fld id="{5BCAD085-E8A6-8845-BD4E-CB4CCA059FC4}" type="datetimeFigureOut">
               <a:rPr lang="en-US" smtClean="0"/>
-              <a:t>10/28/2024</a:t>
+              <a:t>10/29/24</a:t>
             </a:fld>
             <a:endParaRPr lang="en-US" dirty="0"/>
           </a:p>
@@ -14302,7 +14467,7 @@
           <a:p>
             <a:fld id="{5BCAD085-E8A6-8845-BD4E-CB4CCA059FC4}" type="datetimeFigureOut">
               <a:rPr lang="en-US" smtClean="0"/>
-              <a:t>10/28/2024</a:t>
+              <a:t>10/29/24</a:t>
             </a:fld>
             <a:endParaRPr lang="en-US" dirty="0"/>
           </a:p>
@@ -14461,7 +14626,7 @@
           <a:p>
             <a:fld id="{5BCAD085-E8A6-8845-BD4E-CB4CCA059FC4}" type="datetimeFigureOut">
               <a:rPr lang="en-US" smtClean="0"/>
-              <a:t>10/28/2024</a:t>
+              <a:t>10/29/24</a:t>
             </a:fld>
             <a:endParaRPr lang="en-US" dirty="0"/>
           </a:p>
@@ -14586,7 +14751,7 @@
           <a:p>
             <a:fld id="{5BCAD085-E8A6-8845-BD4E-CB4CCA059FC4}" type="datetimeFigureOut">
               <a:rPr lang="en-US" smtClean="0"/>
-              <a:t>10/28/2024</a:t>
+              <a:t>10/29/24</a:t>
             </a:fld>
             <a:endParaRPr lang="en-US" dirty="0"/>
           </a:p>
@@ -14871,7 +15036,7 @@
           <a:p>
             <a:fld id="{5BCAD085-E8A6-8845-BD4E-CB4CCA059FC4}" type="datetimeFigureOut">
               <a:rPr lang="en-US" smtClean="0"/>
-              <a:t>10/28/2024</a:t>
+              <a:t>10/29/24</a:t>
             </a:fld>
             <a:endParaRPr lang="en-US" dirty="0"/>
           </a:p>
@@ -15164,7 +15329,7 @@
           <a:p>
             <a:fld id="{5BCAD085-E8A6-8845-BD4E-CB4CCA059FC4}" type="datetimeFigureOut">
               <a:rPr lang="en-US" smtClean="0"/>
-              <a:t>10/28/2024</a:t>
+              <a:t>10/29/24</a:t>
             </a:fld>
             <a:endParaRPr lang="en-US" dirty="0"/>
           </a:p>
@@ -15378,7 +15543,7 @@
           <a:p>
             <a:fld id="{5BCAD085-E8A6-8845-BD4E-CB4CCA059FC4}" type="datetimeFigureOut">
               <a:rPr lang="en-US" smtClean="0"/>
-              <a:t>10/28/2024</a:t>
+              <a:t>10/29/24</a:t>
             </a:fld>
             <a:endParaRPr lang="en-US" dirty="0"/>
           </a:p>
@@ -17877,6 +18042,282 @@
           <p:cNvPr id="2" name="Title 1">
             <a:extLst>
               <a:ext uri="{FF2B5EF4-FFF2-40B4-BE49-F238E27FC236}">
+                <a16:creationId xmlns:a16="http://schemas.microsoft.com/office/drawing/2014/main" id="{3C553B9F-6867-D5A0-E3C0-2A33514290DB}"/>
+              </a:ext>
+            </a:extLst>
+          </p:cNvPr>
+          <p:cNvSpPr>
+            <a:spLocks noGrp="1"/>
+          </p:cNvSpPr>
+          <p:nvPr>
+            <p:ph type="title"/>
+          </p:nvPr>
+        </p:nvSpPr>
+        <p:spPr/>
+        <p:txBody>
+          <a:bodyPr>
+            <a:normAutofit fontScale="90000"/>
+          </a:bodyPr>
+          <a:lstStyle/>
+          <a:p>
+            <a:r>
+              <a:rPr lang="en-CA" dirty="0"/>
+              <a:t>Sample output</a:t>
+            </a:r>
+            <a:br>
+              <a:rPr lang="en-CA" dirty="0"/>
+            </a:br>
+            <a:br>
+              <a:rPr lang="en-CA" dirty="0"/>
+            </a:br>
+            <a:r>
+              <a:rPr lang="en-CA" sz="1800" dirty="0"/>
+              <a:t>(This is what our current program provides us for the current input location)</a:t>
+            </a:r>
+            <a:endParaRPr lang="en-CA" dirty="0"/>
+          </a:p>
+        </p:txBody>
+      </p:sp>
+      <p:sp>
+        <p:nvSpPr>
+          <p:cNvPr id="3" name="Content Placeholder 2">
+            <a:extLst>
+              <a:ext uri="{FF2B5EF4-FFF2-40B4-BE49-F238E27FC236}">
+                <a16:creationId xmlns:a16="http://schemas.microsoft.com/office/drawing/2014/main" id="{C3018597-FADF-BC1F-6E78-2B64648DE8D8}"/>
+              </a:ext>
+            </a:extLst>
+          </p:cNvPr>
+          <p:cNvSpPr>
+            <a:spLocks noGrp="1"/>
+          </p:cNvSpPr>
+          <p:nvPr>
+            <p:ph idx="1"/>
+          </p:nvPr>
+        </p:nvSpPr>
+        <p:spPr>
+          <a:xfrm>
+            <a:off x="457200" y="2065868"/>
+            <a:ext cx="7772400" cy="4643404"/>
+          </a:xfrm>
+        </p:spPr>
+        <p:txBody>
+          <a:bodyPr>
+            <a:normAutofit fontScale="92500" lnSpcReduction="20000"/>
+          </a:bodyPr>
+          <a:lstStyle/>
+          <a:p>
+            <a:pPr marL="0" indent="0">
+              <a:buNone/>
+            </a:pPr>
+            <a:r>
+              <a:rPr lang="en-CA" dirty="0">
+                <a:highlight>
+                  <a:srgbClr val="000000"/>
+                </a:highlight>
+              </a:rPr>
+              <a:t>Hello from the Earth Engine servers!</a:t>
+            </a:r>
+          </a:p>
+          <a:p>
+            <a:pPr marL="0" indent="0">
+              <a:buNone/>
+            </a:pPr>
+            <a:r>
+              <a:rPr lang="en-CA" dirty="0">
+                <a:highlight>
+                  <a:srgbClr val="000000"/>
+                </a:highlight>
+              </a:rPr>
+              <a:t>Buffer Area (sq km): 314.1592653589793</a:t>
+            </a:r>
+          </a:p>
+          <a:p>
+            <a:pPr marL="0" indent="0">
+              <a:buNone/>
+            </a:pPr>
+            <a:endParaRPr lang="en-CA" dirty="0">
+              <a:highlight>
+                <a:srgbClr val="000000"/>
+              </a:highlight>
+            </a:endParaRPr>
+          </a:p>
+          <a:p>
+            <a:pPr marL="0" indent="0">
+              <a:buNone/>
+            </a:pPr>
+            <a:r>
+              <a:rPr lang="en-CA" dirty="0">
+                <a:highlight>
+                  <a:srgbClr val="000000"/>
+                </a:highlight>
+              </a:rPr>
+              <a:t>Air Quality (CH4) Mean (ppbv): 1850.76</a:t>
+            </a:r>
+          </a:p>
+          <a:p>
+            <a:pPr marL="0" indent="0">
+              <a:buNone/>
+            </a:pPr>
+            <a:r>
+              <a:rPr lang="en-CA" dirty="0">
+                <a:highlight>
+                  <a:srgbClr val="000000"/>
+                </a:highlight>
+              </a:rPr>
+              <a:t>NO2 Mean (mol/m²): 0.000512</a:t>
+            </a:r>
+          </a:p>
+          <a:p>
+            <a:pPr marL="0" indent="0">
+              <a:buNone/>
+            </a:pPr>
+            <a:r>
+              <a:rPr lang="en-CA" dirty="0">
+                <a:highlight>
+                  <a:srgbClr val="000000"/>
+                </a:highlight>
+              </a:rPr>
+              <a:t>Land Cover Mode: 12</a:t>
+            </a:r>
+          </a:p>
+          <a:p>
+            <a:pPr marL="0" indent="0">
+              <a:buNone/>
+            </a:pPr>
+            <a:r>
+              <a:rPr lang="en-CA" dirty="0">
+                <a:highlight>
+                  <a:srgbClr val="000000"/>
+                </a:highlight>
+              </a:rPr>
+              <a:t>Water Quality Median B2 (Reflectance): 0.102</a:t>
+            </a:r>
+          </a:p>
+          <a:p>
+            <a:pPr marL="0" indent="0">
+              <a:buNone/>
+            </a:pPr>
+            <a:r>
+              <a:rPr lang="en-CA" dirty="0">
+                <a:highlight>
+                  <a:srgbClr val="000000"/>
+                </a:highlight>
+              </a:rPr>
+              <a:t>Water Quality Median B3 (Reflectance): 0.089</a:t>
+            </a:r>
+          </a:p>
+          <a:p>
+            <a:pPr marL="0" indent="0">
+              <a:buNone/>
+            </a:pPr>
+            <a:r>
+              <a:rPr lang="en-CA" dirty="0">
+                <a:highlight>
+                  <a:srgbClr val="000000"/>
+                </a:highlight>
+              </a:rPr>
+              <a:t>Water Quality Median B4 (Reflectance): 0.074</a:t>
+            </a:r>
+          </a:p>
+          <a:p>
+            <a:pPr marL="0" indent="0">
+              <a:buNone/>
+            </a:pPr>
+            <a:r>
+              <a:rPr lang="en-CA" dirty="0">
+                <a:highlight>
+                  <a:srgbClr val="000000"/>
+                </a:highlight>
+              </a:rPr>
+              <a:t>Air Temperature (Day) Mean (K*100): 30045.6</a:t>
+            </a:r>
+          </a:p>
+          <a:p>
+            <a:pPr marL="0" indent="0">
+              <a:buNone/>
+            </a:pPr>
+            <a:r>
+              <a:rPr lang="en-CA" dirty="0">
+                <a:highlight>
+                  <a:srgbClr val="000000"/>
+                </a:highlight>
+              </a:rPr>
+              <a:t>Surface Temperature (Night) Mean (K*100): 29321.2</a:t>
+            </a:r>
+          </a:p>
+          <a:p>
+            <a:pPr marL="0" indent="0">
+              <a:buNone/>
+            </a:pPr>
+            <a:r>
+              <a:rPr lang="en-CA" dirty="0">
+                <a:highlight>
+                  <a:srgbClr val="000000"/>
+                </a:highlight>
+              </a:rPr>
+              <a:t>NDVI Mean: 0.42</a:t>
+            </a:r>
+          </a:p>
+          <a:p>
+            <a:pPr marL="0" indent="0">
+              <a:buNone/>
+            </a:pPr>
+            <a:r>
+              <a:rPr lang="en-CA" dirty="0">
+                <a:highlight>
+                  <a:srgbClr val="000000"/>
+                </a:highlight>
+              </a:rPr>
+              <a:t>Total Precipitation (mm): 780.5</a:t>
+            </a:r>
+          </a:p>
+          <a:p>
+            <a:pPr marL="0" indent="0">
+              <a:buNone/>
+            </a:pPr>
+            <a:endParaRPr lang="en-CA" dirty="0">
+              <a:highlight>
+                <a:srgbClr val="000000"/>
+              </a:highlight>
+            </a:endParaRPr>
+          </a:p>
+        </p:txBody>
+      </p:sp>
+    </p:spTree>
+    <p:extLst>
+      <p:ext uri="{BB962C8B-B14F-4D97-AF65-F5344CB8AC3E}">
+        <p14:creationId xmlns:p14="http://schemas.microsoft.com/office/powerpoint/2010/main" val="132105306"/>
+      </p:ext>
+    </p:extLst>
+  </p:cSld>
+  <p:clrMapOvr>
+    <a:masterClrMapping/>
+  </p:clrMapOvr>
+</p:sld>
+</file>
+
+<file path=ppt/slides/slide15.xml><?xml version="1.0" encoding="utf-8"?>
+<p:sld xmlns:a="http://schemas.openxmlformats.org/drawingml/2006/main" xmlns:r="http://schemas.openxmlformats.org/officeDocument/2006/relationships" xmlns:p="http://schemas.openxmlformats.org/presentationml/2006/main">
+  <p:cSld>
+    <p:spTree>
+      <p:nvGrpSpPr>
+        <p:cNvPr id="1" name=""/>
+        <p:cNvGrpSpPr/>
+        <p:nvPr/>
+      </p:nvGrpSpPr>
+      <p:grpSpPr>
+        <a:xfrm>
+          <a:off x="0" y="0"/>
+          <a:ext cx="0" cy="0"/>
+          <a:chOff x="0" y="0"/>
+          <a:chExt cx="0" cy="0"/>
+        </a:xfrm>
+      </p:grpSpPr>
+      <p:sp>
+        <p:nvSpPr>
+          <p:cNvPr id="2" name="Title 1">
+            <a:extLst>
+              <a:ext uri="{FF2B5EF4-FFF2-40B4-BE49-F238E27FC236}">
                 <a16:creationId xmlns:a16="http://schemas.microsoft.com/office/drawing/2014/main" id="{ECDDDF00-2DE7-6087-66A0-A4BD5E5E444C}"/>
               </a:ext>
             </a:extLst>
@@ -17888,7 +18329,12 @@
             <p:ph type="title"/>
           </p:nvPr>
         </p:nvSpPr>
-        <p:spPr/>
+        <p:spPr>
+          <a:xfrm>
+            <a:off x="457200" y="216568"/>
+            <a:ext cx="7772400" cy="783101"/>
+          </a:xfrm>
+        </p:spPr>
         <p:txBody>
           <a:bodyPr/>
           <a:lstStyle/>
@@ -17916,12 +18362,189 @@
             <p:ph idx="1"/>
           </p:nvPr>
         </p:nvSpPr>
-        <p:spPr/>
+        <p:spPr>
+          <a:xfrm>
+            <a:off x="457200" y="999669"/>
+            <a:ext cx="7772400" cy="5641763"/>
+          </a:xfrm>
+        </p:spPr>
         <p:txBody>
-          <a:bodyPr/>
+          <a:bodyPr>
+            <a:normAutofit fontScale="92500" lnSpcReduction="20000"/>
+          </a:bodyPr>
           <a:lstStyle/>
           <a:p>
-            <a:endParaRPr lang="en-CA" dirty="0"/>
+            <a:pPr marL="0" indent="0">
+              <a:buNone/>
+            </a:pPr>
+            <a:r>
+              <a:rPr lang="en-CA" sz="1400" dirty="0"/>
+              <a:t>From our program and its subsequent output, given the specified coordinates and buffer area size, we can obtain the following data:</a:t>
+            </a:r>
+          </a:p>
+          <a:p>
+            <a:pPr marL="0" indent="0">
+              <a:buNone/>
+            </a:pPr>
+            <a:r>
+              <a:rPr lang="en-CA" sz="1400" dirty="0"/>
+              <a:t>1. The mean air quality (CH4 - methane based) in ppbv</a:t>
+            </a:r>
+          </a:p>
+          <a:p>
+            <a:pPr>
+              <a:buFont typeface="Courier New" panose="02070309020205020404" pitchFamily="49" charset="0"/>
+              <a:buChar char="o"/>
+            </a:pPr>
+            <a:r>
+              <a:rPr lang="en-CA" sz="1400" b="1" dirty="0"/>
+              <a:t>1850.76 ppbv (parts per billion by volume)</a:t>
+            </a:r>
+            <a:r>
+              <a:rPr lang="en-CA" sz="1400" dirty="0"/>
+              <a:t> indicates the average concentration of methane in the air over the specified area and period.</a:t>
+            </a:r>
+          </a:p>
+          <a:p>
+            <a:pPr>
+              <a:buFont typeface="Courier New" panose="02070309020205020404" pitchFamily="49" charset="0"/>
+              <a:buChar char="o"/>
+            </a:pPr>
+            <a:r>
+              <a:rPr lang="en-CA" sz="1400" dirty="0"/>
+              <a:t>Higher levels of CH₄ can indicate pollution sources like industrial emissions or agriculture. The value gives insight into greenhouse gas levels, which impact climate change.</a:t>
+            </a:r>
+          </a:p>
+          <a:p>
+            <a:pPr marL="0" indent="0">
+              <a:buNone/>
+            </a:pPr>
+            <a:r>
+              <a:rPr lang="en-CA" sz="1400" dirty="0"/>
+              <a:t>2.  The mean NO2 (nitrogen dioxide) levels in mol/m²</a:t>
+            </a:r>
+          </a:p>
+          <a:p>
+            <a:pPr>
+              <a:buFont typeface="Courier New" panose="02070309020205020404" pitchFamily="49" charset="0"/>
+              <a:buChar char="o"/>
+            </a:pPr>
+            <a:r>
+              <a:rPr lang="en-CA" sz="1400" dirty="0"/>
+              <a:t>The </a:t>
+            </a:r>
+            <a:r>
+              <a:rPr lang="en-CA" sz="1400" b="1" dirty="0"/>
+              <a:t>mean concentration of 0.000512 mol/m²</a:t>
+            </a:r>
+            <a:r>
+              <a:rPr lang="en-CA" sz="1400" dirty="0"/>
+              <a:t> shows the average amount of NO₂ in the atmosphere over the area.</a:t>
+            </a:r>
+          </a:p>
+          <a:p>
+            <a:pPr>
+              <a:buFont typeface="Courier New" panose="02070309020205020404" pitchFamily="49" charset="0"/>
+              <a:buChar char="o"/>
+            </a:pPr>
+            <a:r>
+              <a:rPr lang="en-CA" sz="1400" dirty="0"/>
+              <a:t>NO₂ is a significant air pollutant affecting human health and contributes to smog formation and acid rain.</a:t>
+            </a:r>
+          </a:p>
+          <a:p>
+            <a:pPr marL="0" indent="0">
+              <a:buNone/>
+            </a:pPr>
+            <a:r>
+              <a:rPr lang="en-CA" sz="1400" dirty="0"/>
+              <a:t>3. The land cover mode</a:t>
+            </a:r>
+          </a:p>
+          <a:p>
+            <a:pPr>
+              <a:buFont typeface="Courier New" panose="02070309020205020404" pitchFamily="49" charset="0"/>
+              <a:buChar char="o"/>
+            </a:pPr>
+            <a:r>
+              <a:rPr lang="en-CA" sz="1400" dirty="0"/>
+              <a:t>This value indicates the </a:t>
+            </a:r>
+            <a:r>
+              <a:rPr lang="en-CA" sz="1400" b="1" dirty="0"/>
+              <a:t>most common type of land cover</a:t>
+            </a:r>
+            <a:r>
+              <a:rPr lang="en-CA" sz="1400" dirty="0"/>
+              <a:t> (or "mode") in the specified area, based on a land cover classification scheme.</a:t>
+            </a:r>
+          </a:p>
+          <a:p>
+            <a:pPr>
+              <a:buFont typeface="Courier New" panose="02070309020205020404" pitchFamily="49" charset="0"/>
+              <a:buChar char="o"/>
+            </a:pPr>
+            <a:r>
+              <a:rPr lang="en-CA" sz="1400" dirty="0"/>
+              <a:t>Each number represents a specific land type (e.g., 12 might indicate wetlands or urban areas, depending on the classification used).</a:t>
+            </a:r>
+          </a:p>
+          <a:p>
+            <a:pPr>
+              <a:buFont typeface="Courier New" panose="02070309020205020404" pitchFamily="49" charset="0"/>
+              <a:buChar char="o"/>
+            </a:pPr>
+            <a:r>
+              <a:rPr lang="en-CA" sz="1400" dirty="0"/>
+              <a:t>This helps in understanding dominant land use, which affects ecosystem health, urban planning, and environmental policies.</a:t>
+            </a:r>
+          </a:p>
+          <a:p>
+            <a:pPr marL="0" indent="0">
+              <a:buNone/>
+            </a:pPr>
+            <a:r>
+              <a:rPr lang="en-CA" sz="1400" dirty="0"/>
+              <a:t>4. The water quality median B2 (Reflectance)</a:t>
+            </a:r>
+          </a:p>
+          <a:p>
+            <a:pPr>
+              <a:buFont typeface="Courier New" panose="02070309020205020404" pitchFamily="49" charset="0"/>
+              <a:buChar char="o"/>
+            </a:pPr>
+            <a:r>
+              <a:rPr lang="en-CA" sz="1400" b="1" dirty="0"/>
+              <a:t>B2 (Blue band reflectance)</a:t>
+            </a:r>
+            <a:r>
+              <a:rPr lang="en-CA" sz="1400" dirty="0"/>
+              <a:t> in water bodies helps assess water clarity and quality.</a:t>
+            </a:r>
+          </a:p>
+          <a:p>
+            <a:pPr>
+              <a:buFont typeface="Courier New" panose="02070309020205020404" pitchFamily="49" charset="0"/>
+              <a:buChar char="o"/>
+            </a:pPr>
+            <a:r>
+              <a:rPr lang="en-CA" sz="1400" b="1" dirty="0"/>
+              <a:t>0.102</a:t>
+            </a:r>
+            <a:r>
+              <a:rPr lang="en-CA" sz="1400" dirty="0"/>
+              <a:t> reflectance indicates moderate clarity; high values suggest turbid or sediment-filled waters.</a:t>
+            </a:r>
+          </a:p>
+          <a:p>
+            <a:pPr>
+              <a:buFont typeface="Courier New" panose="02070309020205020404" pitchFamily="49" charset="0"/>
+              <a:buChar char="o"/>
+            </a:pPr>
+            <a:r>
+              <a:rPr lang="en-CA" sz="1400" dirty="0"/>
+              <a:t>Blue reflectance is particularly sensitive to suspended particles, so lower values generally indicate clearer water.</a:t>
+            </a:r>
           </a:p>
         </p:txBody>
       </p:sp>
@@ -17938,7 +18561,326 @@
 </p:sld>
 </file>
 
-<file path=ppt/slides/slide15.xml><?xml version="1.0" encoding="utf-8"?>
+<file path=ppt/slides/slide16.xml><?xml version="1.0" encoding="utf-8"?>
+<p:sld xmlns:a="http://schemas.openxmlformats.org/drawingml/2006/main" xmlns:r="http://schemas.openxmlformats.org/officeDocument/2006/relationships" xmlns:p="http://schemas.openxmlformats.org/presentationml/2006/main">
+  <p:cSld>
+    <p:spTree>
+      <p:nvGrpSpPr>
+        <p:cNvPr id="1" name=""/>
+        <p:cNvGrpSpPr/>
+        <p:nvPr/>
+      </p:nvGrpSpPr>
+      <p:grpSpPr>
+        <a:xfrm>
+          <a:off x="0" y="0"/>
+          <a:ext cx="0" cy="0"/>
+          <a:chOff x="0" y="0"/>
+          <a:chExt cx="0" cy="0"/>
+        </a:xfrm>
+      </p:grpSpPr>
+      <p:sp>
+        <p:nvSpPr>
+          <p:cNvPr id="2" name="Title 1">
+            <a:extLst>
+              <a:ext uri="{FF2B5EF4-FFF2-40B4-BE49-F238E27FC236}">
+                <a16:creationId xmlns:a16="http://schemas.microsoft.com/office/drawing/2014/main" id="{0BE25EB8-9DDB-B772-2A37-117520AE78D9}"/>
+              </a:ext>
+            </a:extLst>
+          </p:cNvPr>
+          <p:cNvSpPr>
+            <a:spLocks noGrp="1"/>
+          </p:cNvSpPr>
+          <p:nvPr>
+            <p:ph type="title"/>
+          </p:nvPr>
+        </p:nvSpPr>
+        <p:spPr>
+          <a:xfrm>
+            <a:off x="457200" y="187571"/>
+            <a:ext cx="7772400" cy="594482"/>
+          </a:xfrm>
+        </p:spPr>
+        <p:txBody>
+          <a:bodyPr>
+            <a:noAutofit/>
+          </a:bodyPr>
+          <a:lstStyle/>
+          <a:p>
+            <a:r>
+              <a:rPr lang="en-US" b="1" dirty="0"/>
+              <a:t>OBSERVATIONS CONT.</a:t>
+            </a:r>
+          </a:p>
+        </p:txBody>
+      </p:sp>
+      <p:sp>
+        <p:nvSpPr>
+          <p:cNvPr id="3" name="Content Placeholder 2">
+            <a:extLst>
+              <a:ext uri="{FF2B5EF4-FFF2-40B4-BE49-F238E27FC236}">
+                <a16:creationId xmlns:a16="http://schemas.microsoft.com/office/drawing/2014/main" id="{225B68EB-B312-B4C9-8030-F21A25A5849D}"/>
+              </a:ext>
+            </a:extLst>
+          </p:cNvPr>
+          <p:cNvSpPr>
+            <a:spLocks noGrp="1"/>
+          </p:cNvSpPr>
+          <p:nvPr>
+            <p:ph idx="1"/>
+          </p:nvPr>
+        </p:nvSpPr>
+        <p:spPr>
+          <a:xfrm>
+            <a:off x="457200" y="782053"/>
+            <a:ext cx="8152228" cy="5888375"/>
+          </a:xfrm>
+        </p:spPr>
+        <p:txBody>
+          <a:bodyPr>
+            <a:normAutofit fontScale="92500" lnSpcReduction="10000"/>
+          </a:bodyPr>
+          <a:lstStyle/>
+          <a:p>
+            <a:pPr marL="0" indent="0">
+              <a:buNone/>
+            </a:pPr>
+            <a:r>
+              <a:rPr lang="en-CA" sz="1200" dirty="0"/>
+              <a:t>5. The water quality median B3 (Reflectance)</a:t>
+            </a:r>
+          </a:p>
+          <a:p>
+            <a:pPr>
+              <a:buFont typeface="Courier New" panose="02070309020205020404" pitchFamily="49" charset="0"/>
+              <a:buChar char="o"/>
+            </a:pPr>
+            <a:r>
+              <a:rPr lang="en-CA" sz="1200" b="1" dirty="0"/>
+              <a:t>B3 (Green band reflectance)</a:t>
+            </a:r>
+            <a:r>
+              <a:rPr lang="en-CA" sz="1200" dirty="0"/>
+              <a:t> is useful in distinguishing between water types and vegetation.</a:t>
+            </a:r>
+          </a:p>
+          <a:p>
+            <a:pPr>
+              <a:buFont typeface="Courier New" panose="02070309020205020404" pitchFamily="49" charset="0"/>
+              <a:buChar char="o"/>
+            </a:pPr>
+            <a:r>
+              <a:rPr lang="en-CA" sz="1200" b="1" dirty="0"/>
+              <a:t>0.089</a:t>
+            </a:r>
+            <a:r>
+              <a:rPr lang="en-CA" sz="1200" dirty="0"/>
+              <a:t> reflectance points to moderate visibility in the green wavelength, useful in studying suspended algae or chlorophyll concentration, both of which affect aquatic health.</a:t>
+            </a:r>
+          </a:p>
+          <a:p>
+            <a:pPr marL="0" indent="0">
+              <a:buNone/>
+            </a:pPr>
+            <a:r>
+              <a:rPr lang="en-CA" sz="1200" dirty="0"/>
+              <a:t>6. The water quality median B4 (Reflectance)</a:t>
+            </a:r>
+          </a:p>
+          <a:p>
+            <a:pPr>
+              <a:buFont typeface="Courier New" panose="02070309020205020404" pitchFamily="49" charset="0"/>
+              <a:buChar char="o"/>
+            </a:pPr>
+            <a:r>
+              <a:rPr lang="en-CA" sz="1200" b="1" dirty="0"/>
+              <a:t>B4 (Red band reflectance)</a:t>
+            </a:r>
+            <a:r>
+              <a:rPr lang="en-CA" sz="1200" dirty="0"/>
+              <a:t> often relates to the concentration of sediments and organic matter in water.</a:t>
+            </a:r>
+          </a:p>
+          <a:p>
+            <a:pPr>
+              <a:buFont typeface="Courier New" panose="02070309020205020404" pitchFamily="49" charset="0"/>
+              <a:buChar char="o"/>
+            </a:pPr>
+            <a:r>
+              <a:rPr lang="en-CA" sz="1200" b="1" dirty="0"/>
+              <a:t>0.074</a:t>
+            </a:r>
+            <a:r>
+              <a:rPr lang="en-CA" sz="1200" dirty="0"/>
+              <a:t> reflectance indicates clearer water in the red spectrum, with low values often reflecting lower concentrations of sediments or pollutants.</a:t>
+            </a:r>
+          </a:p>
+          <a:p>
+            <a:pPr marL="0" indent="0">
+              <a:buNone/>
+            </a:pPr>
+            <a:r>
+              <a:rPr lang="en-CA" sz="1200" dirty="0"/>
+              <a:t>7. The mean air temperature during the day in K*100</a:t>
+            </a:r>
+          </a:p>
+          <a:p>
+            <a:pPr>
+              <a:buFont typeface="Courier New" panose="02070309020205020404" pitchFamily="49" charset="0"/>
+              <a:buChar char="o"/>
+            </a:pPr>
+            <a:r>
+              <a:rPr lang="en-CA" sz="1200" b="1" dirty="0"/>
+              <a:t>Mean daytime land surface temperature</a:t>
+            </a:r>
+            <a:r>
+              <a:rPr lang="en-CA" sz="1200" dirty="0"/>
+              <a:t> in Kelvin, represented as </a:t>
+            </a:r>
+            <a:r>
+              <a:rPr lang="en-CA" sz="1200" b="1" dirty="0"/>
+              <a:t>K*100</a:t>
+            </a:r>
+            <a:r>
+              <a:rPr lang="en-CA" sz="1200" dirty="0"/>
+              <a:t> (so, 300.45 K or about 27.3°C).</a:t>
+            </a:r>
+          </a:p>
+          <a:p>
+            <a:pPr>
+              <a:buFont typeface="Courier New" panose="02070309020205020404" pitchFamily="49" charset="0"/>
+              <a:buChar char="o"/>
+            </a:pPr>
+            <a:r>
+              <a:rPr lang="en-CA" sz="1200" dirty="0"/>
+              <a:t>This metric helps in understanding surface heat, which impacts ecosystems, urban heat islands, and local climate patterns.</a:t>
+            </a:r>
+          </a:p>
+          <a:p>
+            <a:pPr marL="0" indent="0">
+              <a:buNone/>
+            </a:pPr>
+            <a:r>
+              <a:rPr lang="en-CA" sz="1200" dirty="0"/>
+              <a:t>8. The mean surface temperature at night in K*100</a:t>
+            </a:r>
+          </a:p>
+          <a:p>
+            <a:pPr>
+              <a:buFont typeface="Courier New" panose="02070309020205020404" pitchFamily="49" charset="0"/>
+              <a:buChar char="o"/>
+            </a:pPr>
+            <a:r>
+              <a:rPr lang="en-CA" sz="1200" b="1" dirty="0"/>
+              <a:t>Mean nighttime land surface temperature</a:t>
+            </a:r>
+            <a:r>
+              <a:rPr lang="en-CA" sz="1200" dirty="0"/>
+              <a:t> in Kelvin (293.21 K or about 20.1°C).</a:t>
+            </a:r>
+          </a:p>
+          <a:p>
+            <a:pPr>
+              <a:buFont typeface="Courier New" panose="02070309020205020404" pitchFamily="49" charset="0"/>
+              <a:buChar char="o"/>
+            </a:pPr>
+            <a:r>
+              <a:rPr lang="en-CA" sz="1200" dirty="0"/>
+              <a:t>Nighttime temperatures are key for understanding heat retention, cooling rates, and effects on local climates, especially in urban or densely vegetated areas.</a:t>
+            </a:r>
+          </a:p>
+          <a:p>
+            <a:pPr marL="0" indent="0">
+              <a:buNone/>
+            </a:pPr>
+            <a:r>
+              <a:rPr lang="en-CA" sz="1200" dirty="0"/>
+              <a:t>9. The mean of the NDVI (Normalized Difference Vegetation Index)</a:t>
+            </a:r>
+          </a:p>
+          <a:p>
+            <a:pPr>
+              <a:buFont typeface="Courier New" panose="02070309020205020404" pitchFamily="49" charset="0"/>
+              <a:buChar char="o"/>
+            </a:pPr>
+            <a:r>
+              <a:rPr lang="en-CA" sz="1200" b="1" dirty="0"/>
+              <a:t>NDVI (Normalized Difference Vegetation Index)</a:t>
+            </a:r>
+            <a:r>
+              <a:rPr lang="en-CA" sz="1200" dirty="0"/>
+              <a:t> is an indicator of vegetation health, with values ranging from -1 to +1.</a:t>
+            </a:r>
+          </a:p>
+          <a:p>
+            <a:pPr>
+              <a:buFont typeface="Courier New" panose="02070309020205020404" pitchFamily="49" charset="0"/>
+              <a:buChar char="o"/>
+            </a:pPr>
+            <a:r>
+              <a:rPr lang="en-CA" sz="1200" dirty="0"/>
+              <a:t>A </a:t>
+            </a:r>
+            <a:r>
+              <a:rPr lang="en-CA" sz="1200" b="1" dirty="0"/>
+              <a:t>mean of 0.42</a:t>
+            </a:r>
+            <a:r>
+              <a:rPr lang="en-CA" sz="1200" dirty="0"/>
+              <a:t> signifies moderately healthy vegetation, as higher values indicate denser, greener vegetation, while lower values show less vegetation or stressed areas.</a:t>
+            </a:r>
+          </a:p>
+          <a:p>
+            <a:pPr marL="0" indent="0">
+              <a:buNone/>
+            </a:pPr>
+            <a:r>
+              <a:rPr lang="en-CA" sz="1200" dirty="0"/>
+              <a:t>10. The total precipitation in millimetres</a:t>
+            </a:r>
+          </a:p>
+          <a:p>
+            <a:pPr>
+              <a:buFont typeface="Courier New" panose="02070309020205020404" pitchFamily="49" charset="0"/>
+              <a:buChar char="o"/>
+            </a:pPr>
+            <a:r>
+              <a:rPr lang="en-CA" sz="1200" b="1" dirty="0"/>
+              <a:t>780.5 mm</a:t>
+            </a:r>
+            <a:r>
+              <a:rPr lang="en-CA" sz="1200" dirty="0"/>
+              <a:t> represents the cumulative rainfall over the period for the specified geographical area.</a:t>
+            </a:r>
+          </a:p>
+          <a:p>
+            <a:pPr>
+              <a:buFont typeface="Courier New" panose="02070309020205020404" pitchFamily="49" charset="0"/>
+              <a:buChar char="o"/>
+            </a:pPr>
+            <a:r>
+              <a:rPr lang="en-CA" sz="1200" dirty="0"/>
+              <a:t>Total precipitation impacts water resources, soil moisture, and ecosystem productivity and is a fundamental climate variable for any environmental analysis.</a:t>
+            </a:r>
+          </a:p>
+          <a:p>
+            <a:endParaRPr lang="en-US" sz="1200" dirty="0"/>
+          </a:p>
+        </p:txBody>
+      </p:sp>
+    </p:spTree>
+    <p:extLst>
+      <p:ext uri="{BB962C8B-B14F-4D97-AF65-F5344CB8AC3E}">
+        <p14:creationId xmlns:p14="http://schemas.microsoft.com/office/powerpoint/2010/main" val="1268877814"/>
+      </p:ext>
+    </p:extLst>
+  </p:cSld>
+  <p:clrMapOvr>
+    <a:masterClrMapping/>
+  </p:clrMapOvr>
+</p:sld>
+</file>
+
+<file path=ppt/slides/slide17.xml><?xml version="1.0" encoding="utf-8"?>
 <p:sld xmlns:a="http://schemas.openxmlformats.org/drawingml/2006/main" xmlns:r="http://schemas.openxmlformats.org/officeDocument/2006/relationships" xmlns:p="http://schemas.openxmlformats.org/presentationml/2006/main">
   <p:cSld>
     <p:spTree>
@@ -18101,90 +19043,7 @@
 </p:sld>
 </file>
 
-<file path=ppt/slides/slide16.xml><?xml version="1.0" encoding="utf-8"?>
-<p:sld xmlns:a="http://schemas.openxmlformats.org/drawingml/2006/main" xmlns:r="http://schemas.openxmlformats.org/officeDocument/2006/relationships" xmlns:p="http://schemas.openxmlformats.org/presentationml/2006/main">
-  <p:cSld>
-    <p:spTree>
-      <p:nvGrpSpPr>
-        <p:cNvPr id="1" name=""/>
-        <p:cNvGrpSpPr/>
-        <p:nvPr/>
-      </p:nvGrpSpPr>
-      <p:grpSpPr>
-        <a:xfrm>
-          <a:off x="0" y="0"/>
-          <a:ext cx="0" cy="0"/>
-          <a:chOff x="0" y="0"/>
-          <a:chExt cx="0" cy="0"/>
-        </a:xfrm>
-      </p:grpSpPr>
-      <p:sp>
-        <p:nvSpPr>
-          <p:cNvPr id="2" name="Title 1">
-            <a:extLst>
-              <a:ext uri="{FF2B5EF4-FFF2-40B4-BE49-F238E27FC236}">
-                <a16:creationId xmlns:a16="http://schemas.microsoft.com/office/drawing/2014/main" id="{3C553B9F-6867-D5A0-E3C0-2A33514290DB}"/>
-              </a:ext>
-            </a:extLst>
-          </p:cNvPr>
-          <p:cNvSpPr>
-            <a:spLocks noGrp="1"/>
-          </p:cNvSpPr>
-          <p:nvPr>
-            <p:ph type="title"/>
-          </p:nvPr>
-        </p:nvSpPr>
-        <p:spPr/>
-        <p:txBody>
-          <a:bodyPr/>
-          <a:lstStyle/>
-          <a:p>
-            <a:r>
-              <a:rPr lang="en-CA" dirty="0"/>
-              <a:t>Sample output</a:t>
-            </a:r>
-          </a:p>
-        </p:txBody>
-      </p:sp>
-      <p:sp>
-        <p:nvSpPr>
-          <p:cNvPr id="3" name="Content Placeholder 2">
-            <a:extLst>
-              <a:ext uri="{FF2B5EF4-FFF2-40B4-BE49-F238E27FC236}">
-                <a16:creationId xmlns:a16="http://schemas.microsoft.com/office/drawing/2014/main" id="{C3018597-FADF-BC1F-6E78-2B64648DE8D8}"/>
-              </a:ext>
-            </a:extLst>
-          </p:cNvPr>
-          <p:cNvSpPr>
-            <a:spLocks noGrp="1"/>
-          </p:cNvSpPr>
-          <p:nvPr>
-            <p:ph idx="1"/>
-          </p:nvPr>
-        </p:nvSpPr>
-        <p:spPr/>
-        <p:txBody>
-          <a:bodyPr/>
-          <a:lstStyle/>
-          <a:p>
-            <a:endParaRPr lang="en-CA" dirty="0"/>
-          </a:p>
-        </p:txBody>
-      </p:sp>
-    </p:spTree>
-    <p:extLst>
-      <p:ext uri="{BB962C8B-B14F-4D97-AF65-F5344CB8AC3E}">
-        <p14:creationId xmlns:p14="http://schemas.microsoft.com/office/powerpoint/2010/main" val="132105306"/>
-      </p:ext>
-    </p:extLst>
-  </p:cSld>
-  <p:clrMapOvr>
-    <a:masterClrMapping/>
-  </p:clrMapOvr>
-</p:sld>
-</file>
-
-<file path=ppt/slides/slide17.xml><?xml version="1.0" encoding="utf-8"?>
+<file path=ppt/slides/slide18.xml><?xml version="1.0" encoding="utf-8"?>
 <p:sld xmlns:a="http://schemas.openxmlformats.org/drawingml/2006/main" xmlns:r="http://schemas.openxmlformats.org/officeDocument/2006/relationships" xmlns:p="http://schemas.openxmlformats.org/presentationml/2006/main">
   <p:cSld>
     <p:spTree>
@@ -18344,7 +19203,7 @@
 </p:sld>
 </file>
 
-<file path=ppt/slides/slide18.xml><?xml version="1.0" encoding="utf-8"?>
+<file path=ppt/slides/slide19.xml><?xml version="1.0" encoding="utf-8"?>
 <p:sld xmlns:a="http://schemas.openxmlformats.org/drawingml/2006/main" xmlns:r="http://schemas.openxmlformats.org/officeDocument/2006/relationships" xmlns:p="http://schemas.openxmlformats.org/presentationml/2006/main">
   <p:cSld>
     <p:bg>
@@ -18456,413 +19315,6 @@
     <mc:Fallback xmlns="">
       <p:transition spd="slow">
         <p:randomBar dir="vert"/>
-      </p:transition>
-    </mc:Fallback>
-  </mc:AlternateContent>
-</p:sld>
-</file>
-
-<file path=ppt/slides/slide19.xml><?xml version="1.0" encoding="utf-8"?>
-<p:sld xmlns:a="http://schemas.openxmlformats.org/drawingml/2006/main" xmlns:r="http://schemas.openxmlformats.org/officeDocument/2006/relationships" xmlns:p="http://schemas.openxmlformats.org/presentationml/2006/main">
-  <p:cSld>
-    <p:bg>
-      <p:bgPr>
-        <a:blipFill>
-          <a:blip r:embed="rId2"/>
-          <a:stretch/>
-        </a:blipFill>
-        <a:effectLst/>
-      </p:bgPr>
-    </p:bg>
-    <p:spTree>
-      <p:nvGrpSpPr>
-        <p:cNvPr id="1" name=""/>
-        <p:cNvGrpSpPr/>
-        <p:nvPr/>
-      </p:nvGrpSpPr>
-      <p:grpSpPr>
-        <a:xfrm>
-          <a:off x="0" y="0"/>
-          <a:ext cx="0" cy="0"/>
-          <a:chOff x="0" y="0"/>
-          <a:chExt cx="0" cy="0"/>
-        </a:xfrm>
-      </p:grpSpPr>
-      <p:sp useBgFill="1">
-        <p:nvSpPr>
-          <p:cNvPr id="9" name="Rectangle 8">
-            <a:extLst>
-              <a:ext uri="{FF2B5EF4-FFF2-40B4-BE49-F238E27FC236}">
-                <a16:creationId xmlns:a16="http://schemas.microsoft.com/office/drawing/2014/main" id="{5322CD25-774C-445A-BB73-E7CA305DBEFB}"/>
-              </a:ext>
-              <a:ext uri="{C183D7F6-B498-43B3-948B-1728B52AA6E4}">
-                <adec:decorative xmlns:adec="http://schemas.microsoft.com/office/drawing/2017/decorative" val="1"/>
-              </a:ext>
-            </a:extLst>
-          </p:cNvPr>
-          <p:cNvSpPr>
-            <a:spLocks noGrp="1" noRot="1" noChangeAspect="1" noMove="1" noResize="1" noEditPoints="1" noAdjustHandles="1" noChangeArrowheads="1" noChangeShapeType="1" noTextEdit="1"/>
-          </p:cNvSpPr>
-          <p:nvPr>
-            <p:extLst>
-              <p:ext uri="{386F3935-93C4-4BCD-93E2-E3B085C9AB24}">
-                <p16:designElem xmlns:p16="http://schemas.microsoft.com/office/powerpoint/2015/main" val="1"/>
-              </p:ext>
-            </p:extLst>
-          </p:nvPr>
-        </p:nvSpPr>
-        <p:spPr>
-          <a:xfrm>
-            <a:off x="-2381" y="-1786"/>
-            <a:ext cx="9141618" cy="6856214"/>
-          </a:xfrm>
-          <a:prstGeom prst="rect">
-            <a:avLst/>
-          </a:prstGeom>
-          <a:ln>
-            <a:noFill/>
-          </a:ln>
-        </p:spPr>
-        <p:style>
-          <a:lnRef idx="2">
-            <a:schemeClr val="accent1">
-              <a:shade val="50000"/>
-            </a:schemeClr>
-          </a:lnRef>
-          <a:fillRef idx="1">
-            <a:schemeClr val="accent1"/>
-          </a:fillRef>
-          <a:effectRef idx="0">
-            <a:schemeClr val="accent1"/>
-          </a:effectRef>
-          <a:fontRef idx="minor">
-            <a:schemeClr val="lt1"/>
-          </a:fontRef>
-        </p:style>
-        <p:txBody>
-          <a:bodyPr rtlCol="0" anchor="ctr"/>
-          <a:lstStyle/>
-          <a:p>
-            <a:pPr algn="ctr"/>
-            <a:endParaRPr lang="en-US" dirty="0"/>
-          </a:p>
-        </p:txBody>
-      </p:sp>
-      <p:pic>
-        <p:nvPicPr>
-          <p:cNvPr id="6" name="Picture 5" descr="Natural petrol fired electrical power plant">
-            <a:extLst>
-              <a:ext uri="{FF2B5EF4-FFF2-40B4-BE49-F238E27FC236}">
-                <a16:creationId xmlns:a16="http://schemas.microsoft.com/office/drawing/2014/main" id="{F6667F79-2FA8-4C26-5299-3039098956D7}"/>
-              </a:ext>
-            </a:extLst>
-          </p:cNvPr>
-          <p:cNvPicPr>
-            <a:picLocks noChangeAspect="1"/>
-          </p:cNvPicPr>
-          <p:nvPr/>
-        </p:nvPicPr>
-        <p:blipFill rotWithShape="1">
-          <a:blip r:embed="rId3">
-            <a:alphaModFix amt="20000"/>
-          </a:blip>
-          <a:srcRect r="10999" b="-1"/>
-          <a:stretch/>
-        </p:blipFill>
-        <p:spPr>
-          <a:xfrm>
-            <a:off x="20" y="10"/>
-            <a:ext cx="9143980" cy="6857990"/>
-          </a:xfrm>
-          <a:prstGeom prst="rect">
-            <a:avLst/>
-          </a:prstGeom>
-        </p:spPr>
-      </p:pic>
-      <p:pic>
-        <p:nvPicPr>
-          <p:cNvPr id="11" name="Picture 10">
-            <a:extLst>
-              <a:ext uri="{FF2B5EF4-FFF2-40B4-BE49-F238E27FC236}">
-                <a16:creationId xmlns:a16="http://schemas.microsoft.com/office/drawing/2014/main" id="{0CE22D27-F39E-4E29-B074-E0E3F1C8F8E3}"/>
-              </a:ext>
-              <a:ext uri="{C183D7F6-B498-43B3-948B-1728B52AA6E4}">
-                <adec:decorative xmlns:adec="http://schemas.microsoft.com/office/drawing/2017/decorative" val="1"/>
-              </a:ext>
-            </a:extLst>
-          </p:cNvPr>
-          <p:cNvPicPr>
-            <a:picLocks noGrp="1" noRot="1" noChangeAspect="1" noMove="1" noResize="1" noEditPoints="1" noAdjustHandles="1" noChangeArrowheads="1" noChangeShapeType="1" noCrop="1"/>
-          </p:cNvPicPr>
-          <p:nvPr>
-            <p:extLst>
-              <p:ext uri="{386F3935-93C4-4BCD-93E2-E3B085C9AB24}">
-                <p16:designElem xmlns:p16="http://schemas.microsoft.com/office/powerpoint/2015/main" val="1"/>
-              </p:ext>
-            </p:extLst>
-          </p:nvPr>
-        </p:nvPicPr>
-        <p:blipFill>
-          <a:blip r:embed="rId4">
-            <a:alphaModFix amt="39000"/>
-            <a:extLst>
-              <a:ext uri="{28A0092B-C50C-407E-A947-70E740481C1C}">
-                <a14:useLocalDpi xmlns:a14="http://schemas.microsoft.com/office/drawing/2010/main" val="0"/>
-              </a:ext>
-            </a:extLst>
-          </a:blip>
-          <a:stretch>
-            <a:fillRect/>
-          </a:stretch>
-        </p:blipFill>
-        <p:spPr>
-          <a:xfrm>
-            <a:off x="0" y="0"/>
-            <a:ext cx="9141618" cy="6856214"/>
-          </a:xfrm>
-          <a:prstGeom prst="rect">
-            <a:avLst/>
-          </a:prstGeom>
-        </p:spPr>
-      </p:pic>
-      <p:sp>
-        <p:nvSpPr>
-          <p:cNvPr id="2" name="Title 1"/>
-          <p:cNvSpPr>
-            <a:spLocks noGrp="1"/>
-          </p:cNvSpPr>
-          <p:nvPr>
-            <p:ph type="title"/>
-          </p:nvPr>
-        </p:nvSpPr>
-        <p:spPr>
-          <a:xfrm>
-            <a:off x="514350" y="609600"/>
-            <a:ext cx="7598569" cy="1456267"/>
-          </a:xfrm>
-        </p:spPr>
-        <p:txBody>
-          <a:bodyPr>
-            <a:normAutofit/>
-          </a:bodyPr>
-          <a:lstStyle/>
-          <a:p>
-            <a:r>
-              <a:rPr lang="en-CA" dirty="0"/>
-              <a:t>resources</a:t>
-            </a:r>
-            <a:endParaRPr dirty="0"/>
-          </a:p>
-        </p:txBody>
-      </p:sp>
-      <p:sp>
-        <p:nvSpPr>
-          <p:cNvPr id="3" name="Content Placeholder 2"/>
-          <p:cNvSpPr>
-            <a:spLocks noGrp="1"/>
-          </p:cNvSpPr>
-          <p:nvPr>
-            <p:ph idx="1"/>
-          </p:nvPr>
-        </p:nvSpPr>
-        <p:spPr>
-          <a:xfrm>
-            <a:off x="514350" y="2142067"/>
-            <a:ext cx="7598569" cy="3649133"/>
-          </a:xfrm>
-        </p:spPr>
-        <p:txBody>
-          <a:bodyPr>
-            <a:normAutofit fontScale="92500" lnSpcReduction="20000"/>
-          </a:bodyPr>
-          <a:lstStyle/>
-          <a:p>
-            <a:pPr marL="342900" lvl="0" indent="-342900">
-              <a:buFont typeface="+mj-lt"/>
-              <a:buAutoNum type="arabicPeriod"/>
-            </a:pPr>
-            <a:r>
-              <a:rPr lang="en-CA" kern="100" dirty="0">
-                <a:effectLst/>
-                <a:latin typeface="Aptos" panose="020B0004020202020204" pitchFamily="34" charset="0"/>
-                <a:ea typeface="Aptos" panose="020B0004020202020204" pitchFamily="34" charset="0"/>
-                <a:cs typeface="Times New Roman" panose="02020603050405020304" pitchFamily="18" charset="0"/>
-              </a:rPr>
-              <a:t>Climate TRACE</a:t>
-            </a:r>
-            <a:br>
-              <a:rPr lang="en-CA" kern="100" dirty="0">
-                <a:effectLst/>
-                <a:latin typeface="Aptos" panose="020B0004020202020204" pitchFamily="34" charset="0"/>
-                <a:ea typeface="Aptos" panose="020B0004020202020204" pitchFamily="34" charset="0"/>
-                <a:cs typeface="Times New Roman" panose="02020603050405020304" pitchFamily="18" charset="0"/>
-              </a:rPr>
-            </a:br>
-            <a:r>
-              <a:rPr lang="en-CA" u="sng" kern="100" dirty="0">
-                <a:effectLst/>
-                <a:latin typeface="Aptos" panose="020B0004020202020204" pitchFamily="34" charset="0"/>
-                <a:ea typeface="Aptos" panose="020B0004020202020204" pitchFamily="34" charset="0"/>
-                <a:cs typeface="Times New Roman" panose="02020603050405020304" pitchFamily="18" charset="0"/>
-                <a:hlinkClick r:id="rId5"/>
-              </a:rPr>
-              <a:t>https://climatetrace.org/inventory?country=IND&amp;year_from=2015&amp;year_to=2022&amp;gas=co2e100</a:t>
-            </a:r>
-            <a:r>
-              <a:rPr lang="en-CA" kern="100" dirty="0">
-                <a:effectLst/>
-                <a:latin typeface="Aptos" panose="020B0004020202020204" pitchFamily="34" charset="0"/>
-                <a:ea typeface="Aptos" panose="020B0004020202020204" pitchFamily="34" charset="0"/>
-                <a:cs typeface="Times New Roman" panose="02020603050405020304" pitchFamily="18" charset="0"/>
-              </a:rPr>
-              <a:t> </a:t>
-            </a:r>
-          </a:p>
-          <a:p>
-            <a:pPr marL="342900" lvl="0" indent="-342900">
-              <a:buFont typeface="+mj-lt"/>
-              <a:buAutoNum type="arabicPeriod"/>
-            </a:pPr>
-            <a:r>
-              <a:rPr lang="en-CA" kern="100" dirty="0">
-                <a:latin typeface="Aptos" panose="020B0004020202020204" pitchFamily="34" charset="0"/>
-                <a:ea typeface="Aptos" panose="020B0004020202020204" pitchFamily="34" charset="0"/>
-                <a:cs typeface="Times New Roman" panose="02020603050405020304" pitchFamily="18" charset="0"/>
-              </a:rPr>
-              <a:t>Agriculture Background Image </a:t>
-            </a:r>
-            <a:br>
-              <a:rPr lang="en-CA" kern="100" dirty="0">
-                <a:latin typeface="Aptos" panose="020B0004020202020204" pitchFamily="34" charset="0"/>
-                <a:ea typeface="Aptos" panose="020B0004020202020204" pitchFamily="34" charset="0"/>
-                <a:cs typeface="Times New Roman" panose="02020603050405020304" pitchFamily="18" charset="0"/>
-              </a:rPr>
-            </a:br>
-            <a:r>
-              <a:rPr lang="en-CA" kern="100" dirty="0">
-                <a:latin typeface="Aptos" panose="020B0004020202020204" pitchFamily="34" charset="0"/>
-                <a:ea typeface="Aptos" panose="020B0004020202020204" pitchFamily="34" charset="0"/>
-                <a:cs typeface="Times New Roman" panose="02020603050405020304" pitchFamily="18" charset="0"/>
-                <a:hlinkClick r:id="rId6"/>
-              </a:rPr>
-              <a:t>https://okcredit.in/blog/how-does-the-agriculture-industry-work/</a:t>
-            </a:r>
-            <a:r>
-              <a:rPr lang="en-CA" kern="100" dirty="0">
-                <a:latin typeface="Aptos" panose="020B0004020202020204" pitchFamily="34" charset="0"/>
-                <a:ea typeface="Aptos" panose="020B0004020202020204" pitchFamily="34" charset="0"/>
-                <a:cs typeface="Times New Roman" panose="02020603050405020304" pitchFamily="18" charset="0"/>
-              </a:rPr>
-              <a:t> </a:t>
-            </a:r>
-          </a:p>
-          <a:p>
-            <a:pPr marL="342900" lvl="0" indent="-342900">
-              <a:buFont typeface="+mj-lt"/>
-              <a:buAutoNum type="arabicPeriod"/>
-            </a:pPr>
-            <a:r>
-              <a:rPr lang="en-CA" kern="100" dirty="0">
-                <a:effectLst/>
-                <a:latin typeface="Aptos" panose="020B0004020202020204" pitchFamily="34" charset="0"/>
-                <a:ea typeface="Aptos" panose="020B0004020202020204" pitchFamily="34" charset="0"/>
-                <a:cs typeface="Times New Roman" panose="02020603050405020304" pitchFamily="18" charset="0"/>
-              </a:rPr>
-              <a:t>Generation of Thermal Power from Raw Coal (Government of India)</a:t>
-            </a:r>
-            <a:br>
-              <a:rPr lang="en-CA" kern="100" dirty="0">
-                <a:effectLst/>
-                <a:latin typeface="Aptos" panose="020B0004020202020204" pitchFamily="34" charset="0"/>
-                <a:ea typeface="Aptos" panose="020B0004020202020204" pitchFamily="34" charset="0"/>
-                <a:cs typeface="Times New Roman" panose="02020603050405020304" pitchFamily="18" charset="0"/>
-              </a:rPr>
-            </a:br>
-            <a:r>
-              <a:rPr lang="en-CA" kern="100" dirty="0">
-                <a:effectLst/>
-                <a:latin typeface="Aptos" panose="020B0004020202020204" pitchFamily="34" charset="0"/>
-                <a:ea typeface="Aptos" panose="020B0004020202020204" pitchFamily="34" charset="0"/>
-                <a:cs typeface="Times New Roman" panose="02020603050405020304" pitchFamily="18" charset="0"/>
-                <a:hlinkClick r:id="rId7"/>
-              </a:rPr>
-              <a:t>https://www.coal.nic.in/en/major-statistics/generation-of-thermal-power-from-raw-coal#:~:text=In%20India%2C%20power%20is%20generated,of%20the%20total%20power%20generation</a:t>
-            </a:r>
-            <a:r>
-              <a:rPr lang="en-CA" kern="100" dirty="0">
-                <a:effectLst/>
-                <a:latin typeface="Aptos" panose="020B0004020202020204" pitchFamily="34" charset="0"/>
-                <a:ea typeface="Aptos" panose="020B0004020202020204" pitchFamily="34" charset="0"/>
-                <a:cs typeface="Times New Roman" panose="02020603050405020304" pitchFamily="18" charset="0"/>
-              </a:rPr>
-              <a:t>. </a:t>
-            </a:r>
-          </a:p>
-          <a:p>
-            <a:pPr marL="342900" lvl="0" indent="-342900">
-              <a:buFont typeface="+mj-lt"/>
-              <a:buAutoNum type="arabicPeriod"/>
-            </a:pPr>
-            <a:r>
-              <a:rPr lang="en-CA" kern="100" dirty="0">
-                <a:effectLst/>
-                <a:latin typeface="Aptos" panose="020B0004020202020204" pitchFamily="34" charset="0"/>
-                <a:ea typeface="Aptos" panose="020B0004020202020204" pitchFamily="34" charset="0"/>
-                <a:cs typeface="Times New Roman" panose="02020603050405020304" pitchFamily="18" charset="0"/>
-              </a:rPr>
-              <a:t>Greenhouse Gases, CO2, CO2e, and Carbon:  What Do All These Terms Mean? (Brander, July 2023)</a:t>
-            </a:r>
-            <a:br>
-              <a:rPr lang="en-CA" kern="100" dirty="0">
-                <a:effectLst/>
-                <a:latin typeface="Aptos" panose="020B0004020202020204" pitchFamily="34" charset="0"/>
-                <a:ea typeface="Aptos" panose="020B0004020202020204" pitchFamily="34" charset="0"/>
-                <a:cs typeface="Times New Roman" panose="02020603050405020304" pitchFamily="18" charset="0"/>
-              </a:rPr>
-            </a:br>
-            <a:r>
-              <a:rPr lang="en-CA" kern="100" dirty="0">
-                <a:effectLst/>
-                <a:latin typeface="Aptos" panose="020B0004020202020204" pitchFamily="34" charset="0"/>
-                <a:ea typeface="Aptos" panose="020B0004020202020204" pitchFamily="34" charset="0"/>
-                <a:cs typeface="Times New Roman" panose="02020603050405020304" pitchFamily="18" charset="0"/>
-                <a:hlinkClick r:id="rId8"/>
-              </a:rPr>
-              <a:t>https://ecometrica.com/assets/GHGs-CO2-CO2e-and-Carbon-What-Do-These-Mean-v2.1.pdf</a:t>
-            </a:r>
-            <a:r>
-              <a:rPr lang="en-CA" kern="100" dirty="0">
-                <a:effectLst/>
-                <a:latin typeface="Aptos" panose="020B0004020202020204" pitchFamily="34" charset="0"/>
-                <a:ea typeface="Aptos" panose="020B0004020202020204" pitchFamily="34" charset="0"/>
-                <a:cs typeface="Times New Roman" panose="02020603050405020304" pitchFamily="18" charset="0"/>
-              </a:rPr>
-              <a:t> </a:t>
-            </a:r>
-          </a:p>
-          <a:p>
-            <a:pPr marL="681038" lvl="1" indent="-342900">
-              <a:buFont typeface="+mj-lt"/>
-              <a:buAutoNum type="arabicPeriod"/>
-            </a:pPr>
-            <a:endParaRPr lang="en-CA" dirty="0"/>
-          </a:p>
-        </p:txBody>
-      </p:sp>
-    </p:spTree>
-  </p:cSld>
-  <p:clrMapOvr>
-    <a:masterClrMapping/>
-  </p:clrMapOvr>
-  <mc:AlternateContent xmlns:mc="http://schemas.openxmlformats.org/markup-compatibility/2006" xmlns:p14="http://schemas.microsoft.com/office/powerpoint/2010/main">
-    <mc:Choice Requires="p14">
-      <p:transition spd="slow" p14:dur="2000">
-        <p14:doors dir="vert"/>
-      </p:transition>
-    </mc:Choice>
-    <mc:Fallback xmlns="">
-      <p:transition spd="slow">
-        <p:fade/>
       </p:transition>
     </mc:Fallback>
   </mc:AlternateContent>
@@ -23540,6 +23992,413 @@
 </p:sld>
 </file>
 
+<file path=ppt/slides/slide20.xml><?xml version="1.0" encoding="utf-8"?>
+<p:sld xmlns:a="http://schemas.openxmlformats.org/drawingml/2006/main" xmlns:r="http://schemas.openxmlformats.org/officeDocument/2006/relationships" xmlns:p="http://schemas.openxmlformats.org/presentationml/2006/main">
+  <p:cSld>
+    <p:bg>
+      <p:bgPr>
+        <a:blipFill>
+          <a:blip r:embed="rId2"/>
+          <a:stretch/>
+        </a:blipFill>
+        <a:effectLst/>
+      </p:bgPr>
+    </p:bg>
+    <p:spTree>
+      <p:nvGrpSpPr>
+        <p:cNvPr id="1" name=""/>
+        <p:cNvGrpSpPr/>
+        <p:nvPr/>
+      </p:nvGrpSpPr>
+      <p:grpSpPr>
+        <a:xfrm>
+          <a:off x="0" y="0"/>
+          <a:ext cx="0" cy="0"/>
+          <a:chOff x="0" y="0"/>
+          <a:chExt cx="0" cy="0"/>
+        </a:xfrm>
+      </p:grpSpPr>
+      <p:sp useBgFill="1">
+        <p:nvSpPr>
+          <p:cNvPr id="9" name="Rectangle 8">
+            <a:extLst>
+              <a:ext uri="{FF2B5EF4-FFF2-40B4-BE49-F238E27FC236}">
+                <a16:creationId xmlns:a16="http://schemas.microsoft.com/office/drawing/2014/main" id="{5322CD25-774C-445A-BB73-E7CA305DBEFB}"/>
+              </a:ext>
+              <a:ext uri="{C183D7F6-B498-43B3-948B-1728B52AA6E4}">
+                <adec:decorative xmlns:adec="http://schemas.microsoft.com/office/drawing/2017/decorative" val="1"/>
+              </a:ext>
+            </a:extLst>
+          </p:cNvPr>
+          <p:cNvSpPr>
+            <a:spLocks noGrp="1" noRot="1" noChangeAspect="1" noMove="1" noResize="1" noEditPoints="1" noAdjustHandles="1" noChangeArrowheads="1" noChangeShapeType="1" noTextEdit="1"/>
+          </p:cNvSpPr>
+          <p:nvPr>
+            <p:extLst>
+              <p:ext uri="{386F3935-93C4-4BCD-93E2-E3B085C9AB24}">
+                <p16:designElem xmlns:p16="http://schemas.microsoft.com/office/powerpoint/2015/main" val="1"/>
+              </p:ext>
+            </p:extLst>
+          </p:nvPr>
+        </p:nvSpPr>
+        <p:spPr>
+          <a:xfrm>
+            <a:off x="-2381" y="-1786"/>
+            <a:ext cx="9141618" cy="6856214"/>
+          </a:xfrm>
+          <a:prstGeom prst="rect">
+            <a:avLst/>
+          </a:prstGeom>
+          <a:ln>
+            <a:noFill/>
+          </a:ln>
+        </p:spPr>
+        <p:style>
+          <a:lnRef idx="2">
+            <a:schemeClr val="accent1">
+              <a:shade val="50000"/>
+            </a:schemeClr>
+          </a:lnRef>
+          <a:fillRef idx="1">
+            <a:schemeClr val="accent1"/>
+          </a:fillRef>
+          <a:effectRef idx="0">
+            <a:schemeClr val="accent1"/>
+          </a:effectRef>
+          <a:fontRef idx="minor">
+            <a:schemeClr val="lt1"/>
+          </a:fontRef>
+        </p:style>
+        <p:txBody>
+          <a:bodyPr rtlCol="0" anchor="ctr"/>
+          <a:lstStyle/>
+          <a:p>
+            <a:pPr algn="ctr"/>
+            <a:endParaRPr lang="en-US" dirty="0"/>
+          </a:p>
+        </p:txBody>
+      </p:sp>
+      <p:pic>
+        <p:nvPicPr>
+          <p:cNvPr id="6" name="Picture 5" descr="Natural petrol fired electrical power plant">
+            <a:extLst>
+              <a:ext uri="{FF2B5EF4-FFF2-40B4-BE49-F238E27FC236}">
+                <a16:creationId xmlns:a16="http://schemas.microsoft.com/office/drawing/2014/main" id="{F6667F79-2FA8-4C26-5299-3039098956D7}"/>
+              </a:ext>
+            </a:extLst>
+          </p:cNvPr>
+          <p:cNvPicPr>
+            <a:picLocks noChangeAspect="1"/>
+          </p:cNvPicPr>
+          <p:nvPr/>
+        </p:nvPicPr>
+        <p:blipFill rotWithShape="1">
+          <a:blip r:embed="rId3">
+            <a:alphaModFix amt="20000"/>
+          </a:blip>
+          <a:srcRect r="10999" b="-1"/>
+          <a:stretch/>
+        </p:blipFill>
+        <p:spPr>
+          <a:xfrm>
+            <a:off x="20" y="10"/>
+            <a:ext cx="9143980" cy="6857990"/>
+          </a:xfrm>
+          <a:prstGeom prst="rect">
+            <a:avLst/>
+          </a:prstGeom>
+        </p:spPr>
+      </p:pic>
+      <p:pic>
+        <p:nvPicPr>
+          <p:cNvPr id="11" name="Picture 10">
+            <a:extLst>
+              <a:ext uri="{FF2B5EF4-FFF2-40B4-BE49-F238E27FC236}">
+                <a16:creationId xmlns:a16="http://schemas.microsoft.com/office/drawing/2014/main" id="{0CE22D27-F39E-4E29-B074-E0E3F1C8F8E3}"/>
+              </a:ext>
+              <a:ext uri="{C183D7F6-B498-43B3-948B-1728B52AA6E4}">
+                <adec:decorative xmlns:adec="http://schemas.microsoft.com/office/drawing/2017/decorative" val="1"/>
+              </a:ext>
+            </a:extLst>
+          </p:cNvPr>
+          <p:cNvPicPr>
+            <a:picLocks noGrp="1" noRot="1" noChangeAspect="1" noMove="1" noResize="1" noEditPoints="1" noAdjustHandles="1" noChangeArrowheads="1" noChangeShapeType="1" noCrop="1"/>
+          </p:cNvPicPr>
+          <p:nvPr>
+            <p:extLst>
+              <p:ext uri="{386F3935-93C4-4BCD-93E2-E3B085C9AB24}">
+                <p16:designElem xmlns:p16="http://schemas.microsoft.com/office/powerpoint/2015/main" val="1"/>
+              </p:ext>
+            </p:extLst>
+          </p:nvPr>
+        </p:nvPicPr>
+        <p:blipFill>
+          <a:blip r:embed="rId4">
+            <a:alphaModFix amt="39000"/>
+            <a:extLst>
+              <a:ext uri="{28A0092B-C50C-407E-A947-70E740481C1C}">
+                <a14:useLocalDpi xmlns:a14="http://schemas.microsoft.com/office/drawing/2010/main" val="0"/>
+              </a:ext>
+            </a:extLst>
+          </a:blip>
+          <a:stretch>
+            <a:fillRect/>
+          </a:stretch>
+        </p:blipFill>
+        <p:spPr>
+          <a:xfrm>
+            <a:off x="0" y="0"/>
+            <a:ext cx="9141618" cy="6856214"/>
+          </a:xfrm>
+          <a:prstGeom prst="rect">
+            <a:avLst/>
+          </a:prstGeom>
+        </p:spPr>
+      </p:pic>
+      <p:sp>
+        <p:nvSpPr>
+          <p:cNvPr id="2" name="Title 1"/>
+          <p:cNvSpPr>
+            <a:spLocks noGrp="1"/>
+          </p:cNvSpPr>
+          <p:nvPr>
+            <p:ph type="title"/>
+          </p:nvPr>
+        </p:nvSpPr>
+        <p:spPr>
+          <a:xfrm>
+            <a:off x="514350" y="609600"/>
+            <a:ext cx="7598569" cy="1456267"/>
+          </a:xfrm>
+        </p:spPr>
+        <p:txBody>
+          <a:bodyPr>
+            <a:normAutofit/>
+          </a:bodyPr>
+          <a:lstStyle/>
+          <a:p>
+            <a:r>
+              <a:rPr lang="en-CA" dirty="0"/>
+              <a:t>resources</a:t>
+            </a:r>
+            <a:endParaRPr dirty="0"/>
+          </a:p>
+        </p:txBody>
+      </p:sp>
+      <p:sp>
+        <p:nvSpPr>
+          <p:cNvPr id="3" name="Content Placeholder 2"/>
+          <p:cNvSpPr>
+            <a:spLocks noGrp="1"/>
+          </p:cNvSpPr>
+          <p:nvPr>
+            <p:ph idx="1"/>
+          </p:nvPr>
+        </p:nvSpPr>
+        <p:spPr>
+          <a:xfrm>
+            <a:off x="514350" y="2142067"/>
+            <a:ext cx="7598569" cy="3649133"/>
+          </a:xfrm>
+        </p:spPr>
+        <p:txBody>
+          <a:bodyPr>
+            <a:normAutofit fontScale="92500" lnSpcReduction="20000"/>
+          </a:bodyPr>
+          <a:lstStyle/>
+          <a:p>
+            <a:pPr marL="342900" lvl="0" indent="-342900">
+              <a:buFont typeface="+mj-lt"/>
+              <a:buAutoNum type="arabicPeriod"/>
+            </a:pPr>
+            <a:r>
+              <a:rPr lang="en-CA" kern="100" dirty="0">
+                <a:effectLst/>
+                <a:latin typeface="Aptos" panose="020B0004020202020204" pitchFamily="34" charset="0"/>
+                <a:ea typeface="Aptos" panose="020B0004020202020204" pitchFamily="34" charset="0"/>
+                <a:cs typeface="Times New Roman" panose="02020603050405020304" pitchFamily="18" charset="0"/>
+              </a:rPr>
+              <a:t>Climate TRACE</a:t>
+            </a:r>
+            <a:br>
+              <a:rPr lang="en-CA" kern="100" dirty="0">
+                <a:effectLst/>
+                <a:latin typeface="Aptos" panose="020B0004020202020204" pitchFamily="34" charset="0"/>
+                <a:ea typeface="Aptos" panose="020B0004020202020204" pitchFamily="34" charset="0"/>
+                <a:cs typeface="Times New Roman" panose="02020603050405020304" pitchFamily="18" charset="0"/>
+              </a:rPr>
+            </a:br>
+            <a:r>
+              <a:rPr lang="en-CA" u="sng" kern="100" dirty="0">
+                <a:effectLst/>
+                <a:latin typeface="Aptos" panose="020B0004020202020204" pitchFamily="34" charset="0"/>
+                <a:ea typeface="Aptos" panose="020B0004020202020204" pitchFamily="34" charset="0"/>
+                <a:cs typeface="Times New Roman" panose="02020603050405020304" pitchFamily="18" charset="0"/>
+                <a:hlinkClick r:id="rId5"/>
+              </a:rPr>
+              <a:t>https://climatetrace.org/inventory?country=IND&amp;year_from=2015&amp;year_to=2022&amp;gas=co2e100</a:t>
+            </a:r>
+            <a:r>
+              <a:rPr lang="en-CA" kern="100" dirty="0">
+                <a:effectLst/>
+                <a:latin typeface="Aptos" panose="020B0004020202020204" pitchFamily="34" charset="0"/>
+                <a:ea typeface="Aptos" panose="020B0004020202020204" pitchFamily="34" charset="0"/>
+                <a:cs typeface="Times New Roman" panose="02020603050405020304" pitchFamily="18" charset="0"/>
+              </a:rPr>
+              <a:t> </a:t>
+            </a:r>
+          </a:p>
+          <a:p>
+            <a:pPr marL="342900" lvl="0" indent="-342900">
+              <a:buFont typeface="+mj-lt"/>
+              <a:buAutoNum type="arabicPeriod"/>
+            </a:pPr>
+            <a:r>
+              <a:rPr lang="en-CA" kern="100" dirty="0">
+                <a:latin typeface="Aptos" panose="020B0004020202020204" pitchFamily="34" charset="0"/>
+                <a:ea typeface="Aptos" panose="020B0004020202020204" pitchFamily="34" charset="0"/>
+                <a:cs typeface="Times New Roman" panose="02020603050405020304" pitchFamily="18" charset="0"/>
+              </a:rPr>
+              <a:t>Agriculture Background Image </a:t>
+            </a:r>
+            <a:br>
+              <a:rPr lang="en-CA" kern="100" dirty="0">
+                <a:latin typeface="Aptos" panose="020B0004020202020204" pitchFamily="34" charset="0"/>
+                <a:ea typeface="Aptos" panose="020B0004020202020204" pitchFamily="34" charset="0"/>
+                <a:cs typeface="Times New Roman" panose="02020603050405020304" pitchFamily="18" charset="0"/>
+              </a:rPr>
+            </a:br>
+            <a:r>
+              <a:rPr lang="en-CA" kern="100" dirty="0">
+                <a:latin typeface="Aptos" panose="020B0004020202020204" pitchFamily="34" charset="0"/>
+                <a:ea typeface="Aptos" panose="020B0004020202020204" pitchFamily="34" charset="0"/>
+                <a:cs typeface="Times New Roman" panose="02020603050405020304" pitchFamily="18" charset="0"/>
+                <a:hlinkClick r:id="rId6"/>
+              </a:rPr>
+              <a:t>https://okcredit.in/blog/how-does-the-agriculture-industry-work/</a:t>
+            </a:r>
+            <a:r>
+              <a:rPr lang="en-CA" kern="100" dirty="0">
+                <a:latin typeface="Aptos" panose="020B0004020202020204" pitchFamily="34" charset="0"/>
+                <a:ea typeface="Aptos" panose="020B0004020202020204" pitchFamily="34" charset="0"/>
+                <a:cs typeface="Times New Roman" panose="02020603050405020304" pitchFamily="18" charset="0"/>
+              </a:rPr>
+              <a:t> </a:t>
+            </a:r>
+          </a:p>
+          <a:p>
+            <a:pPr marL="342900" lvl="0" indent="-342900">
+              <a:buFont typeface="+mj-lt"/>
+              <a:buAutoNum type="arabicPeriod"/>
+            </a:pPr>
+            <a:r>
+              <a:rPr lang="en-CA" kern="100" dirty="0">
+                <a:effectLst/>
+                <a:latin typeface="Aptos" panose="020B0004020202020204" pitchFamily="34" charset="0"/>
+                <a:ea typeface="Aptos" panose="020B0004020202020204" pitchFamily="34" charset="0"/>
+                <a:cs typeface="Times New Roman" panose="02020603050405020304" pitchFamily="18" charset="0"/>
+              </a:rPr>
+              <a:t>Generation of Thermal Power from Raw Coal (Government of India)</a:t>
+            </a:r>
+            <a:br>
+              <a:rPr lang="en-CA" kern="100" dirty="0">
+                <a:effectLst/>
+                <a:latin typeface="Aptos" panose="020B0004020202020204" pitchFamily="34" charset="0"/>
+                <a:ea typeface="Aptos" panose="020B0004020202020204" pitchFamily="34" charset="0"/>
+                <a:cs typeface="Times New Roman" panose="02020603050405020304" pitchFamily="18" charset="0"/>
+              </a:rPr>
+            </a:br>
+            <a:r>
+              <a:rPr lang="en-CA" kern="100" dirty="0">
+                <a:effectLst/>
+                <a:latin typeface="Aptos" panose="020B0004020202020204" pitchFamily="34" charset="0"/>
+                <a:ea typeface="Aptos" panose="020B0004020202020204" pitchFamily="34" charset="0"/>
+                <a:cs typeface="Times New Roman" panose="02020603050405020304" pitchFamily="18" charset="0"/>
+                <a:hlinkClick r:id="rId7"/>
+              </a:rPr>
+              <a:t>https://www.coal.nic.in/en/major-statistics/generation-of-thermal-power-from-raw-coal#:~:text=In%20India%2C%20power%20is%20generated,of%20the%20total%20power%20generation</a:t>
+            </a:r>
+            <a:r>
+              <a:rPr lang="en-CA" kern="100" dirty="0">
+                <a:effectLst/>
+                <a:latin typeface="Aptos" panose="020B0004020202020204" pitchFamily="34" charset="0"/>
+                <a:ea typeface="Aptos" panose="020B0004020202020204" pitchFamily="34" charset="0"/>
+                <a:cs typeface="Times New Roman" panose="02020603050405020304" pitchFamily="18" charset="0"/>
+              </a:rPr>
+              <a:t>. </a:t>
+            </a:r>
+          </a:p>
+          <a:p>
+            <a:pPr marL="342900" lvl="0" indent="-342900">
+              <a:buFont typeface="+mj-lt"/>
+              <a:buAutoNum type="arabicPeriod"/>
+            </a:pPr>
+            <a:r>
+              <a:rPr lang="en-CA" kern="100" dirty="0">
+                <a:effectLst/>
+                <a:latin typeface="Aptos" panose="020B0004020202020204" pitchFamily="34" charset="0"/>
+                <a:ea typeface="Aptos" panose="020B0004020202020204" pitchFamily="34" charset="0"/>
+                <a:cs typeface="Times New Roman" panose="02020603050405020304" pitchFamily="18" charset="0"/>
+              </a:rPr>
+              <a:t>Greenhouse Gases, CO2, CO2e, and Carbon:  What Do All These Terms Mean? (Brander, July 2023)</a:t>
+            </a:r>
+            <a:br>
+              <a:rPr lang="en-CA" kern="100" dirty="0">
+                <a:effectLst/>
+                <a:latin typeface="Aptos" panose="020B0004020202020204" pitchFamily="34" charset="0"/>
+                <a:ea typeface="Aptos" panose="020B0004020202020204" pitchFamily="34" charset="0"/>
+                <a:cs typeface="Times New Roman" panose="02020603050405020304" pitchFamily="18" charset="0"/>
+              </a:rPr>
+            </a:br>
+            <a:r>
+              <a:rPr lang="en-CA" kern="100" dirty="0">
+                <a:effectLst/>
+                <a:latin typeface="Aptos" panose="020B0004020202020204" pitchFamily="34" charset="0"/>
+                <a:ea typeface="Aptos" panose="020B0004020202020204" pitchFamily="34" charset="0"/>
+                <a:cs typeface="Times New Roman" panose="02020603050405020304" pitchFamily="18" charset="0"/>
+                <a:hlinkClick r:id="rId8"/>
+              </a:rPr>
+              <a:t>https://ecometrica.com/assets/GHGs-CO2-CO2e-and-Carbon-What-Do-These-Mean-v2.1.pdf</a:t>
+            </a:r>
+            <a:r>
+              <a:rPr lang="en-CA" kern="100" dirty="0">
+                <a:effectLst/>
+                <a:latin typeface="Aptos" panose="020B0004020202020204" pitchFamily="34" charset="0"/>
+                <a:ea typeface="Aptos" panose="020B0004020202020204" pitchFamily="34" charset="0"/>
+                <a:cs typeface="Times New Roman" panose="02020603050405020304" pitchFamily="18" charset="0"/>
+              </a:rPr>
+              <a:t> </a:t>
+            </a:r>
+          </a:p>
+          <a:p>
+            <a:pPr marL="681038" lvl="1" indent="-342900">
+              <a:buFont typeface="+mj-lt"/>
+              <a:buAutoNum type="arabicPeriod"/>
+            </a:pPr>
+            <a:endParaRPr lang="en-CA" dirty="0"/>
+          </a:p>
+        </p:txBody>
+      </p:sp>
+    </p:spTree>
+  </p:cSld>
+  <p:clrMapOvr>
+    <a:masterClrMapping/>
+  </p:clrMapOvr>
+  <mc:AlternateContent xmlns:mc="http://schemas.openxmlformats.org/markup-compatibility/2006" xmlns:p14="http://schemas.microsoft.com/office/powerpoint/2010/main">
+    <mc:Choice Requires="p14">
+      <p:transition spd="slow" p14:dur="2000">
+        <p14:doors dir="vert"/>
+      </p:transition>
+    </mc:Choice>
+    <mc:Fallback xmlns="">
+      <p:transition spd="slow">
+        <p:fade/>
+      </p:transition>
+    </mc:Fallback>
+  </mc:AlternateContent>
+</p:sld>
+</file>
+
 <file path=ppt/slides/slide3.xml><?xml version="1.0" encoding="utf-8"?>
 <p:sld xmlns:a="http://schemas.openxmlformats.org/drawingml/2006/main" xmlns:r="http://schemas.openxmlformats.org/officeDocument/2006/relationships" xmlns:p="http://schemas.openxmlformats.org/presentationml/2006/main">
   <p:cSld>
